--- a/Folien/Abschlusssvortrag_Stefan_Effenberger.pptx
+++ b/Folien/Abschlusssvortrag_Stefan_Effenberger.pptx
@@ -5,10 +5,10 @@
     <p:sldMasterId id="2147483652" r:id="rId1"/>
   </p:sldMasterIdLst>
   <p:notesMasterIdLst>
-    <p:notesMasterId r:id="rId19"/>
+    <p:notesMasterId r:id="rId20"/>
   </p:notesMasterIdLst>
   <p:handoutMasterIdLst>
-    <p:handoutMasterId r:id="rId20"/>
+    <p:handoutMasterId r:id="rId21"/>
   </p:handoutMasterIdLst>
   <p:sldIdLst>
     <p:sldId id="836" r:id="rId2"/>
@@ -27,7 +27,8 @@
     <p:sldId id="857" r:id="rId15"/>
     <p:sldId id="858" r:id="rId16"/>
     <p:sldId id="859" r:id="rId17"/>
-    <p:sldId id="846" r:id="rId18"/>
+    <p:sldId id="860" r:id="rId18"/>
+    <p:sldId id="846" r:id="rId19"/>
   </p:sldIdLst>
   <p:sldSz cx="9144000" cy="6858000" type="screen4x3"/>
   <p:notesSz cx="6781800" cy="9855200"/>
@@ -158,7 +159,7 @@
   </p:defaultTextStyle>
   <p:extLst>
     <p:ext uri="{EFAFB233-063F-42B5-8137-9DF3F51BA10A}">
-      <p15:sldGuideLst xmlns:p15="http://schemas.microsoft.com/office/powerpoint/2012/main" xmlns="">
+      <p15:sldGuideLst xmlns="" xmlns:p15="http://schemas.microsoft.com/office/powerpoint/2012/main">
         <p15:guide id="1" orient="horz" pos="4042">
           <p15:clr>
             <a:srgbClr val="A4A3A4"/>
@@ -172,7 +173,7 @@
       </p15:sldGuideLst>
     </p:ext>
     <p:ext uri="{2D200454-40CA-4A62-9FC3-DE9A4176ACB9}">
-      <p15:notesGuideLst xmlns:p15="http://schemas.microsoft.com/office/powerpoint/2012/main" xmlns="">
+      <p15:notesGuideLst xmlns="" xmlns:p15="http://schemas.microsoft.com/office/powerpoint/2012/main">
         <p15:guide id="1" orient="horz" pos="3103">
           <p15:clr>
             <a:srgbClr val="A4A3A4"/>
@@ -345,7 +346,7 @@
             <a:fld id="{AE02961B-B228-4466-84E5-B65BB245109F}" type="datetimeFigureOut">
               <a:rPr lang="de-DE"/>
               <a:pPr/>
-              <a:t>14.05.2018</a:t>
+              <a:t>17.05.2018</a:t>
             </a:fld>
             <a:endParaRPr lang="de-DE"/>
           </a:p>
@@ -4033,13 +4034,8 @@
           <a:p>
             <a:r>
               <a:rPr lang="de-DE" dirty="0" smtClean="0"/>
-              <a:t>Evaluierung anhand von zwei elementaren Graph Algorithme</a:t>
-            </a:r>
-            <a:r>
-              <a:rPr lang="de-DE" dirty="0" smtClean="0"/>
-              <a:t>n:</a:t>
-            </a:r>
-            <a:endParaRPr lang="de-DE" dirty="0" smtClean="0"/>
+              <a:t>Evaluierung anhand von zwei elementaren Graph Algorithmen:</a:t>
+            </a:r>
           </a:p>
           <a:p>
             <a:pPr lvl="1"/>
@@ -4126,7 +4122,6 @@
               <a:rPr lang="de-DE" dirty="0" smtClean="0"/>
               <a:t> der Rechenkraft bei gleichbleibender Datenmenge</a:t>
             </a:r>
-            <a:endParaRPr lang="de-DE" dirty="0" smtClean="0"/>
           </a:p>
           <a:p>
             <a:r>
@@ -5182,9 +5177,14 @@
           <a:lstStyle/>
           <a:p>
             <a:r>
-              <a:rPr lang="de-DE" dirty="0"/>
-              <a:t>Quellen</a:t>
-            </a:r>
+              <a:rPr lang="de-DE" dirty="0" smtClean="0"/>
+              <a:t>Future </a:t>
+            </a:r>
+            <a:r>
+              <a:rPr lang="de-DE" dirty="0" err="1" smtClean="0"/>
+              <a:t>work</a:t>
+            </a:r>
+            <a:endParaRPr lang="de-DE" dirty="0"/>
           </a:p>
         </p:txBody>
       </p:sp>
@@ -5203,84 +5203,64 @@
           <a:bodyPr/>
           <a:lstStyle/>
           <a:p>
-            <a:pPr marL="0" indent="0">
-              <a:spcAft>
-                <a:spcPts val="1800"/>
-              </a:spcAft>
-              <a:buNone/>
-            </a:pPr>
-            <a:r>
-              <a:rPr lang="de-DE" sz="2000" dirty="0"/>
-              <a:t>[1] </a:t>
-            </a:r>
-            <a:r>
-              <a:rPr lang="de-DE" sz="2000" dirty="0">
-                <a:hlinkClick r:id="rId2"/>
-              </a:rPr>
-              <a:t>http://en.cppreference.com/w/cpp/concept/Container</a:t>
-            </a:r>
-            <a:endParaRPr lang="de-DE" sz="2000" dirty="0"/>
-          </a:p>
-          <a:p>
-            <a:pPr marL="0" indent="0">
-              <a:spcAft>
-                <a:spcPts val="1800"/>
-              </a:spcAft>
-              <a:buNone/>
-            </a:pPr>
-            <a:r>
-              <a:rPr lang="de-DE" sz="2000" dirty="0" smtClean="0"/>
-              <a:t>[</a:t>
-            </a:r>
-            <a:r>
-              <a:rPr lang="de-DE" sz="2000" dirty="0"/>
-              <a:t>2</a:t>
-            </a:r>
-            <a:r>
-              <a:rPr lang="de-DE" sz="2000" dirty="0" smtClean="0"/>
-              <a:t>] </a:t>
-            </a:r>
-            <a:r>
-              <a:rPr lang="en-US" sz="2000" dirty="0"/>
-              <a:t>Fast PGAS Implementation of Distributed Graph Algorithms</a:t>
-            </a:r>
-            <a:r>
-              <a:rPr lang="de-DE" sz="2000" dirty="0"/>
-              <a:t> </a:t>
-            </a:r>
-            <a:r>
-              <a:rPr lang="de-DE" sz="2000" i="1" dirty="0"/>
-              <a:t>- </a:t>
-            </a:r>
-            <a:r>
-              <a:rPr lang="de-DE" sz="2000" i="1" dirty="0" err="1"/>
-              <a:t>Guojing</a:t>
-            </a:r>
-            <a:r>
-              <a:rPr lang="de-DE" sz="2000" i="1" dirty="0"/>
-              <a:t> </a:t>
-            </a:r>
-            <a:r>
-              <a:rPr lang="de-DE" sz="2000" i="1" dirty="0" err="1"/>
-              <a:t>Cong</a:t>
-            </a:r>
-            <a:r>
-              <a:rPr lang="de-DE" sz="2000" i="1" dirty="0"/>
-              <a:t>, George </a:t>
-            </a:r>
-            <a:r>
-              <a:rPr lang="de-DE" sz="2000" i="1" dirty="0" err="1"/>
-              <a:t>Almasi</a:t>
-            </a:r>
-            <a:r>
-              <a:rPr lang="de-DE" sz="2000" i="1" dirty="0"/>
-              <a:t> und Vijay A. </a:t>
-            </a:r>
-            <a:r>
-              <a:rPr lang="de-DE" sz="2000" i="1" dirty="0" err="1"/>
-              <a:t>Saraswat</a:t>
-            </a:r>
-            <a:endParaRPr lang="en-US" sz="2000" i="1" dirty="0"/>
+            <a:r>
+              <a:rPr lang="de-DE" dirty="0" smtClean="0"/>
+              <a:t>Entwicklung von Konzepten für das Kommunikations-</a:t>
+            </a:r>
+            <a:r>
+              <a:rPr lang="de-DE" dirty="0" err="1" smtClean="0"/>
+              <a:t>Batching</a:t>
+            </a:r>
+            <a:r>
+              <a:rPr lang="de-DE" dirty="0" smtClean="0"/>
+              <a:t> in PGAS (Graph-)Applikationen</a:t>
+            </a:r>
+          </a:p>
+          <a:p>
+            <a:pPr lvl="1"/>
+            <a:r>
+              <a:rPr lang="de-DE" dirty="0" smtClean="0"/>
+              <a:t>Dabei auch zu beachten: Cache Optimierung</a:t>
+            </a:r>
+          </a:p>
+          <a:p>
+            <a:r>
+              <a:rPr lang="de-DE" dirty="0" smtClean="0"/>
+              <a:t>Element Migration &amp; Load </a:t>
+            </a:r>
+            <a:r>
+              <a:rPr lang="de-DE" dirty="0" err="1" smtClean="0"/>
+              <a:t>Balancing</a:t>
+            </a:r>
+            <a:endParaRPr lang="de-DE" dirty="0" smtClean="0"/>
+          </a:p>
+          <a:p>
+            <a:pPr lvl="1"/>
+            <a:r>
+              <a:rPr lang="de-DE" dirty="0" smtClean="0"/>
+              <a:t>Dynamisches Erkennen von Hotspots</a:t>
+            </a:r>
+          </a:p>
+          <a:p>
+            <a:pPr lvl="1"/>
+            <a:r>
+              <a:rPr lang="de-DE" dirty="0" smtClean="0"/>
+              <a:t>Verschieben von </a:t>
+            </a:r>
+            <a:r>
+              <a:rPr lang="de-DE" dirty="0" err="1" smtClean="0"/>
+              <a:t>Vertizes</a:t>
+            </a:r>
+            <a:r>
+              <a:rPr lang="de-DE" dirty="0" smtClean="0"/>
+              <a:t>/Kanten zu anderen Prozessoren/Knoten während der Laufzeit</a:t>
+            </a:r>
+          </a:p>
+          <a:p>
+            <a:r>
+              <a:rPr lang="de-DE" dirty="0" smtClean="0"/>
+              <a:t>Sozialwissenschaftliche Studien zur Programmierbarkeit</a:t>
+            </a:r>
           </a:p>
         </p:txBody>
       </p:sp>
@@ -5308,6 +5288,207 @@
                 <a:defRPr/>
               </a:pPr>
               <a:t>17</a:t>
+            </a:fld>
+            <a:endParaRPr lang="de-DE" dirty="0"/>
+          </a:p>
+        </p:txBody>
+      </p:sp>
+      <p:sp>
+        <p:nvSpPr>
+          <p:cNvPr id="5" name="Fußzeilenplatzhalter 4"/>
+          <p:cNvSpPr>
+            <a:spLocks noGrp="1"/>
+          </p:cNvSpPr>
+          <p:nvPr>
+            <p:ph type="ftr" sz="quarter" idx="3"/>
+          </p:nvPr>
+        </p:nvSpPr>
+        <p:spPr/>
+        <p:txBody>
+          <a:bodyPr/>
+          <a:lstStyle/>
+          <a:p>
+            <a:r>
+              <a:rPr lang="en-US" smtClean="0"/>
+              <a:t>Masterarbeit "Graph Concepts for the DASH C++ Library"</a:t>
+            </a:r>
+            <a:endParaRPr lang="de-DE" dirty="0"/>
+          </a:p>
+        </p:txBody>
+      </p:sp>
+    </p:spTree>
+    <p:extLst>
+      <p:ext uri="{BB962C8B-B14F-4D97-AF65-F5344CB8AC3E}">
+        <p14:creationId xmlns:p14="http://schemas.microsoft.com/office/powerpoint/2010/main" val="1903541278"/>
+      </p:ext>
+    </p:extLst>
+  </p:cSld>
+  <p:clrMapOvr>
+    <a:masterClrMapping/>
+  </p:clrMapOvr>
+  <p:transition spd="med"/>
+</p:sld>
+</file>
+
+<file path=ppt/slides/slide18.xml><?xml version="1.0" encoding="utf-8"?>
+<p:sld xmlns:a="http://schemas.openxmlformats.org/drawingml/2006/main" xmlns:r="http://schemas.openxmlformats.org/officeDocument/2006/relationships" xmlns:p="http://schemas.openxmlformats.org/presentationml/2006/main">
+  <p:cSld>
+    <p:spTree>
+      <p:nvGrpSpPr>
+        <p:cNvPr id="1" name=""/>
+        <p:cNvGrpSpPr/>
+        <p:nvPr/>
+      </p:nvGrpSpPr>
+      <p:grpSpPr>
+        <a:xfrm>
+          <a:off x="0" y="0"/>
+          <a:ext cx="0" cy="0"/>
+          <a:chOff x="0" y="0"/>
+          <a:chExt cx="0" cy="0"/>
+        </a:xfrm>
+      </p:grpSpPr>
+      <p:sp>
+        <p:nvSpPr>
+          <p:cNvPr id="2" name="Titel 1"/>
+          <p:cNvSpPr>
+            <a:spLocks noGrp="1"/>
+          </p:cNvSpPr>
+          <p:nvPr>
+            <p:ph type="title"/>
+          </p:nvPr>
+        </p:nvSpPr>
+        <p:spPr/>
+        <p:txBody>
+          <a:bodyPr/>
+          <a:lstStyle/>
+          <a:p>
+            <a:r>
+              <a:rPr lang="de-DE" dirty="0"/>
+              <a:t>Quellen</a:t>
+            </a:r>
+          </a:p>
+        </p:txBody>
+      </p:sp>
+      <p:sp>
+        <p:nvSpPr>
+          <p:cNvPr id="3" name="Inhaltsplatzhalter 2"/>
+          <p:cNvSpPr>
+            <a:spLocks noGrp="1"/>
+          </p:cNvSpPr>
+          <p:nvPr>
+            <p:ph idx="1"/>
+          </p:nvPr>
+        </p:nvSpPr>
+        <p:spPr/>
+        <p:txBody>
+          <a:bodyPr/>
+          <a:lstStyle/>
+          <a:p>
+            <a:pPr marL="0" indent="0">
+              <a:spcAft>
+                <a:spcPts val="1800"/>
+              </a:spcAft>
+              <a:buNone/>
+            </a:pPr>
+            <a:r>
+              <a:rPr lang="de-DE" sz="2000" dirty="0"/>
+              <a:t>[1] </a:t>
+            </a:r>
+            <a:r>
+              <a:rPr lang="de-DE" sz="2000" dirty="0">
+                <a:hlinkClick r:id="rId2"/>
+              </a:rPr>
+              <a:t>http://en.cppreference.com/w/cpp/concept/Container</a:t>
+            </a:r>
+            <a:endParaRPr lang="de-DE" sz="2000" dirty="0"/>
+          </a:p>
+          <a:p>
+            <a:pPr marL="0" indent="0">
+              <a:spcAft>
+                <a:spcPts val="1800"/>
+              </a:spcAft>
+              <a:buNone/>
+            </a:pPr>
+            <a:r>
+              <a:rPr lang="de-DE" sz="2000" dirty="0" smtClean="0"/>
+              <a:t>[</a:t>
+            </a:r>
+            <a:r>
+              <a:rPr lang="de-DE" sz="2000" dirty="0"/>
+              <a:t>2</a:t>
+            </a:r>
+            <a:r>
+              <a:rPr lang="de-DE" sz="2000" dirty="0" smtClean="0"/>
+              <a:t>] </a:t>
+            </a:r>
+            <a:r>
+              <a:rPr lang="en-US" sz="2000" dirty="0"/>
+              <a:t>Fast PGAS Implementation of Distributed Graph Algorithms</a:t>
+            </a:r>
+            <a:r>
+              <a:rPr lang="de-DE" sz="2000" dirty="0"/>
+              <a:t> </a:t>
+            </a:r>
+            <a:r>
+              <a:rPr lang="de-DE" sz="2000" i="1" dirty="0"/>
+              <a:t>- </a:t>
+            </a:r>
+            <a:r>
+              <a:rPr lang="de-DE" sz="2000" i="1" dirty="0" err="1"/>
+              <a:t>Guojing</a:t>
+            </a:r>
+            <a:r>
+              <a:rPr lang="de-DE" sz="2000" i="1" dirty="0"/>
+              <a:t> </a:t>
+            </a:r>
+            <a:r>
+              <a:rPr lang="de-DE" sz="2000" i="1" dirty="0" err="1"/>
+              <a:t>Cong</a:t>
+            </a:r>
+            <a:r>
+              <a:rPr lang="de-DE" sz="2000" i="1" dirty="0"/>
+              <a:t>, George </a:t>
+            </a:r>
+            <a:r>
+              <a:rPr lang="de-DE" sz="2000" i="1" dirty="0" err="1"/>
+              <a:t>Almasi</a:t>
+            </a:r>
+            <a:r>
+              <a:rPr lang="de-DE" sz="2000" i="1" dirty="0"/>
+              <a:t> und Vijay A. </a:t>
+            </a:r>
+            <a:r>
+              <a:rPr lang="de-DE" sz="2000" i="1" dirty="0" err="1"/>
+              <a:t>Saraswat</a:t>
+            </a:r>
+            <a:endParaRPr lang="en-US" sz="2000" i="1" dirty="0"/>
+          </a:p>
+        </p:txBody>
+      </p:sp>
+      <p:sp>
+        <p:nvSpPr>
+          <p:cNvPr id="4" name="Foliennummernplatzhalter 3"/>
+          <p:cNvSpPr>
+            <a:spLocks noGrp="1"/>
+          </p:cNvSpPr>
+          <p:nvPr>
+            <p:ph type="sldNum" sz="quarter" idx="4"/>
+          </p:nvPr>
+        </p:nvSpPr>
+        <p:spPr/>
+        <p:txBody>
+          <a:bodyPr/>
+          <a:lstStyle/>
+          <a:p>
+            <a:pPr>
+              <a:defRPr/>
+            </a:pPr>
+            <a:fld id="{70BFFA52-4234-45F6-B1A6-074E24FF43A2}" type="slidenum">
+              <a:rPr lang="de-DE" smtClean="0"/>
+              <a:pPr>
+                <a:defRPr/>
+              </a:pPr>
+              <a:t>18</a:t>
             </a:fld>
             <a:endParaRPr lang="de-DE" dirty="0"/>
           </a:p>
@@ -6391,15 +6572,7 @@
             </a:r>
             <a:r>
               <a:rPr lang="en-US" sz="1600" dirty="0"/>
-              <a:t> </a:t>
-            </a:r>
-            <a:r>
-              <a:rPr lang="en-US" sz="1600" dirty="0"/>
-              <a:t>Container</a:t>
-            </a:r>
-            <a:r>
-              <a:rPr lang="en-US" sz="1600" dirty="0"/>
-              <a:t> is an object used to store other objects and taking care of the management of the memory used by the objects it contains</a:t>
+              <a:t> Container is an object used to store other objects and taking care of the management of the memory used by the objects it contains</a:t>
             </a:r>
             <a:r>
               <a:rPr lang="en-US" sz="1600" dirty="0" smtClean="0"/>

--- a/Folien/Abschlusssvortrag_Stefan_Effenberger.pptx
+++ b/Folien/Abschlusssvortrag_Stefan_Effenberger.pptx
@@ -21,10 +21,10 @@
     <p:sldId id="851" r:id="rId9"/>
     <p:sldId id="852" r:id="rId10"/>
     <p:sldId id="853" r:id="rId11"/>
-    <p:sldId id="854" r:id="rId12"/>
-    <p:sldId id="855" r:id="rId13"/>
-    <p:sldId id="856" r:id="rId14"/>
-    <p:sldId id="857" r:id="rId15"/>
+    <p:sldId id="862" r:id="rId12"/>
+    <p:sldId id="861" r:id="rId13"/>
+    <p:sldId id="857" r:id="rId14"/>
+    <p:sldId id="863" r:id="rId15"/>
     <p:sldId id="858" r:id="rId16"/>
     <p:sldId id="859" r:id="rId17"/>
     <p:sldId id="860" r:id="rId18"/>
@@ -159,7 +159,7 @@
   </p:defaultTextStyle>
   <p:extLst>
     <p:ext uri="{EFAFB233-063F-42B5-8137-9DF3F51BA10A}">
-      <p15:sldGuideLst xmlns="" xmlns:p15="http://schemas.microsoft.com/office/powerpoint/2012/main">
+      <p15:sldGuideLst xmlns:p15="http://schemas.microsoft.com/office/powerpoint/2012/main" xmlns="">
         <p15:guide id="1" orient="horz" pos="4042">
           <p15:clr>
             <a:srgbClr val="A4A3A4"/>
@@ -173,7 +173,7 @@
       </p15:sldGuideLst>
     </p:ext>
     <p:ext uri="{2D200454-40CA-4A62-9FC3-DE9A4176ACB9}">
-      <p15:notesGuideLst xmlns="" xmlns:p15="http://schemas.microsoft.com/office/powerpoint/2012/main">
+      <p15:notesGuideLst xmlns:p15="http://schemas.microsoft.com/office/powerpoint/2012/main" xmlns="">
         <p15:guide id="1" orient="horz" pos="3103">
           <p15:clr>
             <a:srgbClr val="A4A3A4"/>
@@ -346,7 +346,7 @@
             <a:fld id="{AE02961B-B228-4466-84E5-B65BB245109F}" type="datetimeFigureOut">
               <a:rPr lang="de-DE"/>
               <a:pPr/>
-              <a:t>17.05.2018</a:t>
+              <a:t>20.05.2018</a:t>
             </a:fld>
             <a:endParaRPr lang="de-DE"/>
           </a:p>
@@ -752,6 +752,91 @@
             <a:fld id="{87E9C61A-9B5E-4580-98DD-1AC874081FFB}" type="slidenum">
               <a:rPr lang="de-DE" smtClean="0"/>
               <a:pPr/>
+              <a:t>2</a:t>
+            </a:fld>
+            <a:endParaRPr lang="de-DE"/>
+          </a:p>
+        </p:txBody>
+      </p:sp>
+    </p:spTree>
+    <p:extLst>
+      <p:ext uri="{BB962C8B-B14F-4D97-AF65-F5344CB8AC3E}">
+        <p14:creationId xmlns:p14="http://schemas.microsoft.com/office/powerpoint/2010/main" val="2008470173"/>
+      </p:ext>
+    </p:extLst>
+  </p:cSld>
+  <p:clrMapOvr>
+    <a:masterClrMapping/>
+  </p:clrMapOvr>
+</p:notes>
+</file>
+
+<file path=ppt/notesSlides/notesSlide2.xml><?xml version="1.0" encoding="utf-8"?>
+<p:notes xmlns:a="http://schemas.openxmlformats.org/drawingml/2006/main" xmlns:r="http://schemas.openxmlformats.org/officeDocument/2006/relationships" xmlns:p="http://schemas.openxmlformats.org/presentationml/2006/main">
+  <p:cSld>
+    <p:spTree>
+      <p:nvGrpSpPr>
+        <p:cNvPr id="1" name=""/>
+        <p:cNvGrpSpPr/>
+        <p:nvPr/>
+      </p:nvGrpSpPr>
+      <p:grpSpPr>
+        <a:xfrm>
+          <a:off x="0" y="0"/>
+          <a:ext cx="0" cy="0"/>
+          <a:chOff x="0" y="0"/>
+          <a:chExt cx="0" cy="0"/>
+        </a:xfrm>
+      </p:grpSpPr>
+      <p:sp>
+        <p:nvSpPr>
+          <p:cNvPr id="2" name="Folienbildplatzhalter 1"/>
+          <p:cNvSpPr>
+            <a:spLocks noGrp="1" noRot="1" noChangeAspect="1"/>
+          </p:cNvSpPr>
+          <p:nvPr>
+            <p:ph type="sldImg"/>
+          </p:nvPr>
+        </p:nvSpPr>
+        <p:spPr/>
+      </p:sp>
+      <p:sp>
+        <p:nvSpPr>
+          <p:cNvPr id="3" name="Notizenplatzhalter 2"/>
+          <p:cNvSpPr>
+            <a:spLocks noGrp="1"/>
+          </p:cNvSpPr>
+          <p:nvPr>
+            <p:ph type="body" idx="1"/>
+          </p:nvPr>
+        </p:nvSpPr>
+        <p:spPr/>
+        <p:txBody>
+          <a:bodyPr/>
+          <a:lstStyle/>
+          <a:p>
+            <a:endParaRPr lang="de-DE" dirty="0"/>
+          </a:p>
+        </p:txBody>
+      </p:sp>
+      <p:sp>
+        <p:nvSpPr>
+          <p:cNvPr id="4" name="Foliennummernplatzhalter 3"/>
+          <p:cNvSpPr>
+            <a:spLocks noGrp="1"/>
+          </p:cNvSpPr>
+          <p:nvPr>
+            <p:ph type="sldNum" sz="quarter" idx="10"/>
+          </p:nvPr>
+        </p:nvSpPr>
+        <p:spPr/>
+        <p:txBody>
+          <a:bodyPr/>
+          <a:lstStyle/>
+          <a:p>
+            <a:fld id="{87E9C61A-9B5E-4580-98DD-1AC874081FFB}" type="slidenum">
+              <a:rPr lang="de-DE" smtClean="0"/>
+              <a:pPr/>
               <a:t>5</a:t>
             </a:fld>
             <a:endParaRPr lang="de-DE"/>
@@ -762,6 +847,91 @@
     <p:extLst>
       <p:ext uri="{BB962C8B-B14F-4D97-AF65-F5344CB8AC3E}">
         <p14:creationId xmlns:p14="http://schemas.microsoft.com/office/powerpoint/2010/main" val="2993172836"/>
+      </p:ext>
+    </p:extLst>
+  </p:cSld>
+  <p:clrMapOvr>
+    <a:masterClrMapping/>
+  </p:clrMapOvr>
+</p:notes>
+</file>
+
+<file path=ppt/notesSlides/notesSlide3.xml><?xml version="1.0" encoding="utf-8"?>
+<p:notes xmlns:a="http://schemas.openxmlformats.org/drawingml/2006/main" xmlns:r="http://schemas.openxmlformats.org/officeDocument/2006/relationships" xmlns:p="http://schemas.openxmlformats.org/presentationml/2006/main">
+  <p:cSld>
+    <p:spTree>
+      <p:nvGrpSpPr>
+        <p:cNvPr id="1" name=""/>
+        <p:cNvGrpSpPr/>
+        <p:nvPr/>
+      </p:nvGrpSpPr>
+      <p:grpSpPr>
+        <a:xfrm>
+          <a:off x="0" y="0"/>
+          <a:ext cx="0" cy="0"/>
+          <a:chOff x="0" y="0"/>
+          <a:chExt cx="0" cy="0"/>
+        </a:xfrm>
+      </p:grpSpPr>
+      <p:sp>
+        <p:nvSpPr>
+          <p:cNvPr id="2" name="Folienbildplatzhalter 1"/>
+          <p:cNvSpPr>
+            <a:spLocks noGrp="1" noRot="1" noChangeAspect="1"/>
+          </p:cNvSpPr>
+          <p:nvPr>
+            <p:ph type="sldImg"/>
+          </p:nvPr>
+        </p:nvSpPr>
+        <p:spPr/>
+      </p:sp>
+      <p:sp>
+        <p:nvSpPr>
+          <p:cNvPr id="3" name="Notizenplatzhalter 2"/>
+          <p:cNvSpPr>
+            <a:spLocks noGrp="1"/>
+          </p:cNvSpPr>
+          <p:nvPr>
+            <p:ph type="body" idx="1"/>
+          </p:nvPr>
+        </p:nvSpPr>
+        <p:spPr/>
+        <p:txBody>
+          <a:bodyPr/>
+          <a:lstStyle/>
+          <a:p>
+            <a:endParaRPr lang="de-DE" dirty="0"/>
+          </a:p>
+        </p:txBody>
+      </p:sp>
+      <p:sp>
+        <p:nvSpPr>
+          <p:cNvPr id="4" name="Foliennummernplatzhalter 3"/>
+          <p:cNvSpPr>
+            <a:spLocks noGrp="1"/>
+          </p:cNvSpPr>
+          <p:nvPr>
+            <p:ph type="sldNum" sz="quarter" idx="10"/>
+          </p:nvPr>
+        </p:nvSpPr>
+        <p:spPr/>
+        <p:txBody>
+          <a:bodyPr/>
+          <a:lstStyle/>
+          <a:p>
+            <a:fld id="{87E9C61A-9B5E-4580-98DD-1AC874081FFB}" type="slidenum">
+              <a:rPr lang="de-DE" smtClean="0"/>
+              <a:pPr/>
+              <a:t>14</a:t>
+            </a:fld>
+            <a:endParaRPr lang="de-DE"/>
+          </a:p>
+        </p:txBody>
+      </p:sp>
+    </p:spTree>
+    <p:extLst>
+      <p:ext uri="{BB962C8B-B14F-4D97-AF65-F5344CB8AC3E}">
+        <p14:creationId xmlns:p14="http://schemas.microsoft.com/office/powerpoint/2010/main" val="923808136"/>
       </p:ext>
     </p:extLst>
   </p:cSld>
@@ -2640,7 +2810,15 @@
           <a:p>
             <a:r>
               <a:rPr lang="de-DE" kern="0" dirty="0" smtClean="0"/>
-              <a:t>Benutzer-induzierte Synchronisation des Speicherraums: </a:t>
+              <a:t>Benutzer-induzierte Synchronisation des </a:t>
+            </a:r>
+            <a:r>
+              <a:rPr lang="de-DE" kern="0" dirty="0" smtClean="0"/>
+              <a:t>Adressraums</a:t>
+            </a:r>
+            <a:r>
+              <a:rPr lang="de-DE" kern="0" dirty="0" smtClean="0"/>
+              <a:t>: </a:t>
             </a:r>
             <a:r>
               <a:rPr lang="de-DE" i="1" kern="0" dirty="0" smtClean="0"/>
@@ -2764,7 +2942,7 @@
         <p:spPr>
           <a:xfrm>
             <a:off x="2771750" y="2401123"/>
-            <a:ext cx="1473480" cy="307777"/>
+            <a:ext cx="1858201" cy="369332"/>
           </a:xfrm>
           <a:prstGeom prst="rect">
             <a:avLst/>
@@ -2778,14 +2956,14 @@
           <a:lstStyle/>
           <a:p>
             <a:r>
-              <a:rPr lang="de-DE" sz="1400" b="1" dirty="0" err="1" smtClean="0">
+              <a:rPr lang="de-DE" sz="1800" b="1" dirty="0" err="1" smtClean="0">
                 <a:latin typeface="DejaVu Sans Mono" panose="020B0609030804020204" pitchFamily="49" charset="0"/>
                 <a:ea typeface="DejaVu Sans Mono" panose="020B0609030804020204" pitchFamily="49" charset="0"/>
                 <a:cs typeface="DejaVu Sans Mono" panose="020B0609030804020204" pitchFamily="49" charset="0"/>
               </a:rPr>
               <a:t>DynamicGraph</a:t>
             </a:r>
-            <a:endParaRPr lang="de-DE" sz="1400" b="1" dirty="0">
+            <a:endParaRPr lang="de-DE" sz="1800" b="1" dirty="0">
               <a:latin typeface="DejaVu Sans Mono" panose="020B0609030804020204" pitchFamily="49" charset="0"/>
               <a:ea typeface="DejaVu Sans Mono" panose="020B0609030804020204" pitchFamily="49" charset="0"/>
               <a:cs typeface="DejaVu Sans Mono" panose="020B0609030804020204" pitchFamily="49" charset="0"/>
@@ -2917,11 +3095,7 @@
           <a:p>
             <a:r>
               <a:rPr lang="de-DE" dirty="0" smtClean="0"/>
-              <a:t>Graph Konzepte: </a:t>
-            </a:r>
-            <a:r>
-              <a:rPr lang="de-DE" dirty="0" err="1" smtClean="0"/>
-              <a:t>DuplexGraph</a:t>
+              <a:t>Code-Beispiel</a:t>
             </a:r>
             <a:endParaRPr lang="de-DE" dirty="0"/>
           </a:p>
@@ -2981,441 +3155,907 @@
       </p:sp>
       <p:sp>
         <p:nvSpPr>
-          <p:cNvPr id="14" name="Inhaltsplatzhalter 2"/>
-          <p:cNvSpPr txBox="1">
-            <a:spLocks/>
-          </p:cNvSpPr>
+          <p:cNvPr id="8" name="Textfeld 7"/>
+          <p:cNvSpPr txBox="1"/>
           <p:nvPr/>
         </p:nvSpPr>
-        <p:spPr bwMode="auto">
+        <p:spPr>
           <a:xfrm>
-            <a:off x="226800" y="3429000"/>
-            <a:ext cx="8666222" cy="1872260"/>
+            <a:off x="179390" y="1844780"/>
+            <a:ext cx="8785220" cy="3872168"/>
           </a:xfrm>
           <a:prstGeom prst="rect">
             <a:avLst/>
           </a:prstGeom>
-          <a:noFill/>
-          <a:ln w="9525">
+          <a:solidFill>
+            <a:schemeClr val="bg1">
+              <a:lumMod val="95000"/>
+            </a:schemeClr>
+          </a:solidFill>
+          <a:ln>
             <a:noFill/>
-            <a:miter lim="800000"/>
-            <a:headEnd/>
-            <a:tailEnd/>
           </a:ln>
         </p:spPr>
         <p:txBody>
-          <a:bodyPr vert="horz" wrap="square" lIns="91440" tIns="45720" rIns="91440" bIns="45720" numCol="1" anchor="t" anchorCtr="0" compatLnSpc="1">
-            <a:prstTxWarp prst="textNoShape">
-              <a:avLst/>
-            </a:prstTxWarp>
-          </a:bodyPr>
-          <a:lstStyle>
-            <a:lvl1pPr marL="342900" indent="-342900" algn="l" rtl="0" eaLnBrk="0" fontAlgn="base" hangingPunct="0">
-              <a:lnSpc>
-                <a:spcPct val="100000"/>
-              </a:lnSpc>
-              <a:spcBef>
-                <a:spcPts val="0"/>
-              </a:spcBef>
-              <a:spcAft>
-                <a:spcPts val="600"/>
-              </a:spcAft>
-              <a:buClrTx/>
-              <a:buChar char="•"/>
-              <a:defRPr sz="2400">
-                <a:solidFill>
-                  <a:schemeClr val="tx1"/>
-                </a:solidFill>
-                <a:latin typeface="+mn-lt"/>
-                <a:ea typeface="+mn-ea"/>
-                <a:cs typeface="+mn-cs"/>
-              </a:defRPr>
-            </a:lvl1pPr>
-            <a:lvl2pPr marL="742950" indent="-285750" algn="l" rtl="0" eaLnBrk="0" fontAlgn="base" hangingPunct="0">
-              <a:lnSpc>
-                <a:spcPct val="100000"/>
-              </a:lnSpc>
-              <a:spcBef>
-                <a:spcPts val="0"/>
-              </a:spcBef>
-              <a:spcAft>
-                <a:spcPts val="600"/>
-              </a:spcAft>
-              <a:buClrTx/>
-              <a:buFont typeface="Symbol" panose="05050102010706020507" pitchFamily="18" charset="2"/>
-              <a:buChar char="-"/>
-              <a:defRPr sz="2000">
-                <a:solidFill>
-                  <a:schemeClr val="tx1"/>
-                </a:solidFill>
-                <a:latin typeface="+mn-lt"/>
-              </a:defRPr>
-            </a:lvl2pPr>
-            <a:lvl3pPr marL="1143000" indent="-228600" algn="l" rtl="0" eaLnBrk="0" fontAlgn="base" hangingPunct="0">
-              <a:lnSpc>
-                <a:spcPct val="100000"/>
-              </a:lnSpc>
-              <a:spcBef>
-                <a:spcPts val="0"/>
-              </a:spcBef>
-              <a:spcAft>
-                <a:spcPts val="600"/>
-              </a:spcAft>
-              <a:buClrTx/>
-              <a:buFont typeface="LMU CompatilFact" pitchFamily="2" charset="0"/>
-              <a:buChar char="–"/>
-              <a:defRPr sz="2000">
-                <a:solidFill>
-                  <a:schemeClr val="tx1"/>
-                </a:solidFill>
-                <a:latin typeface="+mn-lt"/>
-              </a:defRPr>
-            </a:lvl3pPr>
-            <a:lvl4pPr marL="1562100" indent="-228600" algn="l" rtl="0" eaLnBrk="0" fontAlgn="base" hangingPunct="0">
-              <a:lnSpc>
-                <a:spcPct val="100000"/>
-              </a:lnSpc>
-              <a:spcBef>
-                <a:spcPts val="0"/>
-              </a:spcBef>
-              <a:spcAft>
-                <a:spcPts val="600"/>
-              </a:spcAft>
-              <a:buClrTx/>
-              <a:buChar char="-"/>
-              <a:defRPr sz="2000">
-                <a:solidFill>
-                  <a:schemeClr val="tx1"/>
-                </a:solidFill>
-                <a:latin typeface="+mn-lt"/>
-              </a:defRPr>
-            </a:lvl4pPr>
-            <a:lvl5pPr marL="1981200" indent="-228600" algn="l" rtl="0" eaLnBrk="0" fontAlgn="base" hangingPunct="0">
-              <a:lnSpc>
-                <a:spcPct val="100000"/>
-              </a:lnSpc>
-              <a:spcBef>
-                <a:spcPts val="0"/>
-              </a:spcBef>
-              <a:spcAft>
-                <a:spcPts val="600"/>
-              </a:spcAft>
-              <a:buClrTx/>
-              <a:buChar char="»"/>
-              <a:defRPr sz="2000">
-                <a:solidFill>
-                  <a:schemeClr val="tx1"/>
-                </a:solidFill>
-                <a:latin typeface="+mn-lt"/>
-              </a:defRPr>
-            </a:lvl5pPr>
-            <a:lvl6pPr marL="2438400" indent="-228600" algn="l" rtl="0" fontAlgn="base">
-              <a:spcBef>
-                <a:spcPct val="20000"/>
-              </a:spcBef>
-              <a:spcAft>
-                <a:spcPct val="0"/>
-              </a:spcAft>
-              <a:defRPr sz="1600">
-                <a:solidFill>
-                  <a:srgbClr val="006C30"/>
-                </a:solidFill>
-                <a:latin typeface="+mn-lt"/>
-              </a:defRPr>
-            </a:lvl6pPr>
-            <a:lvl7pPr marL="2895600" indent="-228600" algn="l" rtl="0" fontAlgn="base">
-              <a:spcBef>
-                <a:spcPct val="20000"/>
-              </a:spcBef>
-              <a:spcAft>
-                <a:spcPct val="0"/>
-              </a:spcAft>
-              <a:defRPr sz="1600">
-                <a:solidFill>
-                  <a:srgbClr val="006C30"/>
-                </a:solidFill>
-                <a:latin typeface="+mn-lt"/>
-              </a:defRPr>
-            </a:lvl7pPr>
-            <a:lvl8pPr marL="3352800" indent="-228600" algn="l" rtl="0" fontAlgn="base">
-              <a:spcBef>
-                <a:spcPct val="20000"/>
-              </a:spcBef>
-              <a:spcAft>
-                <a:spcPct val="0"/>
-              </a:spcAft>
-              <a:defRPr sz="1600">
-                <a:solidFill>
-                  <a:srgbClr val="006C30"/>
-                </a:solidFill>
-                <a:latin typeface="+mn-lt"/>
-              </a:defRPr>
-            </a:lvl8pPr>
-            <a:lvl9pPr marL="3810000" indent="-228600" algn="l" rtl="0" fontAlgn="base">
-              <a:spcBef>
-                <a:spcPct val="20000"/>
-              </a:spcBef>
-              <a:spcAft>
-                <a:spcPct val="0"/>
-              </a:spcAft>
-              <a:defRPr sz="1600">
-                <a:solidFill>
-                  <a:srgbClr val="006C30"/>
-                </a:solidFill>
-                <a:latin typeface="+mn-lt"/>
-              </a:defRPr>
-            </a:lvl9pPr>
-          </a:lstStyle>
-          <a:p>
-            <a:r>
-              <a:rPr lang="de-DE" kern="0" dirty="0" err="1" smtClean="0"/>
-              <a:t>Adjazenz</a:t>
-            </a:r>
-            <a:r>
-              <a:rPr lang="de-DE" kern="0" dirty="0" smtClean="0"/>
-              <a:t>-Iteration über eingehende Kanten</a:t>
-            </a:r>
-          </a:p>
-          <a:p>
-            <a:r>
-              <a:rPr lang="de-DE" kern="0" dirty="0" smtClean="0"/>
-              <a:t>Verpflichtend bei </a:t>
-            </a:r>
-            <a:r>
-              <a:rPr lang="de-DE" i="1" kern="0" dirty="0" err="1" smtClean="0"/>
-              <a:t>ungerichteten</a:t>
-            </a:r>
-            <a:r>
-              <a:rPr lang="de-DE" i="1" kern="0" dirty="0" smtClean="0"/>
-              <a:t> Graphen</a:t>
-            </a:r>
-            <a:endParaRPr lang="de-DE" i="1" kern="0" dirty="0"/>
-          </a:p>
-        </p:txBody>
-      </p:sp>
-      <p:pic>
-        <p:nvPicPr>
-          <p:cNvPr id="16" name="Inhaltsplatzhalter 15"/>
-          <p:cNvPicPr>
-            <a:picLocks noGrp="1" noChangeAspect="1"/>
-          </p:cNvPicPr>
-          <p:nvPr>
-            <p:ph idx="1"/>
-          </p:nvPr>
-        </p:nvPicPr>
-        <p:blipFill>
-          <a:blip r:embed="rId2">
-            <a:extLst>
-              <a:ext uri="{28A0092B-C50C-407E-A947-70E740481C1C}">
-                <a14:useLocalDpi xmlns:a14="http://schemas.microsoft.com/office/drawing/2010/main" val="0"/>
-              </a:ext>
-            </a:extLst>
-          </a:blip>
-          <a:stretch>
-            <a:fillRect/>
-          </a:stretch>
-        </p:blipFill>
-        <p:spPr>
-          <a:xfrm>
-            <a:off x="1115520" y="1834912"/>
-            <a:ext cx="6649460" cy="478761"/>
-          </a:xfrm>
-        </p:spPr>
-      </p:pic>
-      <p:sp>
-        <p:nvSpPr>
-          <p:cNvPr id="17" name="Textfeld 16"/>
-          <p:cNvSpPr txBox="1"/>
-          <p:nvPr/>
-        </p:nvSpPr>
-        <p:spPr>
-          <a:xfrm>
-            <a:off x="4194000" y="1566384"/>
-            <a:ext cx="721672" cy="307777"/>
-          </a:xfrm>
-          <a:prstGeom prst="rect">
-            <a:avLst/>
-          </a:prstGeom>
-          <a:noFill/>
-        </p:spPr>
-        <p:txBody>
-          <a:bodyPr wrap="none" rtlCol="0">
+          <a:bodyPr wrap="square" lIns="180000" tIns="180000" rIns="180000" bIns="180000" rtlCol="0">
             <a:spAutoFit/>
           </a:bodyPr>
           <a:lstStyle/>
           <a:p>
             <a:r>
-              <a:rPr lang="de-DE" sz="1400" dirty="0" smtClean="0">
+              <a:rPr lang="de-DE" dirty="0" err="1">
+                <a:solidFill>
+                  <a:schemeClr val="accent2">
+                    <a:lumMod val="60000"/>
+                    <a:lumOff val="40000"/>
+                  </a:schemeClr>
+                </a:solidFill>
                 <a:latin typeface="DejaVu Sans Mono" panose="020B0609030804020204" pitchFamily="49" charset="0"/>
                 <a:ea typeface="DejaVu Sans Mono" panose="020B0609030804020204" pitchFamily="49" charset="0"/>
                 <a:cs typeface="DejaVu Sans Mono" panose="020B0609030804020204" pitchFamily="49" charset="0"/>
               </a:rPr>
-              <a:t>Graph</a:t>
-            </a:r>
-            <a:endParaRPr lang="de-DE" sz="1400" dirty="0">
+              <a:t>struct</a:t>
+            </a:r>
+            <a:r>
+              <a:rPr lang="de-DE" dirty="0">
+                <a:latin typeface="DejaVu Sans Mono" panose="020B0609030804020204" pitchFamily="49" charset="0"/>
+                <a:ea typeface="DejaVu Sans Mono" panose="020B0609030804020204" pitchFamily="49" charset="0"/>
+                <a:cs typeface="DejaVu Sans Mono" panose="020B0609030804020204" pitchFamily="49" charset="0"/>
+              </a:rPr>
+              <a:t> </a:t>
+            </a:r>
+            <a:r>
+              <a:rPr lang="de-DE" dirty="0" err="1">
+                <a:latin typeface="DejaVu Sans Mono" panose="020B0609030804020204" pitchFamily="49" charset="0"/>
+                <a:ea typeface="DejaVu Sans Mono" panose="020B0609030804020204" pitchFamily="49" charset="0"/>
+                <a:cs typeface="DejaVu Sans Mono" panose="020B0609030804020204" pitchFamily="49" charset="0"/>
+              </a:rPr>
+              <a:t>v_prop</a:t>
+            </a:r>
+            <a:r>
+              <a:rPr lang="de-DE" dirty="0">
+                <a:latin typeface="DejaVu Sans Mono" panose="020B0609030804020204" pitchFamily="49" charset="0"/>
+                <a:ea typeface="DejaVu Sans Mono" panose="020B0609030804020204" pitchFamily="49" charset="0"/>
+                <a:cs typeface="DejaVu Sans Mono" panose="020B0609030804020204" pitchFamily="49" charset="0"/>
+              </a:rPr>
+              <a:t> {</a:t>
+            </a:r>
+          </a:p>
+          <a:p>
+            <a:r>
+              <a:rPr lang="de-DE" dirty="0">
+                <a:latin typeface="DejaVu Sans Mono" panose="020B0609030804020204" pitchFamily="49" charset="0"/>
+                <a:ea typeface="DejaVu Sans Mono" panose="020B0609030804020204" pitchFamily="49" charset="0"/>
+                <a:cs typeface="DejaVu Sans Mono" panose="020B0609030804020204" pitchFamily="49" charset="0"/>
+              </a:rPr>
+              <a:t>  </a:t>
+            </a:r>
+            <a:r>
+              <a:rPr lang="de-DE" dirty="0" err="1">
+                <a:solidFill>
+                  <a:schemeClr val="accent2">
+                    <a:lumMod val="60000"/>
+                    <a:lumOff val="40000"/>
+                  </a:schemeClr>
+                </a:solidFill>
+                <a:latin typeface="DejaVu Sans Mono" panose="020B0609030804020204" pitchFamily="49" charset="0"/>
+                <a:ea typeface="DejaVu Sans Mono" panose="020B0609030804020204" pitchFamily="49" charset="0"/>
+                <a:cs typeface="DejaVu Sans Mono" panose="020B0609030804020204" pitchFamily="49" charset="0"/>
+              </a:rPr>
+              <a:t>int</a:t>
+            </a:r>
+            <a:r>
+              <a:rPr lang="de-DE" dirty="0">
+                <a:latin typeface="DejaVu Sans Mono" panose="020B0609030804020204" pitchFamily="49" charset="0"/>
+                <a:ea typeface="DejaVu Sans Mono" panose="020B0609030804020204" pitchFamily="49" charset="0"/>
+                <a:cs typeface="DejaVu Sans Mono" panose="020B0609030804020204" pitchFamily="49" charset="0"/>
+              </a:rPr>
+              <a:t> </a:t>
+            </a:r>
+            <a:r>
+              <a:rPr lang="de-DE" dirty="0" err="1">
+                <a:latin typeface="DejaVu Sans Mono" panose="020B0609030804020204" pitchFamily="49" charset="0"/>
+                <a:ea typeface="DejaVu Sans Mono" panose="020B0609030804020204" pitchFamily="49" charset="0"/>
+                <a:cs typeface="DejaVu Sans Mono" panose="020B0609030804020204" pitchFamily="49" charset="0"/>
+              </a:rPr>
+              <a:t>id</a:t>
+            </a:r>
+            <a:endParaRPr lang="de-DE" dirty="0">
               <a:latin typeface="DejaVu Sans Mono" panose="020B0609030804020204" pitchFamily="49" charset="0"/>
               <a:ea typeface="DejaVu Sans Mono" panose="020B0609030804020204" pitchFamily="49" charset="0"/>
               <a:cs typeface="DejaVu Sans Mono" panose="020B0609030804020204" pitchFamily="49" charset="0"/>
             </a:endParaRPr>
           </a:p>
-        </p:txBody>
-      </p:sp>
-      <p:sp>
-        <p:nvSpPr>
-          <p:cNvPr id="18" name="Textfeld 17"/>
-          <p:cNvSpPr txBox="1"/>
-          <p:nvPr/>
-        </p:nvSpPr>
-        <p:spPr>
-          <a:xfrm>
-            <a:off x="395420" y="2401123"/>
-            <a:ext cx="1795684" cy="307777"/>
-          </a:xfrm>
-          <a:prstGeom prst="rect">
-            <a:avLst/>
-          </a:prstGeom>
-          <a:noFill/>
-        </p:spPr>
-        <p:txBody>
-          <a:bodyPr wrap="none" rtlCol="0">
-            <a:spAutoFit/>
-          </a:bodyPr>
-          <a:lstStyle/>
-          <a:p>
-            <a:r>
-              <a:rPr lang="de-DE" sz="1400" dirty="0" err="1" smtClean="0">
+          <a:p>
+            <a:r>
+              <a:rPr lang="de-DE" dirty="0">
                 <a:latin typeface="DejaVu Sans Mono" panose="020B0609030804020204" pitchFamily="49" charset="0"/>
                 <a:ea typeface="DejaVu Sans Mono" panose="020B0609030804020204" pitchFamily="49" charset="0"/>
                 <a:cs typeface="DejaVu Sans Mono" panose="020B0609030804020204" pitchFamily="49" charset="0"/>
               </a:rPr>
-              <a:t>AttributedGraph</a:t>
-            </a:r>
-            <a:endParaRPr lang="de-DE" sz="1400" dirty="0">
+              <a:t>};</a:t>
+            </a:r>
+          </a:p>
+          <a:p>
+            <a:endParaRPr lang="de-DE" dirty="0">
               <a:latin typeface="DejaVu Sans Mono" panose="020B0609030804020204" pitchFamily="49" charset="0"/>
               <a:ea typeface="DejaVu Sans Mono" panose="020B0609030804020204" pitchFamily="49" charset="0"/>
               <a:cs typeface="DejaVu Sans Mono" panose="020B0609030804020204" pitchFamily="49" charset="0"/>
             </a:endParaRPr>
           </a:p>
-        </p:txBody>
-      </p:sp>
-      <p:sp>
-        <p:nvSpPr>
-          <p:cNvPr id="19" name="Textfeld 18"/>
-          <p:cNvSpPr txBox="1"/>
-          <p:nvPr/>
-        </p:nvSpPr>
-        <p:spPr>
-          <a:xfrm>
-            <a:off x="2771750" y="2401123"/>
-            <a:ext cx="1473480" cy="307777"/>
-          </a:xfrm>
-          <a:prstGeom prst="rect">
-            <a:avLst/>
-          </a:prstGeom>
-          <a:noFill/>
-        </p:spPr>
-        <p:txBody>
-          <a:bodyPr wrap="none" rtlCol="0">
-            <a:spAutoFit/>
-          </a:bodyPr>
-          <a:lstStyle/>
-          <a:p>
-            <a:r>
-              <a:rPr lang="de-DE" sz="1400" dirty="0" err="1" smtClean="0">
+          <a:p>
+            <a:r>
+              <a:rPr lang="de-DE" dirty="0" err="1">
+                <a:solidFill>
+                  <a:schemeClr val="accent2">
+                    <a:lumMod val="60000"/>
+                    <a:lumOff val="40000"/>
+                  </a:schemeClr>
+                </a:solidFill>
                 <a:latin typeface="DejaVu Sans Mono" panose="020B0609030804020204" pitchFamily="49" charset="0"/>
                 <a:ea typeface="DejaVu Sans Mono" panose="020B0609030804020204" pitchFamily="49" charset="0"/>
                 <a:cs typeface="DejaVu Sans Mono" panose="020B0609030804020204" pitchFamily="49" charset="0"/>
               </a:rPr>
-              <a:t>DynamicGraph</a:t>
-            </a:r>
-            <a:endParaRPr lang="de-DE" sz="1400" dirty="0">
+              <a:t>struct</a:t>
+            </a:r>
+            <a:r>
+              <a:rPr lang="de-DE" dirty="0">
+                <a:latin typeface="DejaVu Sans Mono" panose="020B0609030804020204" pitchFamily="49" charset="0"/>
+                <a:ea typeface="DejaVu Sans Mono" panose="020B0609030804020204" pitchFamily="49" charset="0"/>
+                <a:cs typeface="DejaVu Sans Mono" panose="020B0609030804020204" pitchFamily="49" charset="0"/>
+              </a:rPr>
+              <a:t> </a:t>
+            </a:r>
+            <a:r>
+              <a:rPr lang="de-DE" dirty="0" err="1">
+                <a:latin typeface="DejaVu Sans Mono" panose="020B0609030804020204" pitchFamily="49" charset="0"/>
+                <a:ea typeface="DejaVu Sans Mono" panose="020B0609030804020204" pitchFamily="49" charset="0"/>
+                <a:cs typeface="DejaVu Sans Mono" panose="020B0609030804020204" pitchFamily="49" charset="0"/>
+              </a:rPr>
+              <a:t>e_prop</a:t>
+            </a:r>
+            <a:r>
+              <a:rPr lang="de-DE" dirty="0">
+                <a:latin typeface="DejaVu Sans Mono" panose="020B0609030804020204" pitchFamily="49" charset="0"/>
+                <a:ea typeface="DejaVu Sans Mono" panose="020B0609030804020204" pitchFamily="49" charset="0"/>
+                <a:cs typeface="DejaVu Sans Mono" panose="020B0609030804020204" pitchFamily="49" charset="0"/>
+              </a:rPr>
+              <a:t> {</a:t>
+            </a:r>
+          </a:p>
+          <a:p>
+            <a:r>
+              <a:rPr lang="de-DE" dirty="0">
+                <a:latin typeface="DejaVu Sans Mono" panose="020B0609030804020204" pitchFamily="49" charset="0"/>
+                <a:ea typeface="DejaVu Sans Mono" panose="020B0609030804020204" pitchFamily="49" charset="0"/>
+                <a:cs typeface="DejaVu Sans Mono" panose="020B0609030804020204" pitchFamily="49" charset="0"/>
+              </a:rPr>
+              <a:t>  </a:t>
+            </a:r>
+            <a:r>
+              <a:rPr lang="de-DE" dirty="0" err="1">
+                <a:solidFill>
+                  <a:schemeClr val="accent2">
+                    <a:lumMod val="60000"/>
+                    <a:lumOff val="40000"/>
+                  </a:schemeClr>
+                </a:solidFill>
+                <a:latin typeface="DejaVu Sans Mono" panose="020B0609030804020204" pitchFamily="49" charset="0"/>
+                <a:ea typeface="DejaVu Sans Mono" panose="020B0609030804020204" pitchFamily="49" charset="0"/>
+                <a:cs typeface="DejaVu Sans Mono" panose="020B0609030804020204" pitchFamily="49" charset="0"/>
+              </a:rPr>
+              <a:t>int</a:t>
+            </a:r>
+            <a:r>
+              <a:rPr lang="de-DE" dirty="0">
+                <a:latin typeface="DejaVu Sans Mono" panose="020B0609030804020204" pitchFamily="49" charset="0"/>
+                <a:ea typeface="DejaVu Sans Mono" panose="020B0609030804020204" pitchFamily="49" charset="0"/>
+                <a:cs typeface="DejaVu Sans Mono" panose="020B0609030804020204" pitchFamily="49" charset="0"/>
+              </a:rPr>
+              <a:t> </a:t>
+            </a:r>
+            <a:r>
+              <a:rPr lang="de-DE" dirty="0" err="1">
+                <a:latin typeface="DejaVu Sans Mono" panose="020B0609030804020204" pitchFamily="49" charset="0"/>
+                <a:ea typeface="DejaVu Sans Mono" panose="020B0609030804020204" pitchFamily="49" charset="0"/>
+                <a:cs typeface="DejaVu Sans Mono" panose="020B0609030804020204" pitchFamily="49" charset="0"/>
+              </a:rPr>
+              <a:t>id</a:t>
+            </a:r>
+            <a:endParaRPr lang="de-DE" dirty="0">
               <a:latin typeface="DejaVu Sans Mono" panose="020B0609030804020204" pitchFamily="49" charset="0"/>
               <a:ea typeface="DejaVu Sans Mono" panose="020B0609030804020204" pitchFamily="49" charset="0"/>
               <a:cs typeface="DejaVu Sans Mono" panose="020B0609030804020204" pitchFamily="49" charset="0"/>
             </a:endParaRPr>
           </a:p>
-        </p:txBody>
-      </p:sp>
-      <p:sp>
-        <p:nvSpPr>
-          <p:cNvPr id="20" name="Textfeld 19"/>
-          <p:cNvSpPr txBox="1"/>
-          <p:nvPr/>
-        </p:nvSpPr>
-        <p:spPr>
-          <a:xfrm>
-            <a:off x="4788030" y="2401123"/>
-            <a:ext cx="1366080" cy="307777"/>
-          </a:xfrm>
-          <a:prstGeom prst="rect">
-            <a:avLst/>
-          </a:prstGeom>
-          <a:noFill/>
-        </p:spPr>
-        <p:txBody>
-          <a:bodyPr wrap="none" rtlCol="0">
-            <a:spAutoFit/>
-          </a:bodyPr>
-          <a:lstStyle/>
-          <a:p>
-            <a:r>
-              <a:rPr lang="de-DE" sz="1400" b="1" dirty="0" err="1" smtClean="0">
+          <a:p>
+            <a:r>
+              <a:rPr lang="de-DE" dirty="0">
                 <a:latin typeface="DejaVu Sans Mono" panose="020B0609030804020204" pitchFamily="49" charset="0"/>
                 <a:ea typeface="DejaVu Sans Mono" panose="020B0609030804020204" pitchFamily="49" charset="0"/>
                 <a:cs typeface="DejaVu Sans Mono" panose="020B0609030804020204" pitchFamily="49" charset="0"/>
               </a:rPr>
-              <a:t>DuplexGraph</a:t>
-            </a:r>
-            <a:endParaRPr lang="de-DE" sz="1400" b="1" dirty="0">
+              <a:t>};</a:t>
+            </a:r>
+          </a:p>
+          <a:p>
+            <a:endParaRPr lang="de-DE" dirty="0">
               <a:latin typeface="DejaVu Sans Mono" panose="020B0609030804020204" pitchFamily="49" charset="0"/>
               <a:ea typeface="DejaVu Sans Mono" panose="020B0609030804020204" pitchFamily="49" charset="0"/>
               <a:cs typeface="DejaVu Sans Mono" panose="020B0609030804020204" pitchFamily="49" charset="0"/>
             </a:endParaRPr>
           </a:p>
-        </p:txBody>
-      </p:sp>
-      <p:sp>
-        <p:nvSpPr>
-          <p:cNvPr id="21" name="Textfeld 20"/>
-          <p:cNvSpPr txBox="1"/>
-          <p:nvPr/>
-        </p:nvSpPr>
-        <p:spPr>
-          <a:xfrm>
-            <a:off x="6588280" y="2401123"/>
-            <a:ext cx="2010487" cy="307777"/>
-          </a:xfrm>
-          <a:prstGeom prst="rect">
-            <a:avLst/>
-          </a:prstGeom>
-          <a:noFill/>
-        </p:spPr>
-        <p:txBody>
-          <a:bodyPr wrap="none" rtlCol="0">
-            <a:spAutoFit/>
-          </a:bodyPr>
-          <a:lstStyle/>
-          <a:p>
-            <a:r>
-              <a:rPr lang="de-DE" sz="1400" dirty="0" err="1" smtClean="0">
+          <a:p>
+            <a:r>
+              <a:rPr lang="de-DE" dirty="0" err="1">
                 <a:latin typeface="DejaVu Sans Mono" panose="020B0609030804020204" pitchFamily="49" charset="0"/>
                 <a:ea typeface="DejaVu Sans Mono" panose="020B0609030804020204" pitchFamily="49" charset="0"/>
                 <a:cs typeface="DejaVu Sans Mono" panose="020B0609030804020204" pitchFamily="49" charset="0"/>
               </a:rPr>
-              <a:t>CombinedEdgeGraph</a:t>
-            </a:r>
-            <a:endParaRPr lang="de-DE" sz="1400" dirty="0">
+              <a:t>AttributedDynamicGraph</a:t>
+            </a:r>
+            <a:r>
+              <a:rPr lang="de-DE" dirty="0">
+                <a:latin typeface="DejaVu Sans Mono" panose="020B0609030804020204" pitchFamily="49" charset="0"/>
+                <a:ea typeface="DejaVu Sans Mono" panose="020B0609030804020204" pitchFamily="49" charset="0"/>
+                <a:cs typeface="DejaVu Sans Mono" panose="020B0609030804020204" pitchFamily="49" charset="0"/>
+              </a:rPr>
+              <a:t>&lt;</a:t>
+            </a:r>
+            <a:r>
+              <a:rPr lang="de-DE" dirty="0" err="1">
+                <a:latin typeface="DejaVu Sans Mono" panose="020B0609030804020204" pitchFamily="49" charset="0"/>
+                <a:ea typeface="DejaVu Sans Mono" panose="020B0609030804020204" pitchFamily="49" charset="0"/>
+                <a:cs typeface="DejaVu Sans Mono" panose="020B0609030804020204" pitchFamily="49" charset="0"/>
+              </a:rPr>
+              <a:t>v_prop</a:t>
+            </a:r>
+            <a:r>
+              <a:rPr lang="de-DE" dirty="0">
+                <a:latin typeface="DejaVu Sans Mono" panose="020B0609030804020204" pitchFamily="49" charset="0"/>
+                <a:ea typeface="DejaVu Sans Mono" panose="020B0609030804020204" pitchFamily="49" charset="0"/>
+                <a:cs typeface="DejaVu Sans Mono" panose="020B0609030804020204" pitchFamily="49" charset="0"/>
+              </a:rPr>
+              <a:t>, </a:t>
+            </a:r>
+            <a:r>
+              <a:rPr lang="de-DE" dirty="0" err="1">
+                <a:latin typeface="DejaVu Sans Mono" panose="020B0609030804020204" pitchFamily="49" charset="0"/>
+                <a:ea typeface="DejaVu Sans Mono" panose="020B0609030804020204" pitchFamily="49" charset="0"/>
+                <a:cs typeface="DejaVu Sans Mono" panose="020B0609030804020204" pitchFamily="49" charset="0"/>
+              </a:rPr>
+              <a:t>e_prop</a:t>
+            </a:r>
+            <a:r>
+              <a:rPr lang="de-DE" dirty="0">
+                <a:latin typeface="DejaVu Sans Mono" panose="020B0609030804020204" pitchFamily="49" charset="0"/>
+                <a:ea typeface="DejaVu Sans Mono" panose="020B0609030804020204" pitchFamily="49" charset="0"/>
+                <a:cs typeface="DejaVu Sans Mono" panose="020B0609030804020204" pitchFamily="49" charset="0"/>
+              </a:rPr>
+              <a:t>&gt; g(2, 1);</a:t>
+            </a:r>
+          </a:p>
+          <a:p>
+            <a:r>
+              <a:rPr lang="de-DE" dirty="0" err="1">
+                <a:latin typeface="DejaVu Sans Mono" panose="020B0609030804020204" pitchFamily="49" charset="0"/>
+                <a:ea typeface="DejaVu Sans Mono" panose="020B0609030804020204" pitchFamily="49" charset="0"/>
+                <a:cs typeface="DejaVu Sans Mono" panose="020B0609030804020204" pitchFamily="49" charset="0"/>
+              </a:rPr>
+              <a:t>v_prop</a:t>
+            </a:r>
+            <a:r>
+              <a:rPr lang="de-DE" dirty="0">
+                <a:latin typeface="DejaVu Sans Mono" panose="020B0609030804020204" pitchFamily="49" charset="0"/>
+                <a:ea typeface="DejaVu Sans Mono" panose="020B0609030804020204" pitchFamily="49" charset="0"/>
+                <a:cs typeface="DejaVu Sans Mono" panose="020B0609030804020204" pitchFamily="49" charset="0"/>
+              </a:rPr>
+              <a:t> vp1 { 1 };</a:t>
+            </a:r>
+          </a:p>
+          <a:p>
+            <a:r>
+              <a:rPr lang="de-DE" dirty="0" err="1">
+                <a:solidFill>
+                  <a:schemeClr val="accent2">
+                    <a:lumMod val="60000"/>
+                    <a:lumOff val="40000"/>
+                  </a:schemeClr>
+                </a:solidFill>
+                <a:latin typeface="DejaVu Sans Mono" panose="020B0609030804020204" pitchFamily="49" charset="0"/>
+                <a:ea typeface="DejaVu Sans Mono" panose="020B0609030804020204" pitchFamily="49" charset="0"/>
+                <a:cs typeface="DejaVu Sans Mono" panose="020B0609030804020204" pitchFamily="49" charset="0"/>
+              </a:rPr>
+              <a:t>auto</a:t>
+            </a:r>
+            <a:r>
+              <a:rPr lang="de-DE" dirty="0">
+                <a:latin typeface="DejaVu Sans Mono" panose="020B0609030804020204" pitchFamily="49" charset="0"/>
+                <a:ea typeface="DejaVu Sans Mono" panose="020B0609030804020204" pitchFamily="49" charset="0"/>
+                <a:cs typeface="DejaVu Sans Mono" panose="020B0609030804020204" pitchFamily="49" charset="0"/>
+              </a:rPr>
+              <a:t> v1 = </a:t>
+            </a:r>
+            <a:r>
+              <a:rPr lang="de-DE" dirty="0" err="1">
+                <a:latin typeface="DejaVu Sans Mono" panose="020B0609030804020204" pitchFamily="49" charset="0"/>
+                <a:ea typeface="DejaVu Sans Mono" panose="020B0609030804020204" pitchFamily="49" charset="0"/>
+                <a:cs typeface="DejaVu Sans Mono" panose="020B0609030804020204" pitchFamily="49" charset="0"/>
+              </a:rPr>
+              <a:t>g.add_vertex</a:t>
+            </a:r>
+            <a:r>
+              <a:rPr lang="de-DE" dirty="0">
+                <a:latin typeface="DejaVu Sans Mono" panose="020B0609030804020204" pitchFamily="49" charset="0"/>
+                <a:ea typeface="DejaVu Sans Mono" panose="020B0609030804020204" pitchFamily="49" charset="0"/>
+                <a:cs typeface="DejaVu Sans Mono" panose="020B0609030804020204" pitchFamily="49" charset="0"/>
+              </a:rPr>
+              <a:t>();        </a:t>
+            </a:r>
+            <a:r>
+              <a:rPr lang="de-DE" dirty="0">
+                <a:solidFill>
+                  <a:schemeClr val="bg1">
+                    <a:lumMod val="65000"/>
+                  </a:schemeClr>
+                </a:solidFill>
+                <a:latin typeface="DejaVu Sans Mono" panose="020B0609030804020204" pitchFamily="49" charset="0"/>
+                <a:ea typeface="DejaVu Sans Mono" panose="020B0609030804020204" pitchFamily="49" charset="0"/>
+                <a:cs typeface="DejaVu Sans Mono" panose="020B0609030804020204" pitchFamily="49" charset="0"/>
+              </a:rPr>
+              <a:t>// </a:t>
+            </a:r>
+            <a:r>
+              <a:rPr lang="de-DE" dirty="0" err="1">
+                <a:solidFill>
+                  <a:schemeClr val="bg1">
+                    <a:lumMod val="65000"/>
+                  </a:schemeClr>
+                </a:solidFill>
+                <a:latin typeface="DejaVu Sans Mono" panose="020B0609030804020204" pitchFamily="49" charset="0"/>
+                <a:ea typeface="DejaVu Sans Mono" panose="020B0609030804020204" pitchFamily="49" charset="0"/>
+                <a:cs typeface="DejaVu Sans Mono" panose="020B0609030804020204" pitchFamily="49" charset="0"/>
+              </a:rPr>
+              <a:t>returns</a:t>
+            </a:r>
+            <a:r>
+              <a:rPr lang="de-DE" dirty="0">
+                <a:solidFill>
+                  <a:schemeClr val="bg1">
+                    <a:lumMod val="65000"/>
+                  </a:schemeClr>
+                </a:solidFill>
+                <a:latin typeface="DejaVu Sans Mono" panose="020B0609030804020204" pitchFamily="49" charset="0"/>
+                <a:ea typeface="DejaVu Sans Mono" panose="020B0609030804020204" pitchFamily="49" charset="0"/>
+                <a:cs typeface="DejaVu Sans Mono" panose="020B0609030804020204" pitchFamily="49" charset="0"/>
+              </a:rPr>
+              <a:t> </a:t>
+            </a:r>
+            <a:r>
+              <a:rPr lang="de-DE" dirty="0" err="1">
+                <a:solidFill>
+                  <a:schemeClr val="bg1">
+                    <a:lumMod val="65000"/>
+                  </a:schemeClr>
+                </a:solidFill>
+                <a:latin typeface="DejaVu Sans Mono" panose="020B0609030804020204" pitchFamily="49" charset="0"/>
+                <a:ea typeface="DejaVu Sans Mono" panose="020B0609030804020204" pitchFamily="49" charset="0"/>
+                <a:cs typeface="DejaVu Sans Mono" panose="020B0609030804020204" pitchFamily="49" charset="0"/>
+              </a:rPr>
+              <a:t>iterator</a:t>
+            </a:r>
+            <a:r>
+              <a:rPr lang="de-DE" dirty="0">
+                <a:solidFill>
+                  <a:schemeClr val="bg1">
+                    <a:lumMod val="65000"/>
+                  </a:schemeClr>
+                </a:solidFill>
+                <a:latin typeface="DejaVu Sans Mono" panose="020B0609030804020204" pitchFamily="49" charset="0"/>
+                <a:ea typeface="DejaVu Sans Mono" panose="020B0609030804020204" pitchFamily="49" charset="0"/>
+                <a:cs typeface="DejaVu Sans Mono" panose="020B0609030804020204" pitchFamily="49" charset="0"/>
+              </a:rPr>
+              <a:t> </a:t>
+            </a:r>
+            <a:r>
+              <a:rPr lang="de-DE" dirty="0" err="1">
+                <a:solidFill>
+                  <a:schemeClr val="bg1">
+                    <a:lumMod val="65000"/>
+                  </a:schemeClr>
+                </a:solidFill>
+                <a:latin typeface="DejaVu Sans Mono" panose="020B0609030804020204" pitchFamily="49" charset="0"/>
+                <a:ea typeface="DejaVu Sans Mono" panose="020B0609030804020204" pitchFamily="49" charset="0"/>
+                <a:cs typeface="DejaVu Sans Mono" panose="020B0609030804020204" pitchFamily="49" charset="0"/>
+              </a:rPr>
+              <a:t>to</a:t>
+            </a:r>
+            <a:r>
+              <a:rPr lang="de-DE" dirty="0">
+                <a:solidFill>
+                  <a:schemeClr val="bg1">
+                    <a:lumMod val="65000"/>
+                  </a:schemeClr>
+                </a:solidFill>
+                <a:latin typeface="DejaVu Sans Mono" panose="020B0609030804020204" pitchFamily="49" charset="0"/>
+                <a:ea typeface="DejaVu Sans Mono" panose="020B0609030804020204" pitchFamily="49" charset="0"/>
+                <a:cs typeface="DejaVu Sans Mono" panose="020B0609030804020204" pitchFamily="49" charset="0"/>
+              </a:rPr>
+              <a:t> </a:t>
+            </a:r>
+            <a:r>
+              <a:rPr lang="de-DE" dirty="0" err="1">
+                <a:solidFill>
+                  <a:schemeClr val="bg1">
+                    <a:lumMod val="65000"/>
+                  </a:schemeClr>
+                </a:solidFill>
+                <a:latin typeface="DejaVu Sans Mono" panose="020B0609030804020204" pitchFamily="49" charset="0"/>
+                <a:ea typeface="DejaVu Sans Mono" panose="020B0609030804020204" pitchFamily="49" charset="0"/>
+                <a:cs typeface="DejaVu Sans Mono" panose="020B0609030804020204" pitchFamily="49" charset="0"/>
+              </a:rPr>
+              <a:t>the</a:t>
+            </a:r>
+            <a:r>
+              <a:rPr lang="de-DE" dirty="0">
+                <a:solidFill>
+                  <a:schemeClr val="bg1">
+                    <a:lumMod val="65000"/>
+                  </a:schemeClr>
+                </a:solidFill>
+                <a:latin typeface="DejaVu Sans Mono" panose="020B0609030804020204" pitchFamily="49" charset="0"/>
+                <a:ea typeface="DejaVu Sans Mono" panose="020B0609030804020204" pitchFamily="49" charset="0"/>
+                <a:cs typeface="DejaVu Sans Mono" panose="020B0609030804020204" pitchFamily="49" charset="0"/>
+              </a:rPr>
+              <a:t> </a:t>
+            </a:r>
+            <a:r>
+              <a:rPr lang="de-DE" dirty="0" err="1">
+                <a:solidFill>
+                  <a:schemeClr val="bg1">
+                    <a:lumMod val="65000"/>
+                  </a:schemeClr>
+                </a:solidFill>
+                <a:latin typeface="DejaVu Sans Mono" panose="020B0609030804020204" pitchFamily="49" charset="0"/>
+                <a:ea typeface="DejaVu Sans Mono" panose="020B0609030804020204" pitchFamily="49" charset="0"/>
+                <a:cs typeface="DejaVu Sans Mono" panose="020B0609030804020204" pitchFamily="49" charset="0"/>
+              </a:rPr>
+              <a:t>created</a:t>
+            </a:r>
+            <a:r>
+              <a:rPr lang="de-DE" dirty="0">
+                <a:solidFill>
+                  <a:schemeClr val="bg1">
+                    <a:lumMod val="65000"/>
+                  </a:schemeClr>
+                </a:solidFill>
+                <a:latin typeface="DejaVu Sans Mono" panose="020B0609030804020204" pitchFamily="49" charset="0"/>
+                <a:ea typeface="DejaVu Sans Mono" panose="020B0609030804020204" pitchFamily="49" charset="0"/>
+                <a:cs typeface="DejaVu Sans Mono" panose="020B0609030804020204" pitchFamily="49" charset="0"/>
+              </a:rPr>
+              <a:t> </a:t>
+            </a:r>
+            <a:r>
+              <a:rPr lang="de-DE" dirty="0" err="1">
+                <a:solidFill>
+                  <a:schemeClr val="bg1">
+                    <a:lumMod val="65000"/>
+                  </a:schemeClr>
+                </a:solidFill>
+                <a:latin typeface="DejaVu Sans Mono" panose="020B0609030804020204" pitchFamily="49" charset="0"/>
+                <a:ea typeface="DejaVu Sans Mono" panose="020B0609030804020204" pitchFamily="49" charset="0"/>
+                <a:cs typeface="DejaVu Sans Mono" panose="020B0609030804020204" pitchFamily="49" charset="0"/>
+              </a:rPr>
+              <a:t>vertex</a:t>
+            </a:r>
+            <a:endParaRPr lang="de-DE" dirty="0">
+              <a:solidFill>
+                <a:schemeClr val="bg1">
+                  <a:lumMod val="65000"/>
+                </a:schemeClr>
+              </a:solidFill>
               <a:latin typeface="DejaVu Sans Mono" panose="020B0609030804020204" pitchFamily="49" charset="0"/>
               <a:ea typeface="DejaVu Sans Mono" panose="020B0609030804020204" pitchFamily="49" charset="0"/>
               <a:cs typeface="DejaVu Sans Mono" panose="020B0609030804020204" pitchFamily="49" charset="0"/>
             </a:endParaRPr>
           </a:p>
+          <a:p>
+            <a:r>
+              <a:rPr lang="de-DE" dirty="0">
+                <a:latin typeface="DejaVu Sans Mono" panose="020B0609030804020204" pitchFamily="49" charset="0"/>
+                <a:ea typeface="DejaVu Sans Mono" panose="020B0609030804020204" pitchFamily="49" charset="0"/>
+                <a:cs typeface="DejaVu Sans Mono" panose="020B0609030804020204" pitchFamily="49" charset="0"/>
+              </a:rPr>
+              <a:t>g[v1].</a:t>
+            </a:r>
+            <a:r>
+              <a:rPr lang="de-DE" dirty="0" err="1">
+                <a:latin typeface="DejaVu Sans Mono" panose="020B0609030804020204" pitchFamily="49" charset="0"/>
+                <a:ea typeface="DejaVu Sans Mono" panose="020B0609030804020204" pitchFamily="49" charset="0"/>
+                <a:cs typeface="DejaVu Sans Mono" panose="020B0609030804020204" pitchFamily="49" charset="0"/>
+              </a:rPr>
+              <a:t>set_attribute</a:t>
+            </a:r>
+            <a:r>
+              <a:rPr lang="de-DE" dirty="0">
+                <a:latin typeface="DejaVu Sans Mono" panose="020B0609030804020204" pitchFamily="49" charset="0"/>
+                <a:ea typeface="DejaVu Sans Mono" panose="020B0609030804020204" pitchFamily="49" charset="0"/>
+                <a:cs typeface="DejaVu Sans Mono" panose="020B0609030804020204" pitchFamily="49" charset="0"/>
+              </a:rPr>
+              <a:t>(v1, vp1); </a:t>
+            </a:r>
+            <a:r>
+              <a:rPr lang="de-DE" dirty="0" smtClean="0">
+                <a:latin typeface="DejaVu Sans Mono" panose="020B0609030804020204" pitchFamily="49" charset="0"/>
+                <a:ea typeface="DejaVu Sans Mono" panose="020B0609030804020204" pitchFamily="49" charset="0"/>
+                <a:cs typeface="DejaVu Sans Mono" panose="020B0609030804020204" pitchFamily="49" charset="0"/>
+              </a:rPr>
+              <a:t>   </a:t>
+            </a:r>
+            <a:r>
+              <a:rPr lang="de-DE" dirty="0" smtClean="0">
+                <a:solidFill>
+                  <a:schemeClr val="bg1">
+                    <a:lumMod val="65000"/>
+                  </a:schemeClr>
+                </a:solidFill>
+                <a:latin typeface="DejaVu Sans Mono" panose="020B0609030804020204" pitchFamily="49" charset="0"/>
+                <a:ea typeface="DejaVu Sans Mono" panose="020B0609030804020204" pitchFamily="49" charset="0"/>
+                <a:cs typeface="DejaVu Sans Mono" panose="020B0609030804020204" pitchFamily="49" charset="0"/>
+              </a:rPr>
+              <a:t>// </a:t>
+            </a:r>
+            <a:r>
+              <a:rPr lang="de-DE" dirty="0" err="1">
+                <a:solidFill>
+                  <a:schemeClr val="bg1">
+                    <a:lumMod val="65000"/>
+                  </a:schemeClr>
+                </a:solidFill>
+                <a:latin typeface="DejaVu Sans Mono" panose="020B0609030804020204" pitchFamily="49" charset="0"/>
+                <a:ea typeface="DejaVu Sans Mono" panose="020B0609030804020204" pitchFamily="49" charset="0"/>
+                <a:cs typeface="DejaVu Sans Mono" panose="020B0609030804020204" pitchFamily="49" charset="0"/>
+              </a:rPr>
+              <a:t>accesses</a:t>
+            </a:r>
+            <a:r>
+              <a:rPr lang="de-DE" dirty="0">
+                <a:solidFill>
+                  <a:schemeClr val="bg1">
+                    <a:lumMod val="65000"/>
+                  </a:schemeClr>
+                </a:solidFill>
+                <a:latin typeface="DejaVu Sans Mono" panose="020B0609030804020204" pitchFamily="49" charset="0"/>
+                <a:ea typeface="DejaVu Sans Mono" panose="020B0609030804020204" pitchFamily="49" charset="0"/>
+                <a:cs typeface="DejaVu Sans Mono" panose="020B0609030804020204" pitchFamily="49" charset="0"/>
+              </a:rPr>
+              <a:t> </a:t>
+            </a:r>
+            <a:r>
+              <a:rPr lang="de-DE" dirty="0" err="1">
+                <a:solidFill>
+                  <a:schemeClr val="bg1">
+                    <a:lumMod val="65000"/>
+                  </a:schemeClr>
+                </a:solidFill>
+                <a:latin typeface="DejaVu Sans Mono" panose="020B0609030804020204" pitchFamily="49" charset="0"/>
+                <a:ea typeface="DejaVu Sans Mono" panose="020B0609030804020204" pitchFamily="49" charset="0"/>
+                <a:cs typeface="DejaVu Sans Mono" panose="020B0609030804020204" pitchFamily="49" charset="0"/>
+              </a:rPr>
+              <a:t>the</a:t>
+            </a:r>
+            <a:r>
+              <a:rPr lang="de-DE" dirty="0">
+                <a:solidFill>
+                  <a:schemeClr val="bg1">
+                    <a:lumMod val="65000"/>
+                  </a:schemeClr>
+                </a:solidFill>
+                <a:latin typeface="DejaVu Sans Mono" panose="020B0609030804020204" pitchFamily="49" charset="0"/>
+                <a:ea typeface="DejaVu Sans Mono" panose="020B0609030804020204" pitchFamily="49" charset="0"/>
+                <a:cs typeface="DejaVu Sans Mono" panose="020B0609030804020204" pitchFamily="49" charset="0"/>
+              </a:rPr>
+              <a:t> </a:t>
+            </a:r>
+            <a:r>
+              <a:rPr lang="de-DE" dirty="0" err="1">
+                <a:solidFill>
+                  <a:schemeClr val="bg1">
+                    <a:lumMod val="65000"/>
+                  </a:schemeClr>
+                </a:solidFill>
+                <a:latin typeface="DejaVu Sans Mono" panose="020B0609030804020204" pitchFamily="49" charset="0"/>
+                <a:ea typeface="DejaVu Sans Mono" panose="020B0609030804020204" pitchFamily="49" charset="0"/>
+                <a:cs typeface="DejaVu Sans Mono" panose="020B0609030804020204" pitchFamily="49" charset="0"/>
+              </a:rPr>
+              <a:t>vertex</a:t>
+            </a:r>
+            <a:r>
+              <a:rPr lang="de-DE" dirty="0">
+                <a:solidFill>
+                  <a:schemeClr val="bg1">
+                    <a:lumMod val="65000"/>
+                  </a:schemeClr>
+                </a:solidFill>
+                <a:latin typeface="DejaVu Sans Mono" panose="020B0609030804020204" pitchFamily="49" charset="0"/>
+                <a:ea typeface="DejaVu Sans Mono" panose="020B0609030804020204" pitchFamily="49" charset="0"/>
+                <a:cs typeface="DejaVu Sans Mono" panose="020B0609030804020204" pitchFamily="49" charset="0"/>
+              </a:rPr>
+              <a:t> </a:t>
+            </a:r>
+            <a:r>
+              <a:rPr lang="de-DE" dirty="0" err="1">
+                <a:solidFill>
+                  <a:schemeClr val="bg1">
+                    <a:lumMod val="65000"/>
+                  </a:schemeClr>
+                </a:solidFill>
+                <a:latin typeface="DejaVu Sans Mono" panose="020B0609030804020204" pitchFamily="49" charset="0"/>
+                <a:ea typeface="DejaVu Sans Mono" panose="020B0609030804020204" pitchFamily="49" charset="0"/>
+                <a:cs typeface="DejaVu Sans Mono" panose="020B0609030804020204" pitchFamily="49" charset="0"/>
+              </a:rPr>
+              <a:t>and</a:t>
+            </a:r>
+            <a:r>
+              <a:rPr lang="de-DE" dirty="0">
+                <a:solidFill>
+                  <a:schemeClr val="bg1">
+                    <a:lumMod val="65000"/>
+                  </a:schemeClr>
+                </a:solidFill>
+                <a:latin typeface="DejaVu Sans Mono" panose="020B0609030804020204" pitchFamily="49" charset="0"/>
+                <a:ea typeface="DejaVu Sans Mono" panose="020B0609030804020204" pitchFamily="49" charset="0"/>
+                <a:cs typeface="DejaVu Sans Mono" panose="020B0609030804020204" pitchFamily="49" charset="0"/>
+              </a:rPr>
+              <a:t> </a:t>
+            </a:r>
+            <a:r>
+              <a:rPr lang="de-DE" dirty="0" err="1">
+                <a:solidFill>
+                  <a:schemeClr val="bg1">
+                    <a:lumMod val="65000"/>
+                  </a:schemeClr>
+                </a:solidFill>
+                <a:latin typeface="DejaVu Sans Mono" panose="020B0609030804020204" pitchFamily="49" charset="0"/>
+                <a:ea typeface="DejaVu Sans Mono" panose="020B0609030804020204" pitchFamily="49" charset="0"/>
+                <a:cs typeface="DejaVu Sans Mono" panose="020B0609030804020204" pitchFamily="49" charset="0"/>
+              </a:rPr>
+              <a:t>sets</a:t>
+            </a:r>
+            <a:r>
+              <a:rPr lang="de-DE" dirty="0">
+                <a:solidFill>
+                  <a:schemeClr val="bg1">
+                    <a:lumMod val="65000"/>
+                  </a:schemeClr>
+                </a:solidFill>
+                <a:latin typeface="DejaVu Sans Mono" panose="020B0609030804020204" pitchFamily="49" charset="0"/>
+                <a:ea typeface="DejaVu Sans Mono" panose="020B0609030804020204" pitchFamily="49" charset="0"/>
+                <a:cs typeface="DejaVu Sans Mono" panose="020B0609030804020204" pitchFamily="49" charset="0"/>
+              </a:rPr>
+              <a:t> </a:t>
+            </a:r>
+            <a:r>
+              <a:rPr lang="de-DE" dirty="0" err="1">
+                <a:solidFill>
+                  <a:schemeClr val="bg1">
+                    <a:lumMod val="65000"/>
+                  </a:schemeClr>
+                </a:solidFill>
+                <a:latin typeface="DejaVu Sans Mono" panose="020B0609030804020204" pitchFamily="49" charset="0"/>
+                <a:ea typeface="DejaVu Sans Mono" panose="020B0609030804020204" pitchFamily="49" charset="0"/>
+                <a:cs typeface="DejaVu Sans Mono" panose="020B0609030804020204" pitchFamily="49" charset="0"/>
+              </a:rPr>
+              <a:t>attribute</a:t>
+            </a:r>
+            <a:endParaRPr lang="de-DE" dirty="0">
+              <a:solidFill>
+                <a:schemeClr val="bg1">
+                  <a:lumMod val="65000"/>
+                </a:schemeClr>
+              </a:solidFill>
+              <a:latin typeface="DejaVu Sans Mono" panose="020B0609030804020204" pitchFamily="49" charset="0"/>
+              <a:ea typeface="DejaVu Sans Mono" panose="020B0609030804020204" pitchFamily="49" charset="0"/>
+              <a:cs typeface="DejaVu Sans Mono" panose="020B0609030804020204" pitchFamily="49" charset="0"/>
+            </a:endParaRPr>
+          </a:p>
+          <a:p>
+            <a:r>
+              <a:rPr lang="de-DE" dirty="0" err="1">
+                <a:latin typeface="DejaVu Sans Mono" panose="020B0609030804020204" pitchFamily="49" charset="0"/>
+                <a:ea typeface="DejaVu Sans Mono" panose="020B0609030804020204" pitchFamily="49" charset="0"/>
+                <a:cs typeface="DejaVu Sans Mono" panose="020B0609030804020204" pitchFamily="49" charset="0"/>
+              </a:rPr>
+              <a:t>v_prop</a:t>
+            </a:r>
+            <a:r>
+              <a:rPr lang="de-DE" dirty="0">
+                <a:latin typeface="DejaVu Sans Mono" panose="020B0609030804020204" pitchFamily="49" charset="0"/>
+                <a:ea typeface="DejaVu Sans Mono" panose="020B0609030804020204" pitchFamily="49" charset="0"/>
+                <a:cs typeface="DejaVu Sans Mono" panose="020B0609030804020204" pitchFamily="49" charset="0"/>
+              </a:rPr>
+              <a:t> vp2 { 2 };</a:t>
+            </a:r>
+          </a:p>
+          <a:p>
+            <a:r>
+              <a:rPr lang="de-DE" dirty="0" err="1">
+                <a:solidFill>
+                  <a:schemeClr val="accent2">
+                    <a:lumMod val="60000"/>
+                    <a:lumOff val="40000"/>
+                  </a:schemeClr>
+                </a:solidFill>
+                <a:latin typeface="DejaVu Sans Mono" panose="020B0609030804020204" pitchFamily="49" charset="0"/>
+                <a:ea typeface="DejaVu Sans Mono" panose="020B0609030804020204" pitchFamily="49" charset="0"/>
+                <a:cs typeface="DejaVu Sans Mono" panose="020B0609030804020204" pitchFamily="49" charset="0"/>
+              </a:rPr>
+              <a:t>auto</a:t>
+            </a:r>
+            <a:r>
+              <a:rPr lang="de-DE" dirty="0">
+                <a:latin typeface="DejaVu Sans Mono" panose="020B0609030804020204" pitchFamily="49" charset="0"/>
+                <a:ea typeface="DejaVu Sans Mono" panose="020B0609030804020204" pitchFamily="49" charset="0"/>
+                <a:cs typeface="DejaVu Sans Mono" panose="020B0609030804020204" pitchFamily="49" charset="0"/>
+              </a:rPr>
+              <a:t> v2 = </a:t>
+            </a:r>
+            <a:r>
+              <a:rPr lang="de-DE" dirty="0" err="1">
+                <a:latin typeface="DejaVu Sans Mono" panose="020B0609030804020204" pitchFamily="49" charset="0"/>
+                <a:ea typeface="DejaVu Sans Mono" panose="020B0609030804020204" pitchFamily="49" charset="0"/>
+                <a:cs typeface="DejaVu Sans Mono" panose="020B0609030804020204" pitchFamily="49" charset="0"/>
+              </a:rPr>
+              <a:t>g.add_vertex</a:t>
+            </a:r>
+            <a:r>
+              <a:rPr lang="de-DE" dirty="0">
+                <a:latin typeface="DejaVu Sans Mono" panose="020B0609030804020204" pitchFamily="49" charset="0"/>
+                <a:ea typeface="DejaVu Sans Mono" panose="020B0609030804020204" pitchFamily="49" charset="0"/>
+                <a:cs typeface="DejaVu Sans Mono" panose="020B0609030804020204" pitchFamily="49" charset="0"/>
+              </a:rPr>
+              <a:t>();</a:t>
+            </a:r>
+          </a:p>
+          <a:p>
+            <a:r>
+              <a:rPr lang="de-DE" dirty="0">
+                <a:latin typeface="DejaVu Sans Mono" panose="020B0609030804020204" pitchFamily="49" charset="0"/>
+                <a:ea typeface="DejaVu Sans Mono" panose="020B0609030804020204" pitchFamily="49" charset="0"/>
+                <a:cs typeface="DejaVu Sans Mono" panose="020B0609030804020204" pitchFamily="49" charset="0"/>
+              </a:rPr>
+              <a:t>g[v2].</a:t>
+            </a:r>
+            <a:r>
+              <a:rPr lang="de-DE" dirty="0" err="1">
+                <a:latin typeface="DejaVu Sans Mono" panose="020B0609030804020204" pitchFamily="49" charset="0"/>
+                <a:ea typeface="DejaVu Sans Mono" panose="020B0609030804020204" pitchFamily="49" charset="0"/>
+                <a:cs typeface="DejaVu Sans Mono" panose="020B0609030804020204" pitchFamily="49" charset="0"/>
+              </a:rPr>
+              <a:t>set_attribute</a:t>
+            </a:r>
+            <a:r>
+              <a:rPr lang="de-DE" dirty="0">
+                <a:latin typeface="DejaVu Sans Mono" panose="020B0609030804020204" pitchFamily="49" charset="0"/>
+                <a:ea typeface="DejaVu Sans Mono" panose="020B0609030804020204" pitchFamily="49" charset="0"/>
+                <a:cs typeface="DejaVu Sans Mono" panose="020B0609030804020204" pitchFamily="49" charset="0"/>
+              </a:rPr>
+              <a:t>(v1, vp1);</a:t>
+            </a:r>
+          </a:p>
+          <a:p>
+            <a:r>
+              <a:rPr lang="de-DE" dirty="0" err="1">
+                <a:latin typeface="DejaVu Sans Mono" panose="020B0609030804020204" pitchFamily="49" charset="0"/>
+                <a:ea typeface="DejaVu Sans Mono" panose="020B0609030804020204" pitchFamily="49" charset="0"/>
+                <a:cs typeface="DejaVu Sans Mono" panose="020B0609030804020204" pitchFamily="49" charset="0"/>
+              </a:rPr>
+              <a:t>e_prop</a:t>
+            </a:r>
+            <a:r>
+              <a:rPr lang="de-DE" dirty="0">
+                <a:latin typeface="DejaVu Sans Mono" panose="020B0609030804020204" pitchFamily="49" charset="0"/>
+                <a:ea typeface="DejaVu Sans Mono" panose="020B0609030804020204" pitchFamily="49" charset="0"/>
+                <a:cs typeface="DejaVu Sans Mono" panose="020B0609030804020204" pitchFamily="49" charset="0"/>
+              </a:rPr>
+              <a:t> ep1 { 1 };</a:t>
+            </a:r>
+          </a:p>
+          <a:p>
+            <a:r>
+              <a:rPr lang="de-DE" dirty="0" err="1">
+                <a:solidFill>
+                  <a:schemeClr val="accent2">
+                    <a:lumMod val="60000"/>
+                    <a:lumOff val="40000"/>
+                  </a:schemeClr>
+                </a:solidFill>
+                <a:latin typeface="DejaVu Sans Mono" panose="020B0609030804020204" pitchFamily="49" charset="0"/>
+                <a:ea typeface="DejaVu Sans Mono" panose="020B0609030804020204" pitchFamily="49" charset="0"/>
+                <a:cs typeface="DejaVu Sans Mono" panose="020B0609030804020204" pitchFamily="49" charset="0"/>
+              </a:rPr>
+              <a:t>auto</a:t>
+            </a:r>
+            <a:r>
+              <a:rPr lang="de-DE" dirty="0">
+                <a:latin typeface="DejaVu Sans Mono" panose="020B0609030804020204" pitchFamily="49" charset="0"/>
+                <a:ea typeface="DejaVu Sans Mono" panose="020B0609030804020204" pitchFamily="49" charset="0"/>
+                <a:cs typeface="DejaVu Sans Mono" panose="020B0609030804020204" pitchFamily="49" charset="0"/>
+              </a:rPr>
+              <a:t> e1 = </a:t>
+            </a:r>
+            <a:r>
+              <a:rPr lang="de-DE" dirty="0" err="1">
+                <a:latin typeface="DejaVu Sans Mono" panose="020B0609030804020204" pitchFamily="49" charset="0"/>
+                <a:ea typeface="DejaVu Sans Mono" panose="020B0609030804020204" pitchFamily="49" charset="0"/>
+                <a:cs typeface="DejaVu Sans Mono" panose="020B0609030804020204" pitchFamily="49" charset="0"/>
+              </a:rPr>
+              <a:t>g.add_edge</a:t>
+            </a:r>
+            <a:r>
+              <a:rPr lang="de-DE" dirty="0">
+                <a:latin typeface="DejaVu Sans Mono" panose="020B0609030804020204" pitchFamily="49" charset="0"/>
+                <a:ea typeface="DejaVu Sans Mono" panose="020B0609030804020204" pitchFamily="49" charset="0"/>
+                <a:cs typeface="DejaVu Sans Mono" panose="020B0609030804020204" pitchFamily="49" charset="0"/>
+              </a:rPr>
+              <a:t>(v1, v2);</a:t>
+            </a:r>
+          </a:p>
+          <a:p>
+            <a:r>
+              <a:rPr lang="de-DE" dirty="0">
+                <a:latin typeface="DejaVu Sans Mono" panose="020B0609030804020204" pitchFamily="49" charset="0"/>
+                <a:ea typeface="DejaVu Sans Mono" panose="020B0609030804020204" pitchFamily="49" charset="0"/>
+                <a:cs typeface="DejaVu Sans Mono" panose="020B0609030804020204" pitchFamily="49" charset="0"/>
+              </a:rPr>
+              <a:t>g[e1].</a:t>
+            </a:r>
+            <a:r>
+              <a:rPr lang="de-DE" dirty="0" err="1">
+                <a:latin typeface="DejaVu Sans Mono" panose="020B0609030804020204" pitchFamily="49" charset="0"/>
+                <a:ea typeface="DejaVu Sans Mono" panose="020B0609030804020204" pitchFamily="49" charset="0"/>
+                <a:cs typeface="DejaVu Sans Mono" panose="020B0609030804020204" pitchFamily="49" charset="0"/>
+              </a:rPr>
+              <a:t>set_attribute</a:t>
+            </a:r>
+            <a:r>
+              <a:rPr lang="de-DE" dirty="0">
+                <a:latin typeface="DejaVu Sans Mono" panose="020B0609030804020204" pitchFamily="49" charset="0"/>
+                <a:ea typeface="DejaVu Sans Mono" panose="020B0609030804020204" pitchFamily="49" charset="0"/>
+                <a:cs typeface="DejaVu Sans Mono" panose="020B0609030804020204" pitchFamily="49" charset="0"/>
+              </a:rPr>
+              <a:t>(e1, ep1);</a:t>
+            </a:r>
+          </a:p>
+          <a:p>
+            <a:r>
+              <a:rPr lang="de-DE" dirty="0" err="1">
+                <a:latin typeface="DejaVu Sans Mono" panose="020B0609030804020204" pitchFamily="49" charset="0"/>
+                <a:ea typeface="DejaVu Sans Mono" panose="020B0609030804020204" pitchFamily="49" charset="0"/>
+                <a:cs typeface="DejaVu Sans Mono" panose="020B0609030804020204" pitchFamily="49" charset="0"/>
+              </a:rPr>
+              <a:t>g.commit</a:t>
+            </a:r>
+            <a:r>
+              <a:rPr lang="de-DE" dirty="0">
+                <a:latin typeface="DejaVu Sans Mono" panose="020B0609030804020204" pitchFamily="49" charset="0"/>
+                <a:ea typeface="DejaVu Sans Mono" panose="020B0609030804020204" pitchFamily="49" charset="0"/>
+                <a:cs typeface="DejaVu Sans Mono" panose="020B0609030804020204" pitchFamily="49" charset="0"/>
+              </a:rPr>
+              <a:t>();</a:t>
+            </a:r>
+            <a:endParaRPr lang="de-DE" dirty="0">
+              <a:latin typeface="DejaVu Sans Mono" panose="020B0609030804020204" pitchFamily="49" charset="0"/>
+              <a:ea typeface="DejaVu Sans Mono" panose="020B0609030804020204" pitchFamily="49" charset="0"/>
+              <a:cs typeface="DejaVu Sans Mono" panose="020B0609030804020204" pitchFamily="49" charset="0"/>
+            </a:endParaRPr>
+          </a:p>
         </p:txBody>
       </p:sp>
     </p:spTree>
     <p:extLst>
       <p:ext uri="{BB962C8B-B14F-4D97-AF65-F5344CB8AC3E}">
-        <p14:creationId xmlns:p14="http://schemas.microsoft.com/office/powerpoint/2010/main" val="768488369"/>
+        <p14:creationId xmlns:p14="http://schemas.microsoft.com/office/powerpoint/2010/main" val="3312045039"/>
       </p:ext>
     </p:extLst>
   </p:cSld>
@@ -3460,11 +4100,151 @@
           <a:p>
             <a:r>
               <a:rPr lang="de-DE" dirty="0" smtClean="0"/>
-              <a:t>Graph Konzepte: </a:t>
+              <a:t>Case </a:t>
             </a:r>
             <a:r>
               <a:rPr lang="de-DE" dirty="0" err="1" smtClean="0"/>
-              <a:t>CombinedEdgeGraph</a:t>
+              <a:t>studies</a:t>
+            </a:r>
+            <a:endParaRPr lang="de-DE" dirty="0"/>
+          </a:p>
+        </p:txBody>
+      </p:sp>
+      <p:sp>
+        <p:nvSpPr>
+          <p:cNvPr id="3" name="Inhaltsplatzhalter 2"/>
+          <p:cNvSpPr>
+            <a:spLocks noGrp="1"/>
+          </p:cNvSpPr>
+          <p:nvPr>
+            <p:ph idx="1"/>
+          </p:nvPr>
+        </p:nvSpPr>
+        <p:spPr/>
+        <p:txBody>
+          <a:bodyPr/>
+          <a:lstStyle/>
+          <a:p>
+            <a:r>
+              <a:rPr lang="de-DE" dirty="0" smtClean="0"/>
+              <a:t>Evaluierung anhand von zwei elementaren Graph Algorithmen:</a:t>
+            </a:r>
+          </a:p>
+          <a:p>
+            <a:pPr lvl="1"/>
+            <a:r>
+              <a:rPr lang="de-DE" dirty="0" err="1" smtClean="0"/>
+              <a:t>Connected</a:t>
+            </a:r>
+            <a:r>
+              <a:rPr lang="de-DE" dirty="0" smtClean="0"/>
+              <a:t> Components</a:t>
+            </a:r>
+          </a:p>
+          <a:p>
+            <a:pPr lvl="1"/>
+            <a:r>
+              <a:rPr lang="de-DE" dirty="0" smtClean="0"/>
+              <a:t>Minimum </a:t>
+            </a:r>
+            <a:r>
+              <a:rPr lang="de-DE" dirty="0" err="1" smtClean="0"/>
+              <a:t>Spanning</a:t>
+            </a:r>
+            <a:r>
+              <a:rPr lang="de-DE" dirty="0" smtClean="0"/>
+              <a:t> </a:t>
+            </a:r>
+            <a:r>
+              <a:rPr lang="de-DE" dirty="0" err="1" smtClean="0"/>
+              <a:t>Tree</a:t>
+            </a:r>
+            <a:endParaRPr lang="de-DE" dirty="0" smtClean="0"/>
+          </a:p>
+          <a:p>
+            <a:r>
+              <a:rPr lang="de-DE" dirty="0" smtClean="0"/>
+              <a:t>Durchgeführt mit:</a:t>
+            </a:r>
+            <a:endParaRPr lang="de-DE" dirty="0" smtClean="0"/>
+          </a:p>
+          <a:p>
+            <a:pPr lvl="1"/>
+            <a:r>
+              <a:rPr lang="de-DE" dirty="0" err="1" smtClean="0"/>
+              <a:t>Weak</a:t>
+            </a:r>
+            <a:r>
+              <a:rPr lang="de-DE" dirty="0" smtClean="0"/>
+              <a:t> </a:t>
+            </a:r>
+            <a:r>
+              <a:rPr lang="de-DE" dirty="0" err="1" smtClean="0"/>
+              <a:t>scaling</a:t>
+            </a:r>
+            <a:r>
+              <a:rPr lang="de-DE" dirty="0" smtClean="0"/>
+              <a:t>: Verdoppelung der Rechenkraft </a:t>
+            </a:r>
+            <a:r>
+              <a:rPr lang="de-DE" dirty="0" smtClean="0">
+                <a:sym typeface="Wingdings" panose="05000000000000000000" pitchFamily="2" charset="2"/>
+              </a:rPr>
+              <a:t> Verdoppelung der Datenmenge</a:t>
+            </a:r>
+            <a:endParaRPr lang="de-DE" dirty="0" smtClean="0"/>
+          </a:p>
+          <a:p>
+            <a:pPr lvl="1"/>
+            <a:r>
+              <a:rPr lang="de-DE" dirty="0" smtClean="0"/>
+              <a:t>Strong </a:t>
+            </a:r>
+            <a:r>
+              <a:rPr lang="de-DE" dirty="0" err="1" smtClean="0"/>
+              <a:t>scaling</a:t>
+            </a:r>
+            <a:r>
+              <a:rPr lang="de-DE" dirty="0" smtClean="0"/>
+              <a:t>: </a:t>
+            </a:r>
+            <a:r>
+              <a:rPr lang="de-DE" dirty="0" smtClean="0"/>
+              <a:t>Erhöhung </a:t>
+            </a:r>
+            <a:r>
+              <a:rPr lang="de-DE" dirty="0" smtClean="0"/>
+              <a:t>der Rechenkraft bei gleichbleibender Datenmenge</a:t>
+            </a:r>
+          </a:p>
+          <a:p>
+            <a:r>
+              <a:rPr lang="de-DE" dirty="0" smtClean="0"/>
+              <a:t>Vergleich mit UPC (PGAS Programmiersprache) und </a:t>
+            </a:r>
+            <a:r>
+              <a:rPr lang="de-DE" dirty="0"/>
+              <a:t>single-</a:t>
+            </a:r>
+            <a:r>
+              <a:rPr lang="de-DE" dirty="0" err="1"/>
+              <a:t>node</a:t>
+            </a:r>
+            <a:r>
+              <a:rPr lang="de-DE" dirty="0"/>
+              <a:t> </a:t>
+            </a:r>
+            <a:r>
+              <a:rPr lang="de-DE" dirty="0" err="1"/>
+              <a:t>Shared</a:t>
+            </a:r>
+            <a:r>
+              <a:rPr lang="de-DE" dirty="0"/>
+              <a:t>-Memory </a:t>
+            </a:r>
+            <a:r>
+              <a:rPr lang="de-DE" dirty="0" smtClean="0"/>
+              <a:t>Implementierungen der Algorithmen [2]</a:t>
             </a:r>
             <a:endParaRPr lang="de-DE" dirty="0"/>
           </a:p>
@@ -3522,447 +4302,10 @@
           </a:p>
         </p:txBody>
       </p:sp>
-      <p:sp>
-        <p:nvSpPr>
-          <p:cNvPr id="14" name="Inhaltsplatzhalter 2"/>
-          <p:cNvSpPr txBox="1">
-            <a:spLocks/>
-          </p:cNvSpPr>
-          <p:nvPr/>
-        </p:nvSpPr>
-        <p:spPr bwMode="auto">
-          <a:xfrm>
-            <a:off x="226800" y="3429000"/>
-            <a:ext cx="8666222" cy="1872260"/>
-          </a:xfrm>
-          <a:prstGeom prst="rect">
-            <a:avLst/>
-          </a:prstGeom>
-          <a:noFill/>
-          <a:ln w="9525">
-            <a:noFill/>
-            <a:miter lim="800000"/>
-            <a:headEnd/>
-            <a:tailEnd/>
-          </a:ln>
-        </p:spPr>
-        <p:txBody>
-          <a:bodyPr vert="horz" wrap="square" lIns="91440" tIns="45720" rIns="91440" bIns="45720" numCol="1" anchor="t" anchorCtr="0" compatLnSpc="1">
-            <a:prstTxWarp prst="textNoShape">
-              <a:avLst/>
-            </a:prstTxWarp>
-          </a:bodyPr>
-          <a:lstStyle>
-            <a:lvl1pPr marL="342900" indent="-342900" algn="l" rtl="0" eaLnBrk="0" fontAlgn="base" hangingPunct="0">
-              <a:lnSpc>
-                <a:spcPct val="100000"/>
-              </a:lnSpc>
-              <a:spcBef>
-                <a:spcPts val="0"/>
-              </a:spcBef>
-              <a:spcAft>
-                <a:spcPts val="600"/>
-              </a:spcAft>
-              <a:buClrTx/>
-              <a:buChar char="•"/>
-              <a:defRPr sz="2400">
-                <a:solidFill>
-                  <a:schemeClr val="tx1"/>
-                </a:solidFill>
-                <a:latin typeface="+mn-lt"/>
-                <a:ea typeface="+mn-ea"/>
-                <a:cs typeface="+mn-cs"/>
-              </a:defRPr>
-            </a:lvl1pPr>
-            <a:lvl2pPr marL="742950" indent="-285750" algn="l" rtl="0" eaLnBrk="0" fontAlgn="base" hangingPunct="0">
-              <a:lnSpc>
-                <a:spcPct val="100000"/>
-              </a:lnSpc>
-              <a:spcBef>
-                <a:spcPts val="0"/>
-              </a:spcBef>
-              <a:spcAft>
-                <a:spcPts val="600"/>
-              </a:spcAft>
-              <a:buClrTx/>
-              <a:buFont typeface="Symbol" panose="05050102010706020507" pitchFamily="18" charset="2"/>
-              <a:buChar char="-"/>
-              <a:defRPr sz="2000">
-                <a:solidFill>
-                  <a:schemeClr val="tx1"/>
-                </a:solidFill>
-                <a:latin typeface="+mn-lt"/>
-              </a:defRPr>
-            </a:lvl2pPr>
-            <a:lvl3pPr marL="1143000" indent="-228600" algn="l" rtl="0" eaLnBrk="0" fontAlgn="base" hangingPunct="0">
-              <a:lnSpc>
-                <a:spcPct val="100000"/>
-              </a:lnSpc>
-              <a:spcBef>
-                <a:spcPts val="0"/>
-              </a:spcBef>
-              <a:spcAft>
-                <a:spcPts val="600"/>
-              </a:spcAft>
-              <a:buClrTx/>
-              <a:buFont typeface="LMU CompatilFact" pitchFamily="2" charset="0"/>
-              <a:buChar char="–"/>
-              <a:defRPr sz="2000">
-                <a:solidFill>
-                  <a:schemeClr val="tx1"/>
-                </a:solidFill>
-                <a:latin typeface="+mn-lt"/>
-              </a:defRPr>
-            </a:lvl3pPr>
-            <a:lvl4pPr marL="1562100" indent="-228600" algn="l" rtl="0" eaLnBrk="0" fontAlgn="base" hangingPunct="0">
-              <a:lnSpc>
-                <a:spcPct val="100000"/>
-              </a:lnSpc>
-              <a:spcBef>
-                <a:spcPts val="0"/>
-              </a:spcBef>
-              <a:spcAft>
-                <a:spcPts val="600"/>
-              </a:spcAft>
-              <a:buClrTx/>
-              <a:buChar char="-"/>
-              <a:defRPr sz="2000">
-                <a:solidFill>
-                  <a:schemeClr val="tx1"/>
-                </a:solidFill>
-                <a:latin typeface="+mn-lt"/>
-              </a:defRPr>
-            </a:lvl4pPr>
-            <a:lvl5pPr marL="1981200" indent="-228600" algn="l" rtl="0" eaLnBrk="0" fontAlgn="base" hangingPunct="0">
-              <a:lnSpc>
-                <a:spcPct val="100000"/>
-              </a:lnSpc>
-              <a:spcBef>
-                <a:spcPts val="0"/>
-              </a:spcBef>
-              <a:spcAft>
-                <a:spcPts val="600"/>
-              </a:spcAft>
-              <a:buClrTx/>
-              <a:buChar char="»"/>
-              <a:defRPr sz="2000">
-                <a:solidFill>
-                  <a:schemeClr val="tx1"/>
-                </a:solidFill>
-                <a:latin typeface="+mn-lt"/>
-              </a:defRPr>
-            </a:lvl5pPr>
-            <a:lvl6pPr marL="2438400" indent="-228600" algn="l" rtl="0" fontAlgn="base">
-              <a:spcBef>
-                <a:spcPct val="20000"/>
-              </a:spcBef>
-              <a:spcAft>
-                <a:spcPct val="0"/>
-              </a:spcAft>
-              <a:defRPr sz="1600">
-                <a:solidFill>
-                  <a:srgbClr val="006C30"/>
-                </a:solidFill>
-                <a:latin typeface="+mn-lt"/>
-              </a:defRPr>
-            </a:lvl6pPr>
-            <a:lvl7pPr marL="2895600" indent="-228600" algn="l" rtl="0" fontAlgn="base">
-              <a:spcBef>
-                <a:spcPct val="20000"/>
-              </a:spcBef>
-              <a:spcAft>
-                <a:spcPct val="0"/>
-              </a:spcAft>
-              <a:defRPr sz="1600">
-                <a:solidFill>
-                  <a:srgbClr val="006C30"/>
-                </a:solidFill>
-                <a:latin typeface="+mn-lt"/>
-              </a:defRPr>
-            </a:lvl7pPr>
-            <a:lvl8pPr marL="3352800" indent="-228600" algn="l" rtl="0" fontAlgn="base">
-              <a:spcBef>
-                <a:spcPct val="20000"/>
-              </a:spcBef>
-              <a:spcAft>
-                <a:spcPct val="0"/>
-              </a:spcAft>
-              <a:defRPr sz="1600">
-                <a:solidFill>
-                  <a:srgbClr val="006C30"/>
-                </a:solidFill>
-                <a:latin typeface="+mn-lt"/>
-              </a:defRPr>
-            </a:lvl8pPr>
-            <a:lvl9pPr marL="3810000" indent="-228600" algn="l" rtl="0" fontAlgn="base">
-              <a:spcBef>
-                <a:spcPct val="20000"/>
-              </a:spcBef>
-              <a:spcAft>
-                <a:spcPct val="0"/>
-              </a:spcAft>
-              <a:defRPr sz="1600">
-                <a:solidFill>
-                  <a:srgbClr val="006C30"/>
-                </a:solidFill>
-                <a:latin typeface="+mn-lt"/>
-              </a:defRPr>
-            </a:lvl9pPr>
-          </a:lstStyle>
-          <a:p>
-            <a:r>
-              <a:rPr lang="de-DE" kern="0" dirty="0" err="1" smtClean="0"/>
-              <a:t>Adjazenz</a:t>
-            </a:r>
-            <a:r>
-              <a:rPr lang="de-DE" kern="0" dirty="0" smtClean="0"/>
-              <a:t>-Iteration über eingehende und ausgehende Kanten</a:t>
-            </a:r>
-          </a:p>
-          <a:p>
-            <a:r>
-              <a:rPr lang="de-DE" kern="0" dirty="0" smtClean="0"/>
-              <a:t>Erfordert </a:t>
-            </a:r>
-            <a:r>
-              <a:rPr lang="de-DE" i="1" kern="0" dirty="0" smtClean="0"/>
-              <a:t>nicht</a:t>
-            </a:r>
-            <a:r>
-              <a:rPr lang="de-DE" kern="0" dirty="0" smtClean="0"/>
-              <a:t> zwingend </a:t>
-            </a:r>
-            <a:r>
-              <a:rPr lang="de-DE" b="1" kern="0" dirty="0" err="1" smtClean="0"/>
-              <a:t>DuplexGraph</a:t>
-            </a:r>
-            <a:endParaRPr lang="de-DE" b="1" i="1" kern="0" dirty="0"/>
-          </a:p>
-        </p:txBody>
-      </p:sp>
-      <p:pic>
-        <p:nvPicPr>
-          <p:cNvPr id="16" name="Inhaltsplatzhalter 15"/>
-          <p:cNvPicPr>
-            <a:picLocks noGrp="1" noChangeAspect="1"/>
-          </p:cNvPicPr>
-          <p:nvPr>
-            <p:ph idx="1"/>
-          </p:nvPr>
-        </p:nvPicPr>
-        <p:blipFill>
-          <a:blip r:embed="rId2">
-            <a:extLst>
-              <a:ext uri="{28A0092B-C50C-407E-A947-70E740481C1C}">
-                <a14:useLocalDpi xmlns:a14="http://schemas.microsoft.com/office/drawing/2010/main" val="0"/>
-              </a:ext>
-            </a:extLst>
-          </a:blip>
-          <a:stretch>
-            <a:fillRect/>
-          </a:stretch>
-        </p:blipFill>
-        <p:spPr>
-          <a:xfrm>
-            <a:off x="1115520" y="1834912"/>
-            <a:ext cx="6649460" cy="478761"/>
-          </a:xfrm>
-        </p:spPr>
-      </p:pic>
-      <p:sp>
-        <p:nvSpPr>
-          <p:cNvPr id="17" name="Textfeld 16"/>
-          <p:cNvSpPr txBox="1"/>
-          <p:nvPr/>
-        </p:nvSpPr>
-        <p:spPr>
-          <a:xfrm>
-            <a:off x="4194000" y="1566384"/>
-            <a:ext cx="721672" cy="307777"/>
-          </a:xfrm>
-          <a:prstGeom prst="rect">
-            <a:avLst/>
-          </a:prstGeom>
-          <a:noFill/>
-        </p:spPr>
-        <p:txBody>
-          <a:bodyPr wrap="none" rtlCol="0">
-            <a:spAutoFit/>
-          </a:bodyPr>
-          <a:lstStyle/>
-          <a:p>
-            <a:r>
-              <a:rPr lang="de-DE" sz="1400" dirty="0" smtClean="0">
-                <a:latin typeface="DejaVu Sans Mono" panose="020B0609030804020204" pitchFamily="49" charset="0"/>
-                <a:ea typeface="DejaVu Sans Mono" panose="020B0609030804020204" pitchFamily="49" charset="0"/>
-                <a:cs typeface="DejaVu Sans Mono" panose="020B0609030804020204" pitchFamily="49" charset="0"/>
-              </a:rPr>
-              <a:t>Graph</a:t>
-            </a:r>
-            <a:endParaRPr lang="de-DE" sz="1400" dirty="0">
-              <a:latin typeface="DejaVu Sans Mono" panose="020B0609030804020204" pitchFamily="49" charset="0"/>
-              <a:ea typeface="DejaVu Sans Mono" panose="020B0609030804020204" pitchFamily="49" charset="0"/>
-              <a:cs typeface="DejaVu Sans Mono" panose="020B0609030804020204" pitchFamily="49" charset="0"/>
-            </a:endParaRPr>
-          </a:p>
-        </p:txBody>
-      </p:sp>
-      <p:sp>
-        <p:nvSpPr>
-          <p:cNvPr id="18" name="Textfeld 17"/>
-          <p:cNvSpPr txBox="1"/>
-          <p:nvPr/>
-        </p:nvSpPr>
-        <p:spPr>
-          <a:xfrm>
-            <a:off x="395420" y="2401123"/>
-            <a:ext cx="1795684" cy="307777"/>
-          </a:xfrm>
-          <a:prstGeom prst="rect">
-            <a:avLst/>
-          </a:prstGeom>
-          <a:noFill/>
-        </p:spPr>
-        <p:txBody>
-          <a:bodyPr wrap="none" rtlCol="0">
-            <a:spAutoFit/>
-          </a:bodyPr>
-          <a:lstStyle/>
-          <a:p>
-            <a:r>
-              <a:rPr lang="de-DE" sz="1400" dirty="0" err="1" smtClean="0">
-                <a:latin typeface="DejaVu Sans Mono" panose="020B0609030804020204" pitchFamily="49" charset="0"/>
-                <a:ea typeface="DejaVu Sans Mono" panose="020B0609030804020204" pitchFamily="49" charset="0"/>
-                <a:cs typeface="DejaVu Sans Mono" panose="020B0609030804020204" pitchFamily="49" charset="0"/>
-              </a:rPr>
-              <a:t>AttributedGraph</a:t>
-            </a:r>
-            <a:endParaRPr lang="de-DE" sz="1400" dirty="0">
-              <a:latin typeface="DejaVu Sans Mono" panose="020B0609030804020204" pitchFamily="49" charset="0"/>
-              <a:ea typeface="DejaVu Sans Mono" panose="020B0609030804020204" pitchFamily="49" charset="0"/>
-              <a:cs typeface="DejaVu Sans Mono" panose="020B0609030804020204" pitchFamily="49" charset="0"/>
-            </a:endParaRPr>
-          </a:p>
-        </p:txBody>
-      </p:sp>
-      <p:sp>
-        <p:nvSpPr>
-          <p:cNvPr id="19" name="Textfeld 18"/>
-          <p:cNvSpPr txBox="1"/>
-          <p:nvPr/>
-        </p:nvSpPr>
-        <p:spPr>
-          <a:xfrm>
-            <a:off x="2771750" y="2401123"/>
-            <a:ext cx="1473480" cy="307777"/>
-          </a:xfrm>
-          <a:prstGeom prst="rect">
-            <a:avLst/>
-          </a:prstGeom>
-          <a:noFill/>
-        </p:spPr>
-        <p:txBody>
-          <a:bodyPr wrap="none" rtlCol="0">
-            <a:spAutoFit/>
-          </a:bodyPr>
-          <a:lstStyle/>
-          <a:p>
-            <a:r>
-              <a:rPr lang="de-DE" sz="1400" dirty="0" err="1" smtClean="0">
-                <a:latin typeface="DejaVu Sans Mono" panose="020B0609030804020204" pitchFamily="49" charset="0"/>
-                <a:ea typeface="DejaVu Sans Mono" panose="020B0609030804020204" pitchFamily="49" charset="0"/>
-                <a:cs typeface="DejaVu Sans Mono" panose="020B0609030804020204" pitchFamily="49" charset="0"/>
-              </a:rPr>
-              <a:t>DynamicGraph</a:t>
-            </a:r>
-            <a:endParaRPr lang="de-DE" sz="1400" dirty="0">
-              <a:latin typeface="DejaVu Sans Mono" panose="020B0609030804020204" pitchFamily="49" charset="0"/>
-              <a:ea typeface="DejaVu Sans Mono" panose="020B0609030804020204" pitchFamily="49" charset="0"/>
-              <a:cs typeface="DejaVu Sans Mono" panose="020B0609030804020204" pitchFamily="49" charset="0"/>
-            </a:endParaRPr>
-          </a:p>
-        </p:txBody>
-      </p:sp>
-      <p:sp>
-        <p:nvSpPr>
-          <p:cNvPr id="20" name="Textfeld 19"/>
-          <p:cNvSpPr txBox="1"/>
-          <p:nvPr/>
-        </p:nvSpPr>
-        <p:spPr>
-          <a:xfrm>
-            <a:off x="4788030" y="2401123"/>
-            <a:ext cx="1366080" cy="307777"/>
-          </a:xfrm>
-          <a:prstGeom prst="rect">
-            <a:avLst/>
-          </a:prstGeom>
-          <a:noFill/>
-        </p:spPr>
-        <p:txBody>
-          <a:bodyPr wrap="none" rtlCol="0">
-            <a:spAutoFit/>
-          </a:bodyPr>
-          <a:lstStyle/>
-          <a:p>
-            <a:r>
-              <a:rPr lang="de-DE" sz="1400" dirty="0" err="1" smtClean="0">
-                <a:latin typeface="DejaVu Sans Mono" panose="020B0609030804020204" pitchFamily="49" charset="0"/>
-                <a:ea typeface="DejaVu Sans Mono" panose="020B0609030804020204" pitchFamily="49" charset="0"/>
-                <a:cs typeface="DejaVu Sans Mono" panose="020B0609030804020204" pitchFamily="49" charset="0"/>
-              </a:rPr>
-              <a:t>DuplexGraph</a:t>
-            </a:r>
-            <a:endParaRPr lang="de-DE" sz="1400" dirty="0">
-              <a:latin typeface="DejaVu Sans Mono" panose="020B0609030804020204" pitchFamily="49" charset="0"/>
-              <a:ea typeface="DejaVu Sans Mono" panose="020B0609030804020204" pitchFamily="49" charset="0"/>
-              <a:cs typeface="DejaVu Sans Mono" panose="020B0609030804020204" pitchFamily="49" charset="0"/>
-            </a:endParaRPr>
-          </a:p>
-        </p:txBody>
-      </p:sp>
-      <p:sp>
-        <p:nvSpPr>
-          <p:cNvPr id="21" name="Textfeld 20"/>
-          <p:cNvSpPr txBox="1"/>
-          <p:nvPr/>
-        </p:nvSpPr>
-        <p:spPr>
-          <a:xfrm>
-            <a:off x="6588280" y="2401123"/>
-            <a:ext cx="2010487" cy="307777"/>
-          </a:xfrm>
-          <a:prstGeom prst="rect">
-            <a:avLst/>
-          </a:prstGeom>
-          <a:noFill/>
-        </p:spPr>
-        <p:txBody>
-          <a:bodyPr wrap="none" rtlCol="0">
-            <a:spAutoFit/>
-          </a:bodyPr>
-          <a:lstStyle/>
-          <a:p>
-            <a:r>
-              <a:rPr lang="de-DE" sz="1400" b="1" dirty="0" err="1" smtClean="0">
-                <a:latin typeface="DejaVu Sans Mono" panose="020B0609030804020204" pitchFamily="49" charset="0"/>
-                <a:ea typeface="DejaVu Sans Mono" panose="020B0609030804020204" pitchFamily="49" charset="0"/>
-                <a:cs typeface="DejaVu Sans Mono" panose="020B0609030804020204" pitchFamily="49" charset="0"/>
-              </a:rPr>
-              <a:t>CombinedEdgeGraph</a:t>
-            </a:r>
-            <a:endParaRPr lang="de-DE" sz="1400" b="1" dirty="0">
-              <a:latin typeface="DejaVu Sans Mono" panose="020B0609030804020204" pitchFamily="49" charset="0"/>
-              <a:ea typeface="DejaVu Sans Mono" panose="020B0609030804020204" pitchFamily="49" charset="0"/>
-              <a:cs typeface="DejaVu Sans Mono" panose="020B0609030804020204" pitchFamily="49" charset="0"/>
-            </a:endParaRPr>
-          </a:p>
-        </p:txBody>
-      </p:sp>
     </p:spTree>
     <p:extLst>
       <p:ext uri="{BB962C8B-B14F-4D97-AF65-F5344CB8AC3E}">
-        <p14:creationId xmlns:p14="http://schemas.microsoft.com/office/powerpoint/2010/main" val="451929866"/>
+        <p14:creationId xmlns:p14="http://schemas.microsoft.com/office/powerpoint/2010/main" val="776983444"/>
       </p:ext>
     </p:extLst>
   </p:cSld>
@@ -3974,255 +4317,6 @@
 </file>
 
 <file path=ppt/slides/slide13.xml><?xml version="1.0" encoding="utf-8"?>
-<p:sld xmlns:a="http://schemas.openxmlformats.org/drawingml/2006/main" xmlns:r="http://schemas.openxmlformats.org/officeDocument/2006/relationships" xmlns:p="http://schemas.openxmlformats.org/presentationml/2006/main">
-  <p:cSld>
-    <p:spTree>
-      <p:nvGrpSpPr>
-        <p:cNvPr id="1" name=""/>
-        <p:cNvGrpSpPr/>
-        <p:nvPr/>
-      </p:nvGrpSpPr>
-      <p:grpSpPr>
-        <a:xfrm>
-          <a:off x="0" y="0"/>
-          <a:ext cx="0" cy="0"/>
-          <a:chOff x="0" y="0"/>
-          <a:chExt cx="0" cy="0"/>
-        </a:xfrm>
-      </p:grpSpPr>
-      <p:sp>
-        <p:nvSpPr>
-          <p:cNvPr id="2" name="Titel 1"/>
-          <p:cNvSpPr>
-            <a:spLocks noGrp="1"/>
-          </p:cNvSpPr>
-          <p:nvPr>
-            <p:ph type="title"/>
-          </p:nvPr>
-        </p:nvSpPr>
-        <p:spPr/>
-        <p:txBody>
-          <a:bodyPr/>
-          <a:lstStyle/>
-          <a:p>
-            <a:r>
-              <a:rPr lang="de-DE" dirty="0" smtClean="0"/>
-              <a:t>Case </a:t>
-            </a:r>
-            <a:r>
-              <a:rPr lang="de-DE" dirty="0" err="1" smtClean="0"/>
-              <a:t>studies</a:t>
-            </a:r>
-            <a:endParaRPr lang="de-DE" dirty="0"/>
-          </a:p>
-        </p:txBody>
-      </p:sp>
-      <p:sp>
-        <p:nvSpPr>
-          <p:cNvPr id="3" name="Inhaltsplatzhalter 2"/>
-          <p:cNvSpPr>
-            <a:spLocks noGrp="1"/>
-          </p:cNvSpPr>
-          <p:nvPr>
-            <p:ph idx="1"/>
-          </p:nvPr>
-        </p:nvSpPr>
-        <p:spPr/>
-        <p:txBody>
-          <a:bodyPr/>
-          <a:lstStyle/>
-          <a:p>
-            <a:r>
-              <a:rPr lang="de-DE" dirty="0" smtClean="0"/>
-              <a:t>Evaluierung anhand von zwei elementaren Graph Algorithmen:</a:t>
-            </a:r>
-          </a:p>
-          <a:p>
-            <a:pPr lvl="1"/>
-            <a:r>
-              <a:rPr lang="de-DE" dirty="0" err="1" smtClean="0"/>
-              <a:t>Connected</a:t>
-            </a:r>
-            <a:r>
-              <a:rPr lang="de-DE" dirty="0" smtClean="0"/>
-              <a:t> Components</a:t>
-            </a:r>
-          </a:p>
-          <a:p>
-            <a:pPr lvl="1"/>
-            <a:r>
-              <a:rPr lang="de-DE" dirty="0" smtClean="0"/>
-              <a:t>Minimum </a:t>
-            </a:r>
-            <a:r>
-              <a:rPr lang="de-DE" dirty="0" err="1" smtClean="0"/>
-              <a:t>Spanning</a:t>
-            </a:r>
-            <a:r>
-              <a:rPr lang="de-DE" dirty="0" smtClean="0"/>
-              <a:t> </a:t>
-            </a:r>
-            <a:r>
-              <a:rPr lang="de-DE" dirty="0" err="1" smtClean="0"/>
-              <a:t>Tree</a:t>
-            </a:r>
-            <a:endParaRPr lang="de-DE" dirty="0" smtClean="0"/>
-          </a:p>
-          <a:p>
-            <a:r>
-              <a:rPr lang="de-DE" dirty="0" smtClean="0"/>
-              <a:t>Ansätze:</a:t>
-            </a:r>
-          </a:p>
-          <a:p>
-            <a:pPr lvl="1"/>
-            <a:r>
-              <a:rPr lang="de-DE" dirty="0" err="1" smtClean="0"/>
-              <a:t>Weak</a:t>
-            </a:r>
-            <a:r>
-              <a:rPr lang="de-DE" dirty="0" smtClean="0"/>
-              <a:t> </a:t>
-            </a:r>
-            <a:r>
-              <a:rPr lang="de-DE" dirty="0" err="1" smtClean="0"/>
-              <a:t>scaling</a:t>
-            </a:r>
-            <a:r>
-              <a:rPr lang="de-DE" dirty="0" smtClean="0"/>
-              <a:t>: Verdoppelung der Rechenkraft </a:t>
-            </a:r>
-            <a:r>
-              <a:rPr lang="de-DE" dirty="0" smtClean="0">
-                <a:sym typeface="Wingdings" panose="05000000000000000000" pitchFamily="2" charset="2"/>
-              </a:rPr>
-              <a:t> Verdoppelung der Datenmenge</a:t>
-            </a:r>
-            <a:endParaRPr lang="de-DE" dirty="0" smtClean="0"/>
-          </a:p>
-          <a:p>
-            <a:pPr lvl="1"/>
-            <a:r>
-              <a:rPr lang="de-DE" dirty="0" smtClean="0"/>
-              <a:t>Strong </a:t>
-            </a:r>
-            <a:r>
-              <a:rPr lang="de-DE" dirty="0" err="1" smtClean="0"/>
-              <a:t>scaling</a:t>
-            </a:r>
-            <a:r>
-              <a:rPr lang="de-DE" dirty="0" smtClean="0"/>
-              <a:t>: </a:t>
-            </a:r>
-            <a:r>
-              <a:rPr lang="de-DE" dirty="0" err="1" smtClean="0"/>
-              <a:t>Eröhung</a:t>
-            </a:r>
-            <a:r>
-              <a:rPr lang="de-DE" dirty="0" smtClean="0"/>
-              <a:t> der Rechenkraft bei gleichbleibender Datenmenge</a:t>
-            </a:r>
-          </a:p>
-          <a:p>
-            <a:r>
-              <a:rPr lang="de-DE" dirty="0" smtClean="0"/>
-              <a:t>Vergleich mit UPC (PGAS Programmiersprache) und </a:t>
-            </a:r>
-            <a:r>
-              <a:rPr lang="de-DE" dirty="0"/>
-              <a:t>single-</a:t>
-            </a:r>
-            <a:r>
-              <a:rPr lang="de-DE" dirty="0" err="1"/>
-              <a:t>node</a:t>
-            </a:r>
-            <a:r>
-              <a:rPr lang="de-DE" dirty="0"/>
-              <a:t> </a:t>
-            </a:r>
-            <a:r>
-              <a:rPr lang="de-DE" dirty="0" err="1"/>
-              <a:t>Shared</a:t>
-            </a:r>
-            <a:r>
-              <a:rPr lang="de-DE" dirty="0"/>
-              <a:t>-Memory </a:t>
-            </a:r>
-            <a:r>
-              <a:rPr lang="de-DE" dirty="0" smtClean="0"/>
-              <a:t>Implementierungen der Algorithmen [2]</a:t>
-            </a:r>
-            <a:endParaRPr lang="de-DE" dirty="0"/>
-          </a:p>
-        </p:txBody>
-      </p:sp>
-      <p:sp>
-        <p:nvSpPr>
-          <p:cNvPr id="4" name="Foliennummernplatzhalter 3"/>
-          <p:cNvSpPr>
-            <a:spLocks noGrp="1"/>
-          </p:cNvSpPr>
-          <p:nvPr>
-            <p:ph type="sldNum" sz="quarter" idx="4"/>
-          </p:nvPr>
-        </p:nvSpPr>
-        <p:spPr/>
-        <p:txBody>
-          <a:bodyPr/>
-          <a:lstStyle/>
-          <a:p>
-            <a:pPr>
-              <a:defRPr/>
-            </a:pPr>
-            <a:fld id="{70BFFA52-4234-45F6-B1A6-074E24FF43A2}" type="slidenum">
-              <a:rPr lang="de-DE" smtClean="0"/>
-              <a:pPr>
-                <a:defRPr/>
-              </a:pPr>
-              <a:t>13</a:t>
-            </a:fld>
-            <a:endParaRPr lang="de-DE" dirty="0"/>
-          </a:p>
-        </p:txBody>
-      </p:sp>
-      <p:sp>
-        <p:nvSpPr>
-          <p:cNvPr id="5" name="Fußzeilenplatzhalter 4"/>
-          <p:cNvSpPr>
-            <a:spLocks noGrp="1"/>
-          </p:cNvSpPr>
-          <p:nvPr>
-            <p:ph type="ftr" sz="quarter" idx="3"/>
-          </p:nvPr>
-        </p:nvSpPr>
-        <p:spPr/>
-        <p:txBody>
-          <a:bodyPr/>
-          <a:lstStyle/>
-          <a:p>
-            <a:r>
-              <a:rPr lang="en-US"/>
-              <a:t>Masterarbeit "Graph Concepts for the DASH C++ Library"</a:t>
-            </a:r>
-            <a:endParaRPr lang="de-DE" dirty="0"/>
-          </a:p>
-        </p:txBody>
-      </p:sp>
-    </p:spTree>
-    <p:extLst>
-      <p:ext uri="{BB962C8B-B14F-4D97-AF65-F5344CB8AC3E}">
-        <p14:creationId xmlns:p14="http://schemas.microsoft.com/office/powerpoint/2010/main" val="4065311231"/>
-      </p:ext>
-    </p:extLst>
-  </p:cSld>
-  <p:clrMapOvr>
-    <a:masterClrMapping/>
-  </p:clrMapOvr>
-  <p:transition spd="med"/>
-</p:sld>
-</file>
-
-<file path=ppt/slides/slide14.xml><?xml version="1.0" encoding="utf-8"?>
 <p:sld xmlns:a="http://schemas.openxmlformats.org/drawingml/2006/main" xmlns:r="http://schemas.openxmlformats.org/officeDocument/2006/relationships" xmlns:p="http://schemas.openxmlformats.org/presentationml/2006/main">
   <p:cSld>
     <p:spTree>
@@ -4330,7 +4424,7 @@
               <a:pPr>
                 <a:defRPr/>
               </a:pPr>
-              <a:t>14</a:t>
+              <a:t>13</a:t>
             </a:fld>
             <a:endParaRPr lang="de-DE" dirty="0"/>
           </a:p>
@@ -4578,6 +4672,150 @@
     <p:extLst>
       <p:ext uri="{BB962C8B-B14F-4D97-AF65-F5344CB8AC3E}">
         <p14:creationId xmlns:p14="http://schemas.microsoft.com/office/powerpoint/2010/main" val="4108139440"/>
+      </p:ext>
+    </p:extLst>
+  </p:cSld>
+  <p:clrMapOvr>
+    <a:masterClrMapping/>
+  </p:clrMapOvr>
+  <p:transition spd="med"/>
+</p:sld>
+</file>
+
+<file path=ppt/slides/slide14.xml><?xml version="1.0" encoding="utf-8"?>
+<p:sld xmlns:a="http://schemas.openxmlformats.org/drawingml/2006/main" xmlns:r="http://schemas.openxmlformats.org/officeDocument/2006/relationships" xmlns:p="http://schemas.openxmlformats.org/presentationml/2006/main">
+  <p:cSld>
+    <p:spTree>
+      <p:nvGrpSpPr>
+        <p:cNvPr id="1" name=""/>
+        <p:cNvGrpSpPr/>
+        <p:nvPr/>
+      </p:nvGrpSpPr>
+      <p:grpSpPr>
+        <a:xfrm>
+          <a:off x="0" y="0"/>
+          <a:ext cx="0" cy="0"/>
+          <a:chOff x="0" y="0"/>
+          <a:chExt cx="0" cy="0"/>
+        </a:xfrm>
+      </p:grpSpPr>
+      <p:sp>
+        <p:nvSpPr>
+          <p:cNvPr id="2" name="Titel 1"/>
+          <p:cNvSpPr>
+            <a:spLocks noGrp="1"/>
+          </p:cNvSpPr>
+          <p:nvPr>
+            <p:ph type="title"/>
+          </p:nvPr>
+        </p:nvSpPr>
+        <p:spPr/>
+        <p:txBody>
+          <a:bodyPr/>
+          <a:lstStyle/>
+          <a:p>
+            <a:r>
+              <a:rPr lang="de-DE" dirty="0" smtClean="0"/>
+              <a:t>Einschub: Vertex-Verteilung</a:t>
+            </a:r>
+            <a:endParaRPr lang="de-DE" dirty="0"/>
+          </a:p>
+        </p:txBody>
+      </p:sp>
+      <p:pic>
+        <p:nvPicPr>
+          <p:cNvPr id="10" name="Grafik 9"/>
+          <p:cNvPicPr>
+            <a:picLocks noChangeAspect="1"/>
+          </p:cNvPicPr>
+          <p:nvPr/>
+        </p:nvPicPr>
+        <p:blipFill>
+          <a:blip r:embed="rId3">
+            <a:extLst>
+              <a:ext uri="{28A0092B-C50C-407E-A947-70E740481C1C}">
+                <a14:useLocalDpi xmlns:a14="http://schemas.microsoft.com/office/drawing/2010/main" val="0"/>
+              </a:ext>
+            </a:extLst>
+          </a:blip>
+          <a:stretch>
+            <a:fillRect/>
+          </a:stretch>
+        </p:blipFill>
+        <p:spPr>
+          <a:xfrm>
+            <a:off x="3131800" y="1667295"/>
+            <a:ext cx="4607622" cy="4437140"/>
+          </a:xfrm>
+          <a:prstGeom prst="rect">
+            <a:avLst/>
+          </a:prstGeom>
+        </p:spPr>
+      </p:pic>
+      <p:sp>
+        <p:nvSpPr>
+          <p:cNvPr id="11" name="Textfeld 10"/>
+          <p:cNvSpPr txBox="1"/>
+          <p:nvPr/>
+        </p:nvSpPr>
+        <p:spPr>
+          <a:xfrm>
+            <a:off x="251400" y="2292815"/>
+            <a:ext cx="2095445" cy="400110"/>
+          </a:xfrm>
+          <a:prstGeom prst="rect">
+            <a:avLst/>
+          </a:prstGeom>
+          <a:noFill/>
+        </p:spPr>
+        <p:txBody>
+          <a:bodyPr wrap="none" rtlCol="0">
+            <a:spAutoFit/>
+          </a:bodyPr>
+          <a:lstStyle/>
+          <a:p>
+            <a:r>
+              <a:rPr lang="de-DE" sz="2000" dirty="0" smtClean="0"/>
+              <a:t>Gleichverteilung:</a:t>
+            </a:r>
+            <a:endParaRPr lang="de-DE" sz="2000" dirty="0"/>
+          </a:p>
+        </p:txBody>
+      </p:sp>
+      <p:sp>
+        <p:nvSpPr>
+          <p:cNvPr id="12" name="Textfeld 11"/>
+          <p:cNvSpPr txBox="1"/>
+          <p:nvPr/>
+        </p:nvSpPr>
+        <p:spPr>
+          <a:xfrm>
+            <a:off x="251400" y="4449354"/>
+            <a:ext cx="3024420" cy="707886"/>
+          </a:xfrm>
+          <a:prstGeom prst="rect">
+            <a:avLst/>
+          </a:prstGeom>
+          <a:noFill/>
+        </p:spPr>
+        <p:txBody>
+          <a:bodyPr wrap="square" rtlCol="0">
+            <a:spAutoFit/>
+          </a:bodyPr>
+          <a:lstStyle/>
+          <a:p>
+            <a:r>
+              <a:rPr lang="de-DE" sz="2000" dirty="0" smtClean="0"/>
+              <a:t>Verteilung mit Logarithmus-Funktion:</a:t>
+            </a:r>
+            <a:endParaRPr lang="de-DE" sz="2000" dirty="0"/>
+          </a:p>
+        </p:txBody>
+      </p:sp>
+    </p:spTree>
+    <p:extLst>
+      <p:ext uri="{BB962C8B-B14F-4D97-AF65-F5344CB8AC3E}">
+        <p14:creationId xmlns:p14="http://schemas.microsoft.com/office/powerpoint/2010/main" val="767718967"/>
       </p:ext>
     </p:extLst>
   </p:cSld>
@@ -5072,7 +5310,15 @@
             </a:r>
             <a:r>
               <a:rPr lang="de-DE" sz="1800" dirty="0" smtClean="0"/>
-              <a:t>-Memory Algorithmen und iterative Optimierung möglich</a:t>
+              <a:t>-Memory Algorithmen und </a:t>
+            </a:r>
+            <a:r>
+              <a:rPr lang="de-DE" sz="1800" dirty="0" smtClean="0"/>
+              <a:t>inkrementelle </a:t>
+            </a:r>
+            <a:r>
+              <a:rPr lang="de-DE" sz="1800" dirty="0" smtClean="0"/>
+              <a:t>Optimierung möglich</a:t>
             </a:r>
             <a:endParaRPr lang="de-DE" sz="1800" dirty="0"/>
           </a:p>
@@ -5253,14 +5499,13 @@
             </a:r>
             <a:r>
               <a:rPr lang="de-DE" dirty="0" smtClean="0"/>
-              <a:t>/Kanten zu anderen Prozessoren/Knoten während der Laufzeit</a:t>
-            </a:r>
-          </a:p>
-          <a:p>
+              <a:t>/Kanten zu anderen Prozessoren/Knoten während der </a:t>
+            </a:r>
             <a:r>
               <a:rPr lang="de-DE" dirty="0" smtClean="0"/>
-              <a:t>Sozialwissenschaftliche Studien zur Programmierbarkeit</a:t>
-            </a:r>
+              <a:t>Laufzeit</a:t>
+            </a:r>
+            <a:endParaRPr lang="de-DE" dirty="0" smtClean="0"/>
           </a:p>
         </p:txBody>
       </p:sp>
@@ -5855,7 +6100,7 @@
           </p:nvPr>
         </p:nvPicPr>
         <p:blipFill>
-          <a:blip r:embed="rId2">
+          <a:blip r:embed="rId3">
             <a:extLst>
               <a:ext uri="{28A0092B-C50C-407E-A947-70E740481C1C}">
                 <a14:useLocalDpi xmlns:a14="http://schemas.microsoft.com/office/drawing/2010/main" val="0"/>
@@ -5969,8 +6214,17 @@
             </a:r>
             <a:r>
               <a:rPr lang="de-DE" dirty="0"/>
-              <a:t> (z.B. Streams)</a:t>
-            </a:r>
+              <a:t> (z.B. Streams</a:t>
+            </a:r>
+            <a:r>
+              <a:rPr lang="de-DE" dirty="0" smtClean="0"/>
+              <a:t>) mit </a:t>
+            </a:r>
+            <a:r>
+              <a:rPr lang="de-DE" u="sng" dirty="0" smtClean="0"/>
+              <a:t>irregulären Datenzugriffen</a:t>
+            </a:r>
+            <a:endParaRPr lang="de-DE" u="sng" dirty="0"/>
           </a:p>
           <a:p>
             <a:pPr>
@@ -6304,25 +6558,55 @@
             <a:pPr lvl="1"/>
             <a:r>
               <a:rPr lang="de-DE" dirty="0"/>
-              <a:t>Formulierung von PGAS Graph Container Konzepten</a:t>
-            </a:r>
-          </a:p>
-          <a:p>
-            <a:pPr marL="914400" lvl="2" indent="0">
-              <a:buNone/>
+              <a:t>Formulierung von PGAS Graph Container </a:t>
+            </a:r>
+            <a:r>
+              <a:rPr lang="de-DE" dirty="0" smtClean="0"/>
+              <a:t>Konzepten</a:t>
+            </a:r>
+            <a:endParaRPr lang="de-DE" dirty="0"/>
+          </a:p>
+          <a:p>
+            <a:pPr marL="1144800" lvl="2" indent="-360000">
+              <a:buFontTx/>
+              <a:buChar char="…"/>
             </a:pPr>
             <a:r>
+              <a:rPr lang="de-DE" dirty="0" smtClean="0"/>
+              <a:t>basierend auf vorhandenen Konzepten für verteilte Graphen-Verarbeitung</a:t>
+            </a:r>
+          </a:p>
+          <a:p>
+            <a:pPr marL="1144800" lvl="2" indent="-360000">
+              <a:buFontTx/>
+              <a:buChar char="…"/>
+            </a:pPr>
+            <a:r>
+              <a:rPr lang="de-DE" dirty="0" smtClean="0"/>
+              <a:t>ausgehend </a:t>
+            </a:r>
+            <a:r>
               <a:rPr lang="de-DE" dirty="0"/>
-              <a:t>… ausgehend von formaler Graph-Semantik</a:t>
-            </a:r>
-          </a:p>
-          <a:p>
-            <a:pPr marL="914400" lvl="2" indent="0">
-              <a:buNone/>
+              <a:t>von formaler </a:t>
+            </a:r>
+            <a:r>
+              <a:rPr lang="de-DE" dirty="0" smtClean="0"/>
+              <a:t>Graph-Semantik</a:t>
+            </a:r>
+            <a:endParaRPr lang="de-DE" dirty="0"/>
+          </a:p>
+          <a:p>
+            <a:pPr marL="1144800" lvl="2" indent="-360000">
+              <a:buFontTx/>
+              <a:buChar char="…"/>
             </a:pPr>
             <a:r>
+              <a:rPr lang="de-DE" dirty="0" smtClean="0"/>
+              <a:t>unter </a:t>
+            </a:r>
+            <a:r>
               <a:rPr lang="de-DE" dirty="0"/>
-              <a:t>… unter Berücksichtigung von Graph-Kommunikationsmodellen</a:t>
+              <a:t>Berücksichtigung von Graph-Kommunikationsmodellen</a:t>
             </a:r>
           </a:p>
           <a:p>
@@ -7926,8 +8210,13 @@
           <a:p>
             <a:r>
               <a:rPr lang="de-DE" kern="0" dirty="0" smtClean="0"/>
-              <a:t>Implementierungen können die Voraussetzungen von einem oder mehreren Konzepten erfüllen</a:t>
-            </a:r>
+              <a:t>Implementierungen können die Voraussetzungen von einem oder mehreren Konzepten </a:t>
+            </a:r>
+            <a:r>
+              <a:rPr lang="de-DE" kern="0" dirty="0" smtClean="0"/>
+              <a:t>erfüllen</a:t>
+            </a:r>
+            <a:endParaRPr lang="de-DE" kern="0" dirty="0" smtClean="0"/>
           </a:p>
           <a:p>
             <a:r>
@@ -7940,7 +8229,17 @@
             </a:r>
             <a:r>
               <a:rPr lang="de-DE" kern="0" dirty="0" smtClean="0"/>
-              <a:t> müssen immer erfüllt werden</a:t>
+              <a:t> müssen immer erfüllt </a:t>
+            </a:r>
+            <a:r>
+              <a:rPr lang="de-DE" kern="0" dirty="0" smtClean="0"/>
+              <a:t>werden</a:t>
+            </a:r>
+          </a:p>
+          <a:p>
+            <a:r>
+              <a:rPr lang="de-DE" kern="0" dirty="0" smtClean="0"/>
+              <a:t>Alle anderen Konzepte sind frei miteinander kombinierbar</a:t>
             </a:r>
             <a:endParaRPr lang="de-DE" kern="0" dirty="0"/>
           </a:p>
@@ -8529,7 +8828,7 @@
         <p:spPr>
           <a:xfrm>
             <a:off x="4194000" y="1566384"/>
-            <a:ext cx="721672" cy="307777"/>
+            <a:ext cx="881973" cy="369332"/>
           </a:xfrm>
           <a:prstGeom prst="rect">
             <a:avLst/>
@@ -8543,14 +8842,14 @@
           <a:lstStyle/>
           <a:p>
             <a:r>
-              <a:rPr lang="de-DE" sz="1400" b="1" dirty="0" smtClean="0">
+              <a:rPr lang="de-DE" sz="1800" b="1" dirty="0" smtClean="0">
                 <a:latin typeface="DejaVu Sans Mono" panose="020B0609030804020204" pitchFamily="49" charset="0"/>
                 <a:ea typeface="DejaVu Sans Mono" panose="020B0609030804020204" pitchFamily="49" charset="0"/>
                 <a:cs typeface="DejaVu Sans Mono" panose="020B0609030804020204" pitchFamily="49" charset="0"/>
               </a:rPr>
               <a:t>Graph</a:t>
             </a:r>
-            <a:endParaRPr lang="de-DE" sz="1400" b="1" dirty="0">
+            <a:endParaRPr lang="de-DE" sz="1800" b="1" dirty="0">
               <a:latin typeface="DejaVu Sans Mono" panose="020B0609030804020204" pitchFamily="49" charset="0"/>
               <a:ea typeface="DejaVu Sans Mono" panose="020B0609030804020204" pitchFamily="49" charset="0"/>
               <a:cs typeface="DejaVu Sans Mono" panose="020B0609030804020204" pitchFamily="49" charset="0"/>
@@ -9010,7 +9309,15 @@
           <a:p>
             <a:r>
               <a:rPr lang="de-DE" kern="0" dirty="0" smtClean="0"/>
-              <a:t>Persistente Speicherung für beliebige (statische) Attribute für </a:t>
+              <a:t>Persistente Speicherung </a:t>
+            </a:r>
+            <a:r>
+              <a:rPr lang="de-DE" kern="0" dirty="0" smtClean="0"/>
+              <a:t>beliebiger Attribute </a:t>
+            </a:r>
+            <a:r>
+              <a:rPr lang="de-DE" kern="0" dirty="0" smtClean="0"/>
+              <a:t>für </a:t>
             </a:r>
             <a:r>
               <a:rPr lang="de-DE" kern="0" dirty="0" err="1" smtClean="0"/>
@@ -9106,7 +9413,7 @@
         <p:spPr>
           <a:xfrm>
             <a:off x="395420" y="2401123"/>
-            <a:ext cx="1795684" cy="307777"/>
+            <a:ext cx="2276585" cy="369332"/>
           </a:xfrm>
           <a:prstGeom prst="rect">
             <a:avLst/>
@@ -9120,14 +9427,14 @@
           <a:lstStyle/>
           <a:p>
             <a:r>
-              <a:rPr lang="de-DE" sz="1400" b="1" dirty="0" err="1" smtClean="0">
+              <a:rPr lang="de-DE" sz="1800" b="1" dirty="0" err="1" smtClean="0">
                 <a:latin typeface="DejaVu Sans Mono" panose="020B0609030804020204" pitchFamily="49" charset="0"/>
                 <a:ea typeface="DejaVu Sans Mono" panose="020B0609030804020204" pitchFamily="49" charset="0"/>
                 <a:cs typeface="DejaVu Sans Mono" panose="020B0609030804020204" pitchFamily="49" charset="0"/>
               </a:rPr>
               <a:t>AttributedGraph</a:t>
             </a:r>
-            <a:endParaRPr lang="de-DE" sz="1400" b="1" dirty="0">
+            <a:endParaRPr lang="de-DE" sz="1800" b="1" dirty="0">
               <a:latin typeface="DejaVu Sans Mono" panose="020B0609030804020204" pitchFamily="49" charset="0"/>
               <a:ea typeface="DejaVu Sans Mono" panose="020B0609030804020204" pitchFamily="49" charset="0"/>
               <a:cs typeface="DejaVu Sans Mono" panose="020B0609030804020204" pitchFamily="49" charset="0"/>

--- a/Folien/Abschlusssvortrag_Stefan_Effenberger.pptx
+++ b/Folien/Abschlusssvortrag_Stefan_Effenberger.pptx
@@ -5,10 +5,10 @@
     <p:sldMasterId id="2147483652" r:id="rId1"/>
   </p:sldMasterIdLst>
   <p:notesMasterIdLst>
-    <p:notesMasterId r:id="rId20"/>
+    <p:notesMasterId r:id="rId19"/>
   </p:notesMasterIdLst>
   <p:handoutMasterIdLst>
-    <p:handoutMasterId r:id="rId21"/>
+    <p:handoutMasterId r:id="rId20"/>
   </p:handoutMasterIdLst>
   <p:sldIdLst>
     <p:sldId id="836" r:id="rId2"/>
@@ -28,7 +28,6 @@
     <p:sldId id="858" r:id="rId16"/>
     <p:sldId id="859" r:id="rId17"/>
     <p:sldId id="860" r:id="rId18"/>
-    <p:sldId id="846" r:id="rId19"/>
   </p:sldIdLst>
   <p:sldSz cx="9144000" cy="6858000" type="screen4x3"/>
   <p:notesSz cx="6781800" cy="9855200"/>
@@ -346,7 +345,7 @@
             <a:fld id="{AE02961B-B228-4466-84E5-B65BB245109F}" type="datetimeFigureOut">
               <a:rPr lang="de-DE"/>
               <a:pPr/>
-              <a:t>20.05.2018</a:t>
+              <a:t>21.05.2018</a:t>
             </a:fld>
             <a:endParaRPr lang="de-DE"/>
           </a:p>
@@ -1071,7 +1070,7 @@
       </p:sp>
       <p:sp>
         <p:nvSpPr>
-          <p:cNvPr id="5" name="Rectangle 4"/>
+          <p:cNvPr id="5" name="Slide Number Placeholder 4"/>
           <p:cNvSpPr>
             <a:spLocks noGrp="1" noChangeArrowheads="1"/>
           </p:cNvSpPr>
@@ -2297,16 +2296,6 @@
               <a:buNone/>
             </a:pPr>
             <a:r>
-              <a:rPr lang="de-DE" dirty="0" smtClean="0">
-                <a:solidFill>
-                  <a:schemeClr val="bg2">
-                    <a:lumMod val="50000"/>
-                  </a:schemeClr>
-                </a:solidFill>
-              </a:rPr>
-              <a:t>Abschlussvortrag </a:t>
-            </a:r>
-            <a:r>
               <a:rPr lang="de-DE" dirty="0">
                 <a:solidFill>
                   <a:schemeClr val="bg2">
@@ -2314,7 +2303,7 @@
                   </a:schemeClr>
                 </a:solidFill>
               </a:rPr>
-              <a:t>zur Masterarbeit</a:t>
+              <a:t>Abschlussvortrag zur Masterarbeit</a:t>
             </a:r>
           </a:p>
           <a:p>
@@ -2376,25 +2365,8 @@
                   </a:schemeClr>
                 </a:solidFill>
               </a:rPr>
-              <a:t>Datum des Vortrags: </a:t>
-            </a:r>
-            <a:r>
-              <a:rPr lang="de-DE" dirty="0" smtClean="0">
-                <a:solidFill>
-                  <a:schemeClr val="bg2">
-                    <a:lumMod val="50000"/>
-                  </a:schemeClr>
-                </a:solidFill>
-              </a:rPr>
-              <a:t>22.05.2018</a:t>
-            </a:r>
-            <a:endParaRPr lang="de-DE" dirty="0">
-              <a:solidFill>
-                <a:schemeClr val="bg2">
-                  <a:lumMod val="50000"/>
-                </a:schemeClr>
-              </a:solidFill>
-            </a:endParaRPr>
+              <a:t>Datum des Vortrags: 22.05.2018</a:t>
+            </a:r>
           </a:p>
         </p:txBody>
       </p:sp>
@@ -2421,7 +2393,7 @@
               </a:lnSpc>
             </a:pPr>
             <a:r>
-              <a:rPr lang="de-DE" dirty="0" smtClean="0">
+              <a:rPr lang="de-DE" dirty="0">
                 <a:solidFill>
                   <a:srgbClr val="006C30"/>
                 </a:solidFill>
@@ -2429,7 +2401,7 @@
               <a:t>C++ Graph Konzepte für </a:t>
             </a:r>
             <a:r>
-              <a:rPr lang="de-DE" dirty="0" err="1" smtClean="0">
+              <a:rPr lang="de-DE" dirty="0" err="1">
                 <a:solidFill>
                   <a:srgbClr val="006C30"/>
                 </a:solidFill>
@@ -2437,7 +2409,7 @@
               <a:t>Partitioned</a:t>
             </a:r>
             <a:r>
-              <a:rPr lang="de-DE" dirty="0" smtClean="0">
+              <a:rPr lang="de-DE" dirty="0">
                 <a:solidFill>
                   <a:srgbClr val="006C30"/>
                 </a:solidFill>
@@ -2445,7 +2417,7 @@
               <a:t> Global </a:t>
             </a:r>
             <a:r>
-              <a:rPr lang="de-DE" dirty="0" err="1" smtClean="0">
+              <a:rPr lang="de-DE" dirty="0" err="1">
                 <a:solidFill>
                   <a:srgbClr val="006C30"/>
                 </a:solidFill>
@@ -2453,18 +2425,13 @@
               <a:t>Address</a:t>
             </a:r>
             <a:r>
-              <a:rPr lang="de-DE" dirty="0" smtClean="0">
+              <a:rPr lang="de-DE" dirty="0">
                 <a:solidFill>
                   <a:srgbClr val="006C30"/>
                 </a:solidFill>
               </a:rPr>
               <a:t> Space</a:t>
             </a:r>
-            <a:endParaRPr lang="de-DE" dirty="0">
-              <a:solidFill>
-                <a:srgbClr val="006C30"/>
-              </a:solidFill>
-            </a:endParaRPr>
           </a:p>
         </p:txBody>
       </p:sp>
@@ -2543,11 +2510,11 @@
           <a:lstStyle/>
           <a:p>
             <a:r>
-              <a:rPr lang="de-DE" dirty="0" smtClean="0"/>
+              <a:rPr lang="de-DE" dirty="0"/>
               <a:t>Graph Konzepte: </a:t>
             </a:r>
             <a:r>
-              <a:rPr lang="de-DE" dirty="0" err="1" smtClean="0"/>
+              <a:rPr lang="de-DE" dirty="0" err="1"/>
               <a:t>DynamicGraph</a:t>
             </a:r>
             <a:endParaRPr lang="de-DE" dirty="0"/>
@@ -2795,36 +2762,36 @@
           </a:lstStyle>
           <a:p>
             <a:r>
+              <a:rPr lang="de-DE" kern="0" dirty="0"/>
+              <a:t>Dynamisches Hinzufügen und Entfernen von </a:t>
+            </a:r>
+            <a:r>
+              <a:rPr lang="de-DE" kern="0" dirty="0" err="1"/>
+              <a:t>Vertizes</a:t>
+            </a:r>
+            <a:r>
+              <a:rPr lang="de-DE" kern="0" dirty="0"/>
+              <a:t> und Kanten während der Laufzeit</a:t>
+            </a:r>
+          </a:p>
+          <a:p>
+            <a:r>
+              <a:rPr lang="de-DE" kern="0" dirty="0"/>
+              <a:t>Benutzer-induzierte Synchronisation des Adressraums: </a:t>
+            </a:r>
+            <a:r>
+              <a:rPr lang="de-DE" i="1" kern="0" dirty="0"/>
+              <a:t>Epochen-basiertes </a:t>
+            </a:r>
+            <a:r>
+              <a:rPr lang="de-DE" i="1" kern="0" dirty="0" smtClean="0"/>
+              <a:t>Speichermodell </a:t>
+            </a:r>
+            <a:r>
               <a:rPr lang="de-DE" kern="0" dirty="0" smtClean="0"/>
-              <a:t>Dynamisches Hinzufügen und Entfernen von </a:t>
-            </a:r>
-            <a:r>
-              <a:rPr lang="de-DE" kern="0" dirty="0" err="1" smtClean="0"/>
-              <a:t>Vertizes</a:t>
-            </a:r>
-            <a:r>
-              <a:rPr lang="de-DE" kern="0" dirty="0" smtClean="0"/>
-              <a:t> und Kanten während der Laufzeit</a:t>
-            </a:r>
-          </a:p>
-          <a:p>
-            <a:r>
-              <a:rPr lang="de-DE" kern="0" dirty="0" smtClean="0"/>
-              <a:t>Benutzer-induzierte Synchronisation des </a:t>
-            </a:r>
-            <a:r>
-              <a:rPr lang="de-DE" kern="0" dirty="0" smtClean="0"/>
-              <a:t>Adressraums</a:t>
-            </a:r>
-            <a:r>
-              <a:rPr lang="de-DE" kern="0" dirty="0" smtClean="0"/>
-              <a:t>: </a:t>
-            </a:r>
-            <a:r>
-              <a:rPr lang="de-DE" i="1" kern="0" dirty="0" smtClean="0"/>
-              <a:t>Epochen-basiertes Speichermodell</a:t>
-            </a:r>
-            <a:endParaRPr lang="de-DE" i="1" kern="0" dirty="0"/>
+              <a:t>(analog zu dynamischen Datenstrukturen in DASH)</a:t>
+            </a:r>
+            <a:endParaRPr lang="de-DE" kern="0" dirty="0"/>
           </a:p>
         </p:txBody>
       </p:sp>
@@ -2880,18 +2847,13 @@
           <a:lstStyle/>
           <a:p>
             <a:r>
-              <a:rPr lang="de-DE" sz="1400" dirty="0" smtClean="0">
+              <a:rPr lang="de-DE" sz="1400" dirty="0">
                 <a:latin typeface="DejaVu Sans Mono" panose="020B0609030804020204" pitchFamily="49" charset="0"/>
                 <a:ea typeface="DejaVu Sans Mono" panose="020B0609030804020204" pitchFamily="49" charset="0"/>
                 <a:cs typeface="DejaVu Sans Mono" panose="020B0609030804020204" pitchFamily="49" charset="0"/>
               </a:rPr>
               <a:t>Graph</a:t>
             </a:r>
-            <a:endParaRPr lang="de-DE" sz="1400" dirty="0">
-              <a:latin typeface="DejaVu Sans Mono" panose="020B0609030804020204" pitchFamily="49" charset="0"/>
-              <a:ea typeface="DejaVu Sans Mono" panose="020B0609030804020204" pitchFamily="49" charset="0"/>
-              <a:cs typeface="DejaVu Sans Mono" panose="020B0609030804020204" pitchFamily="49" charset="0"/>
-            </a:endParaRPr>
           </a:p>
         </p:txBody>
       </p:sp>
@@ -2903,7 +2865,7 @@
         </p:nvSpPr>
         <p:spPr>
           <a:xfrm>
-            <a:off x="395420" y="2401123"/>
+            <a:off x="467430" y="2401123"/>
             <a:ext cx="1795684" cy="307777"/>
           </a:xfrm>
           <a:prstGeom prst="rect">
@@ -2918,7 +2880,7 @@
           <a:lstStyle/>
           <a:p>
             <a:r>
-              <a:rPr lang="de-DE" sz="1400" dirty="0" err="1" smtClean="0">
+              <a:rPr lang="de-DE" sz="1400" dirty="0" err="1">
                 <a:latin typeface="DejaVu Sans Mono" panose="020B0609030804020204" pitchFamily="49" charset="0"/>
                 <a:ea typeface="DejaVu Sans Mono" panose="020B0609030804020204" pitchFamily="49" charset="0"/>
                 <a:cs typeface="DejaVu Sans Mono" panose="020B0609030804020204" pitchFamily="49" charset="0"/>
@@ -2942,7 +2904,7 @@
         <p:spPr>
           <a:xfrm>
             <a:off x="2771750" y="2401123"/>
-            <a:ext cx="1858201" cy="369332"/>
+            <a:ext cx="1656230" cy="338554"/>
           </a:xfrm>
           <a:prstGeom prst="rect">
             <a:avLst/>
@@ -2950,20 +2912,20 @@
           <a:noFill/>
         </p:spPr>
         <p:txBody>
-          <a:bodyPr wrap="none" rtlCol="0">
+          <a:bodyPr wrap="square" rtlCol="0">
             <a:spAutoFit/>
           </a:bodyPr>
           <a:lstStyle/>
           <a:p>
             <a:r>
-              <a:rPr lang="de-DE" sz="1800" b="1" dirty="0" err="1" smtClean="0">
+              <a:rPr lang="de-DE" sz="1600" b="1" dirty="0" err="1">
                 <a:latin typeface="DejaVu Sans Mono" panose="020B0609030804020204" pitchFamily="49" charset="0"/>
                 <a:ea typeface="DejaVu Sans Mono" panose="020B0609030804020204" pitchFamily="49" charset="0"/>
                 <a:cs typeface="DejaVu Sans Mono" panose="020B0609030804020204" pitchFamily="49" charset="0"/>
               </a:rPr>
               <a:t>DynamicGraph</a:t>
             </a:r>
-            <a:endParaRPr lang="de-DE" sz="1800" b="1" dirty="0">
+            <a:endParaRPr lang="de-DE" sz="1600" b="1" dirty="0">
               <a:latin typeface="DejaVu Sans Mono" panose="020B0609030804020204" pitchFamily="49" charset="0"/>
               <a:ea typeface="DejaVu Sans Mono" panose="020B0609030804020204" pitchFamily="49" charset="0"/>
               <a:cs typeface="DejaVu Sans Mono" panose="020B0609030804020204" pitchFamily="49" charset="0"/>
@@ -2994,7 +2956,7 @@
           <a:lstStyle/>
           <a:p>
             <a:r>
-              <a:rPr lang="de-DE" sz="1400" dirty="0" err="1" smtClean="0">
+              <a:rPr lang="de-DE" sz="1400" dirty="0" err="1">
                 <a:latin typeface="DejaVu Sans Mono" panose="020B0609030804020204" pitchFamily="49" charset="0"/>
                 <a:ea typeface="DejaVu Sans Mono" panose="020B0609030804020204" pitchFamily="49" charset="0"/>
                 <a:cs typeface="DejaVu Sans Mono" panose="020B0609030804020204" pitchFamily="49" charset="0"/>
@@ -3032,7 +2994,7 @@
           <a:lstStyle/>
           <a:p>
             <a:r>
-              <a:rPr lang="de-DE" sz="1400" dirty="0" err="1" smtClean="0">
+              <a:rPr lang="de-DE" sz="1400" dirty="0" err="1">
                 <a:latin typeface="DejaVu Sans Mono" panose="020B0609030804020204" pitchFamily="49" charset="0"/>
                 <a:ea typeface="DejaVu Sans Mono" panose="020B0609030804020204" pitchFamily="49" charset="0"/>
                 <a:cs typeface="DejaVu Sans Mono" panose="020B0609030804020204" pitchFamily="49" charset="0"/>
@@ -3094,10 +3056,9 @@
           <a:lstStyle/>
           <a:p>
             <a:r>
-              <a:rPr lang="de-DE" dirty="0" smtClean="0"/>
+              <a:rPr lang="de-DE" dirty="0"/>
               <a:t>Code-Beispiel</a:t>
             </a:r>
-            <a:endParaRPr lang="de-DE" dirty="0"/>
           </a:p>
         </p:txBody>
       </p:sp>
@@ -3161,8 +3122,8 @@
         </p:nvSpPr>
         <p:spPr>
           <a:xfrm>
-            <a:off x="179390" y="1844780"/>
-            <a:ext cx="8785220" cy="3872168"/>
+            <a:off x="179390" y="1268700"/>
+            <a:ext cx="8785220" cy="5072497"/>
           </a:xfrm>
           <a:prstGeom prst="rect">
             <a:avLst/>
@@ -3183,872 +3144,845 @@
           <a:lstStyle/>
           <a:p>
             <a:r>
-              <a:rPr lang="de-DE" dirty="0" err="1">
+              <a:rPr lang="de-DE" sz="1400" dirty="0" err="1">
                 <a:solidFill>
                   <a:schemeClr val="accent2">
                     <a:lumMod val="60000"/>
                     <a:lumOff val="40000"/>
                   </a:schemeClr>
                 </a:solidFill>
-                <a:latin typeface="DejaVu Sans Mono" panose="020B0609030804020204" pitchFamily="49" charset="0"/>
-                <a:ea typeface="DejaVu Sans Mono" panose="020B0609030804020204" pitchFamily="49" charset="0"/>
-                <a:cs typeface="DejaVu Sans Mono" panose="020B0609030804020204" pitchFamily="49" charset="0"/>
+                <a:latin typeface="DejaVuSansMono NF" panose="020B0609030804020204" pitchFamily="49" charset="0"/>
+                <a:ea typeface="DejaVuSansMono NF" panose="020B0609030804020204" pitchFamily="49" charset="0"/>
+                <a:cs typeface="DejaVuSansMono NF" panose="020B0609030804020204" pitchFamily="49" charset="0"/>
               </a:rPr>
               <a:t>struct</a:t>
             </a:r>
             <a:r>
-              <a:rPr lang="de-DE" dirty="0">
-                <a:latin typeface="DejaVu Sans Mono" panose="020B0609030804020204" pitchFamily="49" charset="0"/>
-                <a:ea typeface="DejaVu Sans Mono" panose="020B0609030804020204" pitchFamily="49" charset="0"/>
-                <a:cs typeface="DejaVu Sans Mono" panose="020B0609030804020204" pitchFamily="49" charset="0"/>
+              <a:rPr lang="de-DE" sz="1400" dirty="0">
+                <a:latin typeface="DejaVuSansMono NF" panose="020B0609030804020204" pitchFamily="49" charset="0"/>
+                <a:ea typeface="DejaVuSansMono NF" panose="020B0609030804020204" pitchFamily="49" charset="0"/>
+                <a:cs typeface="DejaVuSansMono NF" panose="020B0609030804020204" pitchFamily="49" charset="0"/>
               </a:rPr>
               <a:t> </a:t>
             </a:r>
             <a:r>
-              <a:rPr lang="de-DE" dirty="0" err="1">
-                <a:latin typeface="DejaVu Sans Mono" panose="020B0609030804020204" pitchFamily="49" charset="0"/>
-                <a:ea typeface="DejaVu Sans Mono" panose="020B0609030804020204" pitchFamily="49" charset="0"/>
-                <a:cs typeface="DejaVu Sans Mono" panose="020B0609030804020204" pitchFamily="49" charset="0"/>
+              <a:rPr lang="de-DE" sz="1400" dirty="0" err="1">
+                <a:latin typeface="DejaVuSansMono NF" panose="020B0609030804020204" pitchFamily="49" charset="0"/>
+                <a:ea typeface="DejaVuSansMono NF" panose="020B0609030804020204" pitchFamily="49" charset="0"/>
+                <a:cs typeface="DejaVuSansMono NF" panose="020B0609030804020204" pitchFamily="49" charset="0"/>
               </a:rPr>
               <a:t>v_prop</a:t>
             </a:r>
             <a:r>
-              <a:rPr lang="de-DE" dirty="0">
-                <a:latin typeface="DejaVu Sans Mono" panose="020B0609030804020204" pitchFamily="49" charset="0"/>
-                <a:ea typeface="DejaVu Sans Mono" panose="020B0609030804020204" pitchFamily="49" charset="0"/>
-                <a:cs typeface="DejaVu Sans Mono" panose="020B0609030804020204" pitchFamily="49" charset="0"/>
+              <a:rPr lang="de-DE" sz="1400" dirty="0">
+                <a:latin typeface="DejaVuSansMono NF" panose="020B0609030804020204" pitchFamily="49" charset="0"/>
+                <a:ea typeface="DejaVuSansMono NF" panose="020B0609030804020204" pitchFamily="49" charset="0"/>
+                <a:cs typeface="DejaVuSansMono NF" panose="020B0609030804020204" pitchFamily="49" charset="0"/>
               </a:rPr>
               <a:t> {</a:t>
             </a:r>
           </a:p>
           <a:p>
             <a:r>
-              <a:rPr lang="de-DE" dirty="0">
-                <a:latin typeface="DejaVu Sans Mono" panose="020B0609030804020204" pitchFamily="49" charset="0"/>
-                <a:ea typeface="DejaVu Sans Mono" panose="020B0609030804020204" pitchFamily="49" charset="0"/>
-                <a:cs typeface="DejaVu Sans Mono" panose="020B0609030804020204" pitchFamily="49" charset="0"/>
+              <a:rPr lang="de-DE" sz="1400" dirty="0">
+                <a:latin typeface="DejaVuSansMono NF" panose="020B0609030804020204" pitchFamily="49" charset="0"/>
+                <a:ea typeface="DejaVuSansMono NF" panose="020B0609030804020204" pitchFamily="49" charset="0"/>
+                <a:cs typeface="DejaVuSansMono NF" panose="020B0609030804020204" pitchFamily="49" charset="0"/>
               </a:rPr>
               <a:t>  </a:t>
             </a:r>
             <a:r>
-              <a:rPr lang="de-DE" dirty="0" err="1">
+              <a:rPr lang="de-DE" sz="1400" dirty="0">
                 <a:solidFill>
                   <a:schemeClr val="accent2">
                     <a:lumMod val="60000"/>
                     <a:lumOff val="40000"/>
                   </a:schemeClr>
                 </a:solidFill>
-                <a:latin typeface="DejaVu Sans Mono" panose="020B0609030804020204" pitchFamily="49" charset="0"/>
-                <a:ea typeface="DejaVu Sans Mono" panose="020B0609030804020204" pitchFamily="49" charset="0"/>
-                <a:cs typeface="DejaVu Sans Mono" panose="020B0609030804020204" pitchFamily="49" charset="0"/>
+                <a:latin typeface="DejaVuSansMono NF" panose="020B0609030804020204" pitchFamily="49" charset="0"/>
+                <a:ea typeface="DejaVuSansMono NF" panose="020B0609030804020204" pitchFamily="49" charset="0"/>
+                <a:cs typeface="DejaVuSansMono NF" panose="020B0609030804020204" pitchFamily="49" charset="0"/>
               </a:rPr>
               <a:t>int</a:t>
             </a:r>
             <a:r>
-              <a:rPr lang="de-DE" dirty="0">
-                <a:latin typeface="DejaVu Sans Mono" panose="020B0609030804020204" pitchFamily="49" charset="0"/>
-                <a:ea typeface="DejaVu Sans Mono" panose="020B0609030804020204" pitchFamily="49" charset="0"/>
-                <a:cs typeface="DejaVu Sans Mono" panose="020B0609030804020204" pitchFamily="49" charset="0"/>
-              </a:rPr>
-              <a:t> </a:t>
-            </a:r>
-            <a:r>
-              <a:rPr lang="de-DE" dirty="0" err="1">
-                <a:latin typeface="DejaVu Sans Mono" panose="020B0609030804020204" pitchFamily="49" charset="0"/>
-                <a:ea typeface="DejaVu Sans Mono" panose="020B0609030804020204" pitchFamily="49" charset="0"/>
-                <a:cs typeface="DejaVu Sans Mono" panose="020B0609030804020204" pitchFamily="49" charset="0"/>
-              </a:rPr>
-              <a:t>id</a:t>
-            </a:r>
-            <a:endParaRPr lang="de-DE" dirty="0">
-              <a:latin typeface="DejaVu Sans Mono" panose="020B0609030804020204" pitchFamily="49" charset="0"/>
-              <a:ea typeface="DejaVu Sans Mono" panose="020B0609030804020204" pitchFamily="49" charset="0"/>
-              <a:cs typeface="DejaVu Sans Mono" panose="020B0609030804020204" pitchFamily="49" charset="0"/>
+              <a:rPr lang="de-DE" sz="1400" dirty="0">
+                <a:latin typeface="DejaVuSansMono NF" panose="020B0609030804020204" pitchFamily="49" charset="0"/>
+                <a:ea typeface="DejaVuSansMono NF" panose="020B0609030804020204" pitchFamily="49" charset="0"/>
+                <a:cs typeface="DejaVuSansMono NF" panose="020B0609030804020204" pitchFamily="49" charset="0"/>
+              </a:rPr>
+              <a:t> id;</a:t>
+            </a:r>
+          </a:p>
+          <a:p>
+            <a:r>
+              <a:rPr lang="de-DE" sz="1400" dirty="0">
+                <a:latin typeface="DejaVuSansMono NF" panose="020B0609030804020204" pitchFamily="49" charset="0"/>
+                <a:ea typeface="DejaVuSansMono NF" panose="020B0609030804020204" pitchFamily="49" charset="0"/>
+                <a:cs typeface="DejaVuSansMono NF" panose="020B0609030804020204" pitchFamily="49" charset="0"/>
+              </a:rPr>
+              <a:t>};</a:t>
+            </a:r>
+          </a:p>
+          <a:p>
+            <a:endParaRPr lang="de-DE" sz="1400" dirty="0">
+              <a:latin typeface="DejaVuSansMono NF" panose="020B0609030804020204" pitchFamily="49" charset="0"/>
+              <a:ea typeface="DejaVuSansMono NF" panose="020B0609030804020204" pitchFamily="49" charset="0"/>
+              <a:cs typeface="DejaVuSansMono NF" panose="020B0609030804020204" pitchFamily="49" charset="0"/>
             </a:endParaRPr>
           </a:p>
           <a:p>
             <a:r>
-              <a:rPr lang="de-DE" dirty="0">
-                <a:latin typeface="DejaVu Sans Mono" panose="020B0609030804020204" pitchFamily="49" charset="0"/>
-                <a:ea typeface="DejaVu Sans Mono" panose="020B0609030804020204" pitchFamily="49" charset="0"/>
-                <a:cs typeface="DejaVu Sans Mono" panose="020B0609030804020204" pitchFamily="49" charset="0"/>
-              </a:rPr>
-              <a:t>};</a:t>
-            </a:r>
-          </a:p>
-          <a:p>
-            <a:endParaRPr lang="de-DE" dirty="0">
-              <a:latin typeface="DejaVu Sans Mono" panose="020B0609030804020204" pitchFamily="49" charset="0"/>
-              <a:ea typeface="DejaVu Sans Mono" panose="020B0609030804020204" pitchFamily="49" charset="0"/>
-              <a:cs typeface="DejaVu Sans Mono" panose="020B0609030804020204" pitchFamily="49" charset="0"/>
-            </a:endParaRPr>
-          </a:p>
-          <a:p>
-            <a:r>
-              <a:rPr lang="de-DE" dirty="0" err="1">
+              <a:rPr lang="de-DE" sz="1400" dirty="0" err="1">
                 <a:solidFill>
                   <a:schemeClr val="accent2">
                     <a:lumMod val="60000"/>
                     <a:lumOff val="40000"/>
                   </a:schemeClr>
                 </a:solidFill>
-                <a:latin typeface="DejaVu Sans Mono" panose="020B0609030804020204" pitchFamily="49" charset="0"/>
-                <a:ea typeface="DejaVu Sans Mono" panose="020B0609030804020204" pitchFamily="49" charset="0"/>
-                <a:cs typeface="DejaVu Sans Mono" panose="020B0609030804020204" pitchFamily="49" charset="0"/>
+                <a:latin typeface="DejaVuSansMono NF" panose="020B0609030804020204" pitchFamily="49" charset="0"/>
+                <a:ea typeface="DejaVuSansMono NF" panose="020B0609030804020204" pitchFamily="49" charset="0"/>
+                <a:cs typeface="DejaVuSansMono NF" panose="020B0609030804020204" pitchFamily="49" charset="0"/>
               </a:rPr>
               <a:t>struct</a:t>
             </a:r>
             <a:r>
-              <a:rPr lang="de-DE" dirty="0">
-                <a:latin typeface="DejaVu Sans Mono" panose="020B0609030804020204" pitchFamily="49" charset="0"/>
-                <a:ea typeface="DejaVu Sans Mono" panose="020B0609030804020204" pitchFamily="49" charset="0"/>
-                <a:cs typeface="DejaVu Sans Mono" panose="020B0609030804020204" pitchFamily="49" charset="0"/>
+              <a:rPr lang="de-DE" sz="1400" dirty="0">
+                <a:latin typeface="DejaVuSansMono NF" panose="020B0609030804020204" pitchFamily="49" charset="0"/>
+                <a:ea typeface="DejaVuSansMono NF" panose="020B0609030804020204" pitchFamily="49" charset="0"/>
+                <a:cs typeface="DejaVuSansMono NF" panose="020B0609030804020204" pitchFamily="49" charset="0"/>
               </a:rPr>
               <a:t> </a:t>
             </a:r>
             <a:r>
-              <a:rPr lang="de-DE" dirty="0" err="1">
-                <a:latin typeface="DejaVu Sans Mono" panose="020B0609030804020204" pitchFamily="49" charset="0"/>
-                <a:ea typeface="DejaVu Sans Mono" panose="020B0609030804020204" pitchFamily="49" charset="0"/>
-                <a:cs typeface="DejaVu Sans Mono" panose="020B0609030804020204" pitchFamily="49" charset="0"/>
+              <a:rPr lang="de-DE" sz="1400" dirty="0" err="1">
+                <a:latin typeface="DejaVuSansMono NF" panose="020B0609030804020204" pitchFamily="49" charset="0"/>
+                <a:ea typeface="DejaVuSansMono NF" panose="020B0609030804020204" pitchFamily="49" charset="0"/>
+                <a:cs typeface="DejaVuSansMono NF" panose="020B0609030804020204" pitchFamily="49" charset="0"/>
               </a:rPr>
               <a:t>e_prop</a:t>
             </a:r>
             <a:r>
-              <a:rPr lang="de-DE" dirty="0">
-                <a:latin typeface="DejaVu Sans Mono" panose="020B0609030804020204" pitchFamily="49" charset="0"/>
-                <a:ea typeface="DejaVu Sans Mono" panose="020B0609030804020204" pitchFamily="49" charset="0"/>
-                <a:cs typeface="DejaVu Sans Mono" panose="020B0609030804020204" pitchFamily="49" charset="0"/>
+              <a:rPr lang="de-DE" sz="1400" dirty="0">
+                <a:latin typeface="DejaVuSansMono NF" panose="020B0609030804020204" pitchFamily="49" charset="0"/>
+                <a:ea typeface="DejaVuSansMono NF" panose="020B0609030804020204" pitchFamily="49" charset="0"/>
+                <a:cs typeface="DejaVuSansMono NF" panose="020B0609030804020204" pitchFamily="49" charset="0"/>
               </a:rPr>
               <a:t> {</a:t>
             </a:r>
           </a:p>
           <a:p>
             <a:r>
-              <a:rPr lang="de-DE" dirty="0">
-                <a:latin typeface="DejaVu Sans Mono" panose="020B0609030804020204" pitchFamily="49" charset="0"/>
-                <a:ea typeface="DejaVu Sans Mono" panose="020B0609030804020204" pitchFamily="49" charset="0"/>
-                <a:cs typeface="DejaVu Sans Mono" panose="020B0609030804020204" pitchFamily="49" charset="0"/>
+              <a:rPr lang="de-DE" sz="1400" dirty="0">
+                <a:latin typeface="DejaVuSansMono NF" panose="020B0609030804020204" pitchFamily="49" charset="0"/>
+                <a:ea typeface="DejaVuSansMono NF" panose="020B0609030804020204" pitchFamily="49" charset="0"/>
+                <a:cs typeface="DejaVuSansMono NF" panose="020B0609030804020204" pitchFamily="49" charset="0"/>
               </a:rPr>
               <a:t>  </a:t>
             </a:r>
             <a:r>
-              <a:rPr lang="de-DE" dirty="0" err="1">
+              <a:rPr lang="de-DE" sz="1400" dirty="0">
                 <a:solidFill>
                   <a:schemeClr val="accent2">
                     <a:lumMod val="60000"/>
                     <a:lumOff val="40000"/>
                   </a:schemeClr>
                 </a:solidFill>
-                <a:latin typeface="DejaVu Sans Mono" panose="020B0609030804020204" pitchFamily="49" charset="0"/>
-                <a:ea typeface="DejaVu Sans Mono" panose="020B0609030804020204" pitchFamily="49" charset="0"/>
-                <a:cs typeface="DejaVu Sans Mono" panose="020B0609030804020204" pitchFamily="49" charset="0"/>
+                <a:latin typeface="DejaVuSansMono NF" panose="020B0609030804020204" pitchFamily="49" charset="0"/>
+                <a:ea typeface="DejaVuSansMono NF" panose="020B0609030804020204" pitchFamily="49" charset="0"/>
+                <a:cs typeface="DejaVuSansMono NF" panose="020B0609030804020204" pitchFamily="49" charset="0"/>
               </a:rPr>
               <a:t>int</a:t>
             </a:r>
             <a:r>
-              <a:rPr lang="de-DE" dirty="0">
-                <a:latin typeface="DejaVu Sans Mono" panose="020B0609030804020204" pitchFamily="49" charset="0"/>
-                <a:ea typeface="DejaVu Sans Mono" panose="020B0609030804020204" pitchFamily="49" charset="0"/>
-                <a:cs typeface="DejaVu Sans Mono" panose="020B0609030804020204" pitchFamily="49" charset="0"/>
-              </a:rPr>
-              <a:t> </a:t>
-            </a:r>
-            <a:r>
-              <a:rPr lang="de-DE" dirty="0" err="1">
-                <a:latin typeface="DejaVu Sans Mono" panose="020B0609030804020204" pitchFamily="49" charset="0"/>
-                <a:ea typeface="DejaVu Sans Mono" panose="020B0609030804020204" pitchFamily="49" charset="0"/>
-                <a:cs typeface="DejaVu Sans Mono" panose="020B0609030804020204" pitchFamily="49" charset="0"/>
-              </a:rPr>
-              <a:t>id</a:t>
-            </a:r>
-            <a:endParaRPr lang="de-DE" dirty="0">
-              <a:latin typeface="DejaVu Sans Mono" panose="020B0609030804020204" pitchFamily="49" charset="0"/>
-              <a:ea typeface="DejaVu Sans Mono" panose="020B0609030804020204" pitchFamily="49" charset="0"/>
-              <a:cs typeface="DejaVu Sans Mono" panose="020B0609030804020204" pitchFamily="49" charset="0"/>
+              <a:rPr lang="de-DE" sz="1400" dirty="0">
+                <a:latin typeface="DejaVuSansMono NF" panose="020B0609030804020204" pitchFamily="49" charset="0"/>
+                <a:ea typeface="DejaVuSansMono NF" panose="020B0609030804020204" pitchFamily="49" charset="0"/>
+                <a:cs typeface="DejaVuSansMono NF" panose="020B0609030804020204" pitchFamily="49" charset="0"/>
+              </a:rPr>
+              <a:t> id;</a:t>
+            </a:r>
+          </a:p>
+          <a:p>
+            <a:r>
+              <a:rPr lang="de-DE" sz="1400" dirty="0">
+                <a:latin typeface="DejaVuSansMono NF" panose="020B0609030804020204" pitchFamily="49" charset="0"/>
+                <a:ea typeface="DejaVuSansMono NF" panose="020B0609030804020204" pitchFamily="49" charset="0"/>
+                <a:cs typeface="DejaVuSansMono NF" panose="020B0609030804020204" pitchFamily="49" charset="0"/>
+              </a:rPr>
+              <a:t>};</a:t>
+            </a:r>
+          </a:p>
+          <a:p>
+            <a:endParaRPr lang="de-DE" sz="1400" dirty="0">
+              <a:latin typeface="DejaVuSansMono NF" panose="020B0609030804020204" pitchFamily="49" charset="0"/>
+              <a:ea typeface="DejaVuSansMono NF" panose="020B0609030804020204" pitchFamily="49" charset="0"/>
+              <a:cs typeface="DejaVuSansMono NF" panose="020B0609030804020204" pitchFamily="49" charset="0"/>
             </a:endParaRPr>
           </a:p>
           <a:p>
             <a:r>
-              <a:rPr lang="de-DE" dirty="0">
-                <a:latin typeface="DejaVu Sans Mono" panose="020B0609030804020204" pitchFamily="49" charset="0"/>
-                <a:ea typeface="DejaVu Sans Mono" panose="020B0609030804020204" pitchFamily="49" charset="0"/>
-                <a:cs typeface="DejaVu Sans Mono" panose="020B0609030804020204" pitchFamily="49" charset="0"/>
-              </a:rPr>
-              <a:t>};</a:t>
-            </a:r>
-          </a:p>
-          <a:p>
-            <a:endParaRPr lang="de-DE" dirty="0">
-              <a:latin typeface="DejaVu Sans Mono" panose="020B0609030804020204" pitchFamily="49" charset="0"/>
-              <a:ea typeface="DejaVu Sans Mono" panose="020B0609030804020204" pitchFamily="49" charset="0"/>
-              <a:cs typeface="DejaVu Sans Mono" panose="020B0609030804020204" pitchFamily="49" charset="0"/>
+              <a:rPr lang="de-DE" sz="1400" dirty="0" err="1">
+                <a:latin typeface="DejaVuSansMono NF" panose="020B0609030804020204" pitchFamily="49" charset="0"/>
+                <a:ea typeface="DejaVuSansMono NF" panose="020B0609030804020204" pitchFamily="49" charset="0"/>
+                <a:cs typeface="DejaVuSansMono NF" panose="020B0609030804020204" pitchFamily="49" charset="0"/>
+              </a:rPr>
+              <a:t>AttributedDynamicGraph</a:t>
+            </a:r>
+            <a:r>
+              <a:rPr lang="de-DE" sz="1400" dirty="0">
+                <a:latin typeface="DejaVuSansMono NF" panose="020B0609030804020204" pitchFamily="49" charset="0"/>
+                <a:ea typeface="DejaVuSansMono NF" panose="020B0609030804020204" pitchFamily="49" charset="0"/>
+                <a:cs typeface="DejaVuSansMono NF" panose="020B0609030804020204" pitchFamily="49" charset="0"/>
+              </a:rPr>
+              <a:t>&lt;</a:t>
+            </a:r>
+            <a:r>
+              <a:rPr lang="de-DE" sz="1400" dirty="0" err="1">
+                <a:latin typeface="DejaVuSansMono NF" panose="020B0609030804020204" pitchFamily="49" charset="0"/>
+                <a:ea typeface="DejaVuSansMono NF" panose="020B0609030804020204" pitchFamily="49" charset="0"/>
+                <a:cs typeface="DejaVuSansMono NF" panose="020B0609030804020204" pitchFamily="49" charset="0"/>
+              </a:rPr>
+              <a:t>v_prop</a:t>
+            </a:r>
+            <a:r>
+              <a:rPr lang="de-DE" sz="1400" dirty="0">
+                <a:latin typeface="DejaVuSansMono NF" panose="020B0609030804020204" pitchFamily="49" charset="0"/>
+                <a:ea typeface="DejaVuSansMono NF" panose="020B0609030804020204" pitchFamily="49" charset="0"/>
+                <a:cs typeface="DejaVuSansMono NF" panose="020B0609030804020204" pitchFamily="49" charset="0"/>
+              </a:rPr>
+              <a:t>, </a:t>
+            </a:r>
+            <a:r>
+              <a:rPr lang="de-DE" sz="1400" dirty="0" err="1">
+                <a:latin typeface="DejaVuSansMono NF" panose="020B0609030804020204" pitchFamily="49" charset="0"/>
+                <a:ea typeface="DejaVuSansMono NF" panose="020B0609030804020204" pitchFamily="49" charset="0"/>
+                <a:cs typeface="DejaVuSansMono NF" panose="020B0609030804020204" pitchFamily="49" charset="0"/>
+              </a:rPr>
+              <a:t>e_prop</a:t>
+            </a:r>
+            <a:r>
+              <a:rPr lang="de-DE" sz="1400" dirty="0">
+                <a:latin typeface="DejaVuSansMono NF" panose="020B0609030804020204" pitchFamily="49" charset="0"/>
+                <a:ea typeface="DejaVuSansMono NF" panose="020B0609030804020204" pitchFamily="49" charset="0"/>
+                <a:cs typeface="DejaVuSansMono NF" panose="020B0609030804020204" pitchFamily="49" charset="0"/>
+              </a:rPr>
+              <a:t>&gt; g(2, 1);</a:t>
+            </a:r>
+          </a:p>
+          <a:p>
+            <a:r>
+              <a:rPr lang="de-DE" sz="1400" dirty="0">
+                <a:latin typeface="DejaVuSansMono NF" panose="020B0609030804020204" pitchFamily="49" charset="0"/>
+                <a:ea typeface="DejaVuSansMono NF" panose="020B0609030804020204" pitchFamily="49" charset="0"/>
+                <a:cs typeface="DejaVuSansMono NF" panose="020B0609030804020204" pitchFamily="49" charset="0"/>
+              </a:rPr>
+              <a:t>v_prop vp1 { 1 };</a:t>
+            </a:r>
+            <a:br>
+              <a:rPr lang="de-DE" sz="1400" dirty="0">
+                <a:latin typeface="DejaVuSansMono NF" panose="020B0609030804020204" pitchFamily="49" charset="0"/>
+                <a:ea typeface="DejaVuSansMono NF" panose="020B0609030804020204" pitchFamily="49" charset="0"/>
+                <a:cs typeface="DejaVuSansMono NF" panose="020B0609030804020204" pitchFamily="49" charset="0"/>
+              </a:rPr>
+            </a:br>
+            <a:endParaRPr lang="de-DE" sz="1400" dirty="0">
+              <a:latin typeface="DejaVuSansMono NF" panose="020B0609030804020204" pitchFamily="49" charset="0"/>
+              <a:ea typeface="DejaVuSansMono NF" panose="020B0609030804020204" pitchFamily="49" charset="0"/>
+              <a:cs typeface="DejaVuSansMono NF" panose="020B0609030804020204" pitchFamily="49" charset="0"/>
             </a:endParaRPr>
           </a:p>
           <a:p>
             <a:r>
-              <a:rPr lang="de-DE" dirty="0" err="1">
-                <a:latin typeface="DejaVu Sans Mono" panose="020B0609030804020204" pitchFamily="49" charset="0"/>
-                <a:ea typeface="DejaVu Sans Mono" panose="020B0609030804020204" pitchFamily="49" charset="0"/>
-                <a:cs typeface="DejaVu Sans Mono" panose="020B0609030804020204" pitchFamily="49" charset="0"/>
-              </a:rPr>
-              <a:t>AttributedDynamicGraph</a:t>
-            </a:r>
-            <a:r>
-              <a:rPr lang="de-DE" dirty="0">
-                <a:latin typeface="DejaVu Sans Mono" panose="020B0609030804020204" pitchFamily="49" charset="0"/>
-                <a:ea typeface="DejaVu Sans Mono" panose="020B0609030804020204" pitchFamily="49" charset="0"/>
-                <a:cs typeface="DejaVu Sans Mono" panose="020B0609030804020204" pitchFamily="49" charset="0"/>
-              </a:rPr>
-              <a:t>&lt;</a:t>
-            </a:r>
-            <a:r>
-              <a:rPr lang="de-DE" dirty="0" err="1">
-                <a:latin typeface="DejaVu Sans Mono" panose="020B0609030804020204" pitchFamily="49" charset="0"/>
-                <a:ea typeface="DejaVu Sans Mono" panose="020B0609030804020204" pitchFamily="49" charset="0"/>
-                <a:cs typeface="DejaVu Sans Mono" panose="020B0609030804020204" pitchFamily="49" charset="0"/>
-              </a:rPr>
-              <a:t>v_prop</a:t>
-            </a:r>
-            <a:r>
-              <a:rPr lang="de-DE" dirty="0">
-                <a:latin typeface="DejaVu Sans Mono" panose="020B0609030804020204" pitchFamily="49" charset="0"/>
-                <a:ea typeface="DejaVu Sans Mono" panose="020B0609030804020204" pitchFamily="49" charset="0"/>
-                <a:cs typeface="DejaVu Sans Mono" panose="020B0609030804020204" pitchFamily="49" charset="0"/>
-              </a:rPr>
-              <a:t>, </a:t>
-            </a:r>
-            <a:r>
-              <a:rPr lang="de-DE" dirty="0" err="1">
-                <a:latin typeface="DejaVu Sans Mono" panose="020B0609030804020204" pitchFamily="49" charset="0"/>
-                <a:ea typeface="DejaVu Sans Mono" panose="020B0609030804020204" pitchFamily="49" charset="0"/>
-                <a:cs typeface="DejaVu Sans Mono" panose="020B0609030804020204" pitchFamily="49" charset="0"/>
-              </a:rPr>
-              <a:t>e_prop</a:t>
-            </a:r>
-            <a:r>
-              <a:rPr lang="de-DE" dirty="0">
-                <a:latin typeface="DejaVu Sans Mono" panose="020B0609030804020204" pitchFamily="49" charset="0"/>
-                <a:ea typeface="DejaVu Sans Mono" panose="020B0609030804020204" pitchFamily="49" charset="0"/>
-                <a:cs typeface="DejaVu Sans Mono" panose="020B0609030804020204" pitchFamily="49" charset="0"/>
-              </a:rPr>
-              <a:t>&gt; g(2, 1);</a:t>
-            </a:r>
-          </a:p>
-          <a:p>
-            <a:r>
-              <a:rPr lang="de-DE" dirty="0" err="1">
-                <a:latin typeface="DejaVu Sans Mono" panose="020B0609030804020204" pitchFamily="49" charset="0"/>
-                <a:ea typeface="DejaVu Sans Mono" panose="020B0609030804020204" pitchFamily="49" charset="0"/>
-                <a:cs typeface="DejaVu Sans Mono" panose="020B0609030804020204" pitchFamily="49" charset="0"/>
-              </a:rPr>
-              <a:t>v_prop</a:t>
-            </a:r>
-            <a:r>
-              <a:rPr lang="de-DE" dirty="0">
-                <a:latin typeface="DejaVu Sans Mono" panose="020B0609030804020204" pitchFamily="49" charset="0"/>
-                <a:ea typeface="DejaVu Sans Mono" panose="020B0609030804020204" pitchFamily="49" charset="0"/>
-                <a:cs typeface="DejaVu Sans Mono" panose="020B0609030804020204" pitchFamily="49" charset="0"/>
-              </a:rPr>
-              <a:t> vp1 { 1 };</a:t>
-            </a:r>
-          </a:p>
-          <a:p>
-            <a:r>
-              <a:rPr lang="de-DE" dirty="0" err="1">
+              <a:rPr lang="de-DE" sz="1400" dirty="0" err="1">
                 <a:solidFill>
                   <a:schemeClr val="accent2">
                     <a:lumMod val="60000"/>
                     <a:lumOff val="40000"/>
                   </a:schemeClr>
                 </a:solidFill>
-                <a:latin typeface="DejaVu Sans Mono" panose="020B0609030804020204" pitchFamily="49" charset="0"/>
-                <a:ea typeface="DejaVu Sans Mono" panose="020B0609030804020204" pitchFamily="49" charset="0"/>
-                <a:cs typeface="DejaVu Sans Mono" panose="020B0609030804020204" pitchFamily="49" charset="0"/>
+                <a:latin typeface="DejaVuSansMono NF" panose="020B0609030804020204" pitchFamily="49" charset="0"/>
+                <a:ea typeface="DejaVuSansMono NF" panose="020B0609030804020204" pitchFamily="49" charset="0"/>
+                <a:cs typeface="DejaVuSansMono NF" panose="020B0609030804020204" pitchFamily="49" charset="0"/>
               </a:rPr>
               <a:t>auto</a:t>
             </a:r>
             <a:r>
-              <a:rPr lang="de-DE" dirty="0">
-                <a:latin typeface="DejaVu Sans Mono" panose="020B0609030804020204" pitchFamily="49" charset="0"/>
-                <a:ea typeface="DejaVu Sans Mono" panose="020B0609030804020204" pitchFamily="49" charset="0"/>
-                <a:cs typeface="DejaVu Sans Mono" panose="020B0609030804020204" pitchFamily="49" charset="0"/>
+              <a:rPr lang="de-DE" sz="1400" dirty="0">
+                <a:latin typeface="DejaVuSansMono NF" panose="020B0609030804020204" pitchFamily="49" charset="0"/>
+                <a:ea typeface="DejaVuSansMono NF" panose="020B0609030804020204" pitchFamily="49" charset="0"/>
+                <a:cs typeface="DejaVuSansMono NF" panose="020B0609030804020204" pitchFamily="49" charset="0"/>
               </a:rPr>
               <a:t> v1 = </a:t>
             </a:r>
             <a:r>
-              <a:rPr lang="de-DE" dirty="0" err="1">
-                <a:latin typeface="DejaVu Sans Mono" panose="020B0609030804020204" pitchFamily="49" charset="0"/>
-                <a:ea typeface="DejaVu Sans Mono" panose="020B0609030804020204" pitchFamily="49" charset="0"/>
-                <a:cs typeface="DejaVu Sans Mono" panose="020B0609030804020204" pitchFamily="49" charset="0"/>
+              <a:rPr lang="de-DE" sz="1400" dirty="0" err="1">
+                <a:latin typeface="DejaVuSansMono NF" panose="020B0609030804020204" pitchFamily="49" charset="0"/>
+                <a:ea typeface="DejaVuSansMono NF" panose="020B0609030804020204" pitchFamily="49" charset="0"/>
+                <a:cs typeface="DejaVuSansMono NF" panose="020B0609030804020204" pitchFamily="49" charset="0"/>
               </a:rPr>
               <a:t>g.add_vertex</a:t>
             </a:r>
             <a:r>
-              <a:rPr lang="de-DE" dirty="0">
-                <a:latin typeface="DejaVu Sans Mono" panose="020B0609030804020204" pitchFamily="49" charset="0"/>
-                <a:ea typeface="DejaVu Sans Mono" panose="020B0609030804020204" pitchFamily="49" charset="0"/>
-                <a:cs typeface="DejaVu Sans Mono" panose="020B0609030804020204" pitchFamily="49" charset="0"/>
+              <a:rPr lang="de-DE" sz="1400" dirty="0">
+                <a:latin typeface="DejaVuSansMono NF" panose="020B0609030804020204" pitchFamily="49" charset="0"/>
+                <a:ea typeface="DejaVuSansMono NF" panose="020B0609030804020204" pitchFamily="49" charset="0"/>
+                <a:cs typeface="DejaVuSansMono NF" panose="020B0609030804020204" pitchFamily="49" charset="0"/>
               </a:rPr>
               <a:t>();        </a:t>
             </a:r>
             <a:r>
-              <a:rPr lang="de-DE" dirty="0">
+              <a:rPr lang="de-DE" sz="1400" dirty="0">
                 <a:solidFill>
-                  <a:schemeClr val="bg1">
-                    <a:lumMod val="65000"/>
+                  <a:schemeClr val="accent1">
+                    <a:lumMod val="50000"/>
                   </a:schemeClr>
                 </a:solidFill>
-                <a:latin typeface="DejaVu Sans Mono" panose="020B0609030804020204" pitchFamily="49" charset="0"/>
-                <a:ea typeface="DejaVu Sans Mono" panose="020B0609030804020204" pitchFamily="49" charset="0"/>
-                <a:cs typeface="DejaVu Sans Mono" panose="020B0609030804020204" pitchFamily="49" charset="0"/>
+                <a:latin typeface="DejaVuSansMono NF" panose="020B0609030804020204" pitchFamily="49" charset="0"/>
+                <a:ea typeface="DejaVuSansMono NF" panose="020B0609030804020204" pitchFamily="49" charset="0"/>
+                <a:cs typeface="DejaVuSansMono NF" panose="020B0609030804020204" pitchFamily="49" charset="0"/>
               </a:rPr>
               <a:t>// </a:t>
             </a:r>
             <a:r>
-              <a:rPr lang="de-DE" dirty="0" err="1">
+              <a:rPr lang="de-DE" sz="1400" dirty="0" err="1">
                 <a:solidFill>
-                  <a:schemeClr val="bg1">
-                    <a:lumMod val="65000"/>
+                  <a:schemeClr val="accent1">
+                    <a:lumMod val="50000"/>
                   </a:schemeClr>
                 </a:solidFill>
-                <a:latin typeface="DejaVu Sans Mono" panose="020B0609030804020204" pitchFamily="49" charset="0"/>
-                <a:ea typeface="DejaVu Sans Mono" panose="020B0609030804020204" pitchFamily="49" charset="0"/>
-                <a:cs typeface="DejaVu Sans Mono" panose="020B0609030804020204" pitchFamily="49" charset="0"/>
+                <a:latin typeface="DejaVuSansMono NF" panose="020B0609030804020204" pitchFamily="49" charset="0"/>
+                <a:ea typeface="DejaVuSansMono NF" panose="020B0609030804020204" pitchFamily="49" charset="0"/>
+                <a:cs typeface="DejaVuSansMono NF" panose="020B0609030804020204" pitchFamily="49" charset="0"/>
               </a:rPr>
               <a:t>returns</a:t>
             </a:r>
             <a:r>
-              <a:rPr lang="de-DE" dirty="0">
+              <a:rPr lang="de-DE" sz="1400" dirty="0">
                 <a:solidFill>
-                  <a:schemeClr val="bg1">
-                    <a:lumMod val="65000"/>
+                  <a:schemeClr val="accent1">
+                    <a:lumMod val="50000"/>
                   </a:schemeClr>
                 </a:solidFill>
-                <a:latin typeface="DejaVu Sans Mono" panose="020B0609030804020204" pitchFamily="49" charset="0"/>
-                <a:ea typeface="DejaVu Sans Mono" panose="020B0609030804020204" pitchFamily="49" charset="0"/>
-                <a:cs typeface="DejaVu Sans Mono" panose="020B0609030804020204" pitchFamily="49" charset="0"/>
+                <a:latin typeface="DejaVuSansMono NF" panose="020B0609030804020204" pitchFamily="49" charset="0"/>
+                <a:ea typeface="DejaVuSansMono NF" panose="020B0609030804020204" pitchFamily="49" charset="0"/>
+                <a:cs typeface="DejaVuSansMono NF" panose="020B0609030804020204" pitchFamily="49" charset="0"/>
               </a:rPr>
               <a:t> </a:t>
             </a:r>
             <a:r>
-              <a:rPr lang="de-DE" dirty="0" err="1">
+              <a:rPr lang="de-DE" sz="1400" dirty="0" err="1">
                 <a:solidFill>
-                  <a:schemeClr val="bg1">
-                    <a:lumMod val="65000"/>
+                  <a:schemeClr val="accent1">
+                    <a:lumMod val="50000"/>
                   </a:schemeClr>
                 </a:solidFill>
-                <a:latin typeface="DejaVu Sans Mono" panose="020B0609030804020204" pitchFamily="49" charset="0"/>
-                <a:ea typeface="DejaVu Sans Mono" panose="020B0609030804020204" pitchFamily="49" charset="0"/>
-                <a:cs typeface="DejaVu Sans Mono" panose="020B0609030804020204" pitchFamily="49" charset="0"/>
+                <a:latin typeface="DejaVuSansMono NF" panose="020B0609030804020204" pitchFamily="49" charset="0"/>
+                <a:ea typeface="DejaVuSansMono NF" panose="020B0609030804020204" pitchFamily="49" charset="0"/>
+                <a:cs typeface="DejaVuSansMono NF" panose="020B0609030804020204" pitchFamily="49" charset="0"/>
               </a:rPr>
               <a:t>iterator</a:t>
             </a:r>
             <a:r>
-              <a:rPr lang="de-DE" dirty="0">
+              <a:rPr lang="de-DE" sz="1400" dirty="0">
                 <a:solidFill>
-                  <a:schemeClr val="bg1">
-                    <a:lumMod val="65000"/>
+                  <a:schemeClr val="accent1">
+                    <a:lumMod val="50000"/>
                   </a:schemeClr>
                 </a:solidFill>
-                <a:latin typeface="DejaVu Sans Mono" panose="020B0609030804020204" pitchFamily="49" charset="0"/>
-                <a:ea typeface="DejaVu Sans Mono" panose="020B0609030804020204" pitchFamily="49" charset="0"/>
-                <a:cs typeface="DejaVu Sans Mono" panose="020B0609030804020204" pitchFamily="49" charset="0"/>
+                <a:latin typeface="DejaVuSansMono NF" panose="020B0609030804020204" pitchFamily="49" charset="0"/>
+                <a:ea typeface="DejaVuSansMono NF" panose="020B0609030804020204" pitchFamily="49" charset="0"/>
+                <a:cs typeface="DejaVuSansMono NF" panose="020B0609030804020204" pitchFamily="49" charset="0"/>
               </a:rPr>
               <a:t> </a:t>
             </a:r>
             <a:r>
-              <a:rPr lang="de-DE" dirty="0" err="1">
+              <a:rPr lang="de-DE" sz="1400" dirty="0" err="1">
                 <a:solidFill>
-                  <a:schemeClr val="bg1">
-                    <a:lumMod val="65000"/>
+                  <a:schemeClr val="accent1">
+                    <a:lumMod val="50000"/>
                   </a:schemeClr>
                 </a:solidFill>
-                <a:latin typeface="DejaVu Sans Mono" panose="020B0609030804020204" pitchFamily="49" charset="0"/>
-                <a:ea typeface="DejaVu Sans Mono" panose="020B0609030804020204" pitchFamily="49" charset="0"/>
-                <a:cs typeface="DejaVu Sans Mono" panose="020B0609030804020204" pitchFamily="49" charset="0"/>
+                <a:latin typeface="DejaVuSansMono NF" panose="020B0609030804020204" pitchFamily="49" charset="0"/>
+                <a:ea typeface="DejaVuSansMono NF" panose="020B0609030804020204" pitchFamily="49" charset="0"/>
+                <a:cs typeface="DejaVuSansMono NF" panose="020B0609030804020204" pitchFamily="49" charset="0"/>
               </a:rPr>
               <a:t>to</a:t>
             </a:r>
             <a:r>
-              <a:rPr lang="de-DE" dirty="0">
+              <a:rPr lang="de-DE" sz="1400" dirty="0">
                 <a:solidFill>
-                  <a:schemeClr val="bg1">
-                    <a:lumMod val="65000"/>
+                  <a:schemeClr val="accent1">
+                    <a:lumMod val="50000"/>
                   </a:schemeClr>
                 </a:solidFill>
-                <a:latin typeface="DejaVu Sans Mono" panose="020B0609030804020204" pitchFamily="49" charset="0"/>
-                <a:ea typeface="DejaVu Sans Mono" panose="020B0609030804020204" pitchFamily="49" charset="0"/>
-                <a:cs typeface="DejaVu Sans Mono" panose="020B0609030804020204" pitchFamily="49" charset="0"/>
+                <a:latin typeface="DejaVuSansMono NF" panose="020B0609030804020204" pitchFamily="49" charset="0"/>
+                <a:ea typeface="DejaVuSansMono NF" panose="020B0609030804020204" pitchFamily="49" charset="0"/>
+                <a:cs typeface="DejaVuSansMono NF" panose="020B0609030804020204" pitchFamily="49" charset="0"/>
               </a:rPr>
               <a:t> </a:t>
             </a:r>
             <a:r>
-              <a:rPr lang="de-DE" dirty="0" err="1">
+              <a:rPr lang="de-DE" sz="1400" dirty="0" err="1">
                 <a:solidFill>
-                  <a:schemeClr val="bg1">
-                    <a:lumMod val="65000"/>
+                  <a:schemeClr val="accent1">
+                    <a:lumMod val="50000"/>
                   </a:schemeClr>
                 </a:solidFill>
-                <a:latin typeface="DejaVu Sans Mono" panose="020B0609030804020204" pitchFamily="49" charset="0"/>
-                <a:ea typeface="DejaVu Sans Mono" panose="020B0609030804020204" pitchFamily="49" charset="0"/>
-                <a:cs typeface="DejaVu Sans Mono" panose="020B0609030804020204" pitchFamily="49" charset="0"/>
+                <a:latin typeface="DejaVuSansMono NF" panose="020B0609030804020204" pitchFamily="49" charset="0"/>
+                <a:ea typeface="DejaVuSansMono NF" panose="020B0609030804020204" pitchFamily="49" charset="0"/>
+                <a:cs typeface="DejaVuSansMono NF" panose="020B0609030804020204" pitchFamily="49" charset="0"/>
               </a:rPr>
               <a:t>the</a:t>
             </a:r>
             <a:r>
-              <a:rPr lang="de-DE" dirty="0">
+              <a:rPr lang="de-DE" sz="1400" dirty="0">
                 <a:solidFill>
-                  <a:schemeClr val="bg1">
-                    <a:lumMod val="65000"/>
+                  <a:schemeClr val="accent1">
+                    <a:lumMod val="50000"/>
                   </a:schemeClr>
                 </a:solidFill>
-                <a:latin typeface="DejaVu Sans Mono" panose="020B0609030804020204" pitchFamily="49" charset="0"/>
-                <a:ea typeface="DejaVu Sans Mono" panose="020B0609030804020204" pitchFamily="49" charset="0"/>
-                <a:cs typeface="DejaVu Sans Mono" panose="020B0609030804020204" pitchFamily="49" charset="0"/>
+                <a:latin typeface="DejaVuSansMono NF" panose="020B0609030804020204" pitchFamily="49" charset="0"/>
+                <a:ea typeface="DejaVuSansMono NF" panose="020B0609030804020204" pitchFamily="49" charset="0"/>
+                <a:cs typeface="DejaVuSansMono NF" panose="020B0609030804020204" pitchFamily="49" charset="0"/>
               </a:rPr>
               <a:t> </a:t>
             </a:r>
             <a:r>
-              <a:rPr lang="de-DE" dirty="0" err="1">
+              <a:rPr lang="de-DE" sz="1400" dirty="0" err="1">
                 <a:solidFill>
-                  <a:schemeClr val="bg1">
-                    <a:lumMod val="65000"/>
+                  <a:schemeClr val="accent1">
+                    <a:lumMod val="50000"/>
                   </a:schemeClr>
                 </a:solidFill>
-                <a:latin typeface="DejaVu Sans Mono" panose="020B0609030804020204" pitchFamily="49" charset="0"/>
-                <a:ea typeface="DejaVu Sans Mono" panose="020B0609030804020204" pitchFamily="49" charset="0"/>
-                <a:cs typeface="DejaVu Sans Mono" panose="020B0609030804020204" pitchFamily="49" charset="0"/>
+                <a:latin typeface="DejaVuSansMono NF" panose="020B0609030804020204" pitchFamily="49" charset="0"/>
+                <a:ea typeface="DejaVuSansMono NF" panose="020B0609030804020204" pitchFamily="49" charset="0"/>
+                <a:cs typeface="DejaVuSansMono NF" panose="020B0609030804020204" pitchFamily="49" charset="0"/>
               </a:rPr>
               <a:t>created</a:t>
             </a:r>
             <a:r>
-              <a:rPr lang="de-DE" dirty="0">
+              <a:rPr lang="de-DE" sz="1400" dirty="0">
                 <a:solidFill>
-                  <a:schemeClr val="bg1">
-                    <a:lumMod val="65000"/>
+                  <a:schemeClr val="accent1">
+                    <a:lumMod val="50000"/>
                   </a:schemeClr>
                 </a:solidFill>
-                <a:latin typeface="DejaVu Sans Mono" panose="020B0609030804020204" pitchFamily="49" charset="0"/>
-                <a:ea typeface="DejaVu Sans Mono" panose="020B0609030804020204" pitchFamily="49" charset="0"/>
-                <a:cs typeface="DejaVu Sans Mono" panose="020B0609030804020204" pitchFamily="49" charset="0"/>
+                <a:latin typeface="DejaVuSansMono NF" panose="020B0609030804020204" pitchFamily="49" charset="0"/>
+                <a:ea typeface="DejaVuSansMono NF" panose="020B0609030804020204" pitchFamily="49" charset="0"/>
+                <a:cs typeface="DejaVuSansMono NF" panose="020B0609030804020204" pitchFamily="49" charset="0"/>
               </a:rPr>
               <a:t> </a:t>
             </a:r>
             <a:r>
-              <a:rPr lang="de-DE" dirty="0" err="1">
+              <a:rPr lang="de-DE" sz="1400" dirty="0" err="1">
                 <a:solidFill>
-                  <a:schemeClr val="bg1">
-                    <a:lumMod val="65000"/>
+                  <a:schemeClr val="accent1">
+                    <a:lumMod val="50000"/>
                   </a:schemeClr>
                 </a:solidFill>
-                <a:latin typeface="DejaVu Sans Mono" panose="020B0609030804020204" pitchFamily="49" charset="0"/>
-                <a:ea typeface="DejaVu Sans Mono" panose="020B0609030804020204" pitchFamily="49" charset="0"/>
-                <a:cs typeface="DejaVu Sans Mono" panose="020B0609030804020204" pitchFamily="49" charset="0"/>
+                <a:latin typeface="DejaVuSansMono NF" panose="020B0609030804020204" pitchFamily="49" charset="0"/>
+                <a:ea typeface="DejaVuSansMono NF" panose="020B0609030804020204" pitchFamily="49" charset="0"/>
+                <a:cs typeface="DejaVuSansMono NF" panose="020B0609030804020204" pitchFamily="49" charset="0"/>
               </a:rPr>
               <a:t>vertex</a:t>
             </a:r>
-            <a:endParaRPr lang="de-DE" dirty="0">
+            <a:endParaRPr lang="de-DE" sz="1400" dirty="0">
               <a:solidFill>
-                <a:schemeClr val="bg1">
-                  <a:lumMod val="65000"/>
+                <a:schemeClr val="accent1">
+                  <a:lumMod val="50000"/>
                 </a:schemeClr>
               </a:solidFill>
-              <a:latin typeface="DejaVu Sans Mono" panose="020B0609030804020204" pitchFamily="49" charset="0"/>
-              <a:ea typeface="DejaVu Sans Mono" panose="020B0609030804020204" pitchFamily="49" charset="0"/>
-              <a:cs typeface="DejaVu Sans Mono" panose="020B0609030804020204" pitchFamily="49" charset="0"/>
+              <a:latin typeface="DejaVuSansMono NF" panose="020B0609030804020204" pitchFamily="49" charset="0"/>
+              <a:ea typeface="DejaVuSansMono NF" panose="020B0609030804020204" pitchFamily="49" charset="0"/>
+              <a:cs typeface="DejaVuSansMono NF" panose="020B0609030804020204" pitchFamily="49" charset="0"/>
             </a:endParaRPr>
           </a:p>
           <a:p>
             <a:r>
-              <a:rPr lang="de-DE" dirty="0">
-                <a:latin typeface="DejaVu Sans Mono" panose="020B0609030804020204" pitchFamily="49" charset="0"/>
-                <a:ea typeface="DejaVu Sans Mono" panose="020B0609030804020204" pitchFamily="49" charset="0"/>
-                <a:cs typeface="DejaVu Sans Mono" panose="020B0609030804020204" pitchFamily="49" charset="0"/>
+              <a:rPr lang="de-DE" sz="1400" dirty="0">
+                <a:latin typeface="DejaVuSansMono NF" panose="020B0609030804020204" pitchFamily="49" charset="0"/>
+                <a:ea typeface="DejaVuSansMono NF" panose="020B0609030804020204" pitchFamily="49" charset="0"/>
+                <a:cs typeface="DejaVuSansMono NF" panose="020B0609030804020204" pitchFamily="49" charset="0"/>
               </a:rPr>
               <a:t>g[v1].</a:t>
             </a:r>
             <a:r>
-              <a:rPr lang="de-DE" dirty="0" err="1">
-                <a:latin typeface="DejaVu Sans Mono" panose="020B0609030804020204" pitchFamily="49" charset="0"/>
-                <a:ea typeface="DejaVu Sans Mono" panose="020B0609030804020204" pitchFamily="49" charset="0"/>
-                <a:cs typeface="DejaVu Sans Mono" panose="020B0609030804020204" pitchFamily="49" charset="0"/>
+              <a:rPr lang="de-DE" sz="1400" dirty="0" err="1">
+                <a:latin typeface="DejaVuSansMono NF" panose="020B0609030804020204" pitchFamily="49" charset="0"/>
+                <a:ea typeface="DejaVuSansMono NF" panose="020B0609030804020204" pitchFamily="49" charset="0"/>
+                <a:cs typeface="DejaVuSansMono NF" panose="020B0609030804020204" pitchFamily="49" charset="0"/>
               </a:rPr>
               <a:t>set_attribute</a:t>
             </a:r>
             <a:r>
-              <a:rPr lang="de-DE" dirty="0">
-                <a:latin typeface="DejaVu Sans Mono" panose="020B0609030804020204" pitchFamily="49" charset="0"/>
-                <a:ea typeface="DejaVu Sans Mono" panose="020B0609030804020204" pitchFamily="49" charset="0"/>
-                <a:cs typeface="DejaVu Sans Mono" panose="020B0609030804020204" pitchFamily="49" charset="0"/>
-              </a:rPr>
-              <a:t>(v1, vp1); </a:t>
-            </a:r>
-            <a:r>
-              <a:rPr lang="de-DE" dirty="0" smtClean="0">
-                <a:latin typeface="DejaVu Sans Mono" panose="020B0609030804020204" pitchFamily="49" charset="0"/>
-                <a:ea typeface="DejaVu Sans Mono" panose="020B0609030804020204" pitchFamily="49" charset="0"/>
-                <a:cs typeface="DejaVu Sans Mono" panose="020B0609030804020204" pitchFamily="49" charset="0"/>
-              </a:rPr>
-              <a:t>   </a:t>
-            </a:r>
-            <a:r>
-              <a:rPr lang="de-DE" dirty="0" smtClean="0">
+              <a:rPr lang="de-DE" sz="1400" dirty="0">
+                <a:latin typeface="DejaVuSansMono NF" panose="020B0609030804020204" pitchFamily="49" charset="0"/>
+                <a:ea typeface="DejaVuSansMono NF" panose="020B0609030804020204" pitchFamily="49" charset="0"/>
+                <a:cs typeface="DejaVuSansMono NF" panose="020B0609030804020204" pitchFamily="49" charset="0"/>
+              </a:rPr>
+              <a:t>(v1, vp1);    </a:t>
+            </a:r>
+            <a:r>
+              <a:rPr lang="de-DE" sz="1400" dirty="0">
                 <a:solidFill>
-                  <a:schemeClr val="bg1">
-                    <a:lumMod val="65000"/>
+                  <a:schemeClr val="accent1">
+                    <a:lumMod val="50000"/>
                   </a:schemeClr>
                 </a:solidFill>
-                <a:latin typeface="DejaVu Sans Mono" panose="020B0609030804020204" pitchFamily="49" charset="0"/>
-                <a:ea typeface="DejaVu Sans Mono" panose="020B0609030804020204" pitchFamily="49" charset="0"/>
-                <a:cs typeface="DejaVu Sans Mono" panose="020B0609030804020204" pitchFamily="49" charset="0"/>
+                <a:latin typeface="DejaVuSansMono NF" panose="020B0609030804020204" pitchFamily="49" charset="0"/>
+                <a:ea typeface="DejaVuSansMono NF" panose="020B0609030804020204" pitchFamily="49" charset="0"/>
+                <a:cs typeface="DejaVuSansMono NF" panose="020B0609030804020204" pitchFamily="49" charset="0"/>
               </a:rPr>
               <a:t>// </a:t>
             </a:r>
             <a:r>
-              <a:rPr lang="de-DE" dirty="0" err="1">
+              <a:rPr lang="de-DE" sz="1400" dirty="0" err="1">
                 <a:solidFill>
-                  <a:schemeClr val="bg1">
-                    <a:lumMod val="65000"/>
+                  <a:schemeClr val="accent1">
+                    <a:lumMod val="50000"/>
                   </a:schemeClr>
                 </a:solidFill>
-                <a:latin typeface="DejaVu Sans Mono" panose="020B0609030804020204" pitchFamily="49" charset="0"/>
-                <a:ea typeface="DejaVu Sans Mono" panose="020B0609030804020204" pitchFamily="49" charset="0"/>
-                <a:cs typeface="DejaVu Sans Mono" panose="020B0609030804020204" pitchFamily="49" charset="0"/>
+                <a:latin typeface="DejaVuSansMono NF" panose="020B0609030804020204" pitchFamily="49" charset="0"/>
+                <a:ea typeface="DejaVuSansMono NF" panose="020B0609030804020204" pitchFamily="49" charset="0"/>
+                <a:cs typeface="DejaVuSansMono NF" panose="020B0609030804020204" pitchFamily="49" charset="0"/>
               </a:rPr>
               <a:t>accesses</a:t>
             </a:r>
             <a:r>
-              <a:rPr lang="de-DE" dirty="0">
+              <a:rPr lang="de-DE" sz="1400" dirty="0">
                 <a:solidFill>
-                  <a:schemeClr val="bg1">
-                    <a:lumMod val="65000"/>
+                  <a:schemeClr val="accent1">
+                    <a:lumMod val="50000"/>
                   </a:schemeClr>
                 </a:solidFill>
-                <a:latin typeface="DejaVu Sans Mono" panose="020B0609030804020204" pitchFamily="49" charset="0"/>
-                <a:ea typeface="DejaVu Sans Mono" panose="020B0609030804020204" pitchFamily="49" charset="0"/>
-                <a:cs typeface="DejaVu Sans Mono" panose="020B0609030804020204" pitchFamily="49" charset="0"/>
+                <a:latin typeface="DejaVuSansMono NF" panose="020B0609030804020204" pitchFamily="49" charset="0"/>
+                <a:ea typeface="DejaVuSansMono NF" panose="020B0609030804020204" pitchFamily="49" charset="0"/>
+                <a:cs typeface="DejaVuSansMono NF" panose="020B0609030804020204" pitchFamily="49" charset="0"/>
               </a:rPr>
               <a:t> </a:t>
             </a:r>
             <a:r>
-              <a:rPr lang="de-DE" dirty="0" err="1">
+              <a:rPr lang="de-DE" sz="1400" dirty="0" err="1">
                 <a:solidFill>
-                  <a:schemeClr val="bg1">
-                    <a:lumMod val="65000"/>
+                  <a:schemeClr val="accent1">
+                    <a:lumMod val="50000"/>
                   </a:schemeClr>
                 </a:solidFill>
-                <a:latin typeface="DejaVu Sans Mono" panose="020B0609030804020204" pitchFamily="49" charset="0"/>
-                <a:ea typeface="DejaVu Sans Mono" panose="020B0609030804020204" pitchFamily="49" charset="0"/>
-                <a:cs typeface="DejaVu Sans Mono" panose="020B0609030804020204" pitchFamily="49" charset="0"/>
+                <a:latin typeface="DejaVuSansMono NF" panose="020B0609030804020204" pitchFamily="49" charset="0"/>
+                <a:ea typeface="DejaVuSansMono NF" panose="020B0609030804020204" pitchFamily="49" charset="0"/>
+                <a:cs typeface="DejaVuSansMono NF" panose="020B0609030804020204" pitchFamily="49" charset="0"/>
               </a:rPr>
               <a:t>the</a:t>
             </a:r>
             <a:r>
-              <a:rPr lang="de-DE" dirty="0">
+              <a:rPr lang="de-DE" sz="1400" dirty="0">
                 <a:solidFill>
-                  <a:schemeClr val="bg1">
-                    <a:lumMod val="65000"/>
+                  <a:schemeClr val="accent1">
+                    <a:lumMod val="50000"/>
                   </a:schemeClr>
                 </a:solidFill>
-                <a:latin typeface="DejaVu Sans Mono" panose="020B0609030804020204" pitchFamily="49" charset="0"/>
-                <a:ea typeface="DejaVu Sans Mono" panose="020B0609030804020204" pitchFamily="49" charset="0"/>
-                <a:cs typeface="DejaVu Sans Mono" panose="020B0609030804020204" pitchFamily="49" charset="0"/>
+                <a:latin typeface="DejaVuSansMono NF" panose="020B0609030804020204" pitchFamily="49" charset="0"/>
+                <a:ea typeface="DejaVuSansMono NF" panose="020B0609030804020204" pitchFamily="49" charset="0"/>
+                <a:cs typeface="DejaVuSansMono NF" panose="020B0609030804020204" pitchFamily="49" charset="0"/>
               </a:rPr>
               <a:t> </a:t>
             </a:r>
             <a:r>
-              <a:rPr lang="de-DE" dirty="0" err="1">
+              <a:rPr lang="de-DE" sz="1400" dirty="0" err="1">
                 <a:solidFill>
-                  <a:schemeClr val="bg1">
-                    <a:lumMod val="65000"/>
+                  <a:schemeClr val="accent1">
+                    <a:lumMod val="50000"/>
                   </a:schemeClr>
                 </a:solidFill>
-                <a:latin typeface="DejaVu Sans Mono" panose="020B0609030804020204" pitchFamily="49" charset="0"/>
-                <a:ea typeface="DejaVu Sans Mono" panose="020B0609030804020204" pitchFamily="49" charset="0"/>
-                <a:cs typeface="DejaVu Sans Mono" panose="020B0609030804020204" pitchFamily="49" charset="0"/>
+                <a:latin typeface="DejaVuSansMono NF" panose="020B0609030804020204" pitchFamily="49" charset="0"/>
+                <a:ea typeface="DejaVuSansMono NF" panose="020B0609030804020204" pitchFamily="49" charset="0"/>
+                <a:cs typeface="DejaVuSansMono NF" panose="020B0609030804020204" pitchFamily="49" charset="0"/>
               </a:rPr>
               <a:t>vertex</a:t>
             </a:r>
             <a:r>
-              <a:rPr lang="de-DE" dirty="0">
+              <a:rPr lang="de-DE" sz="1400" dirty="0">
                 <a:solidFill>
-                  <a:schemeClr val="bg1">
-                    <a:lumMod val="65000"/>
+                  <a:schemeClr val="accent1">
+                    <a:lumMod val="50000"/>
                   </a:schemeClr>
                 </a:solidFill>
-                <a:latin typeface="DejaVu Sans Mono" panose="020B0609030804020204" pitchFamily="49" charset="0"/>
-                <a:ea typeface="DejaVu Sans Mono" panose="020B0609030804020204" pitchFamily="49" charset="0"/>
-                <a:cs typeface="DejaVu Sans Mono" panose="020B0609030804020204" pitchFamily="49" charset="0"/>
+                <a:latin typeface="DejaVuSansMono NF" panose="020B0609030804020204" pitchFamily="49" charset="0"/>
+                <a:ea typeface="DejaVuSansMono NF" panose="020B0609030804020204" pitchFamily="49" charset="0"/>
+                <a:cs typeface="DejaVuSansMono NF" panose="020B0609030804020204" pitchFamily="49" charset="0"/>
               </a:rPr>
               <a:t> </a:t>
             </a:r>
             <a:r>
-              <a:rPr lang="de-DE" dirty="0" err="1">
+              <a:rPr lang="de-DE" sz="1400" dirty="0" err="1">
                 <a:solidFill>
-                  <a:schemeClr val="bg1">
-                    <a:lumMod val="65000"/>
+                  <a:schemeClr val="accent1">
+                    <a:lumMod val="50000"/>
                   </a:schemeClr>
                 </a:solidFill>
-                <a:latin typeface="DejaVu Sans Mono" panose="020B0609030804020204" pitchFamily="49" charset="0"/>
-                <a:ea typeface="DejaVu Sans Mono" panose="020B0609030804020204" pitchFamily="49" charset="0"/>
-                <a:cs typeface="DejaVu Sans Mono" panose="020B0609030804020204" pitchFamily="49" charset="0"/>
+                <a:latin typeface="DejaVuSansMono NF" panose="020B0609030804020204" pitchFamily="49" charset="0"/>
+                <a:ea typeface="DejaVuSansMono NF" panose="020B0609030804020204" pitchFamily="49" charset="0"/>
+                <a:cs typeface="DejaVuSansMono NF" panose="020B0609030804020204" pitchFamily="49" charset="0"/>
               </a:rPr>
               <a:t>and</a:t>
             </a:r>
             <a:r>
-              <a:rPr lang="de-DE" dirty="0">
+              <a:rPr lang="de-DE" sz="1400" dirty="0">
                 <a:solidFill>
-                  <a:schemeClr val="bg1">
-                    <a:lumMod val="65000"/>
+                  <a:schemeClr val="accent1">
+                    <a:lumMod val="50000"/>
                   </a:schemeClr>
                 </a:solidFill>
-                <a:latin typeface="DejaVu Sans Mono" panose="020B0609030804020204" pitchFamily="49" charset="0"/>
-                <a:ea typeface="DejaVu Sans Mono" panose="020B0609030804020204" pitchFamily="49" charset="0"/>
-                <a:cs typeface="DejaVu Sans Mono" panose="020B0609030804020204" pitchFamily="49" charset="0"/>
+                <a:latin typeface="DejaVuSansMono NF" panose="020B0609030804020204" pitchFamily="49" charset="0"/>
+                <a:ea typeface="DejaVuSansMono NF" panose="020B0609030804020204" pitchFamily="49" charset="0"/>
+                <a:cs typeface="DejaVuSansMono NF" panose="020B0609030804020204" pitchFamily="49" charset="0"/>
               </a:rPr>
               <a:t> </a:t>
             </a:r>
             <a:r>
-              <a:rPr lang="de-DE" dirty="0" err="1">
+              <a:rPr lang="de-DE" sz="1400" dirty="0" err="1">
                 <a:solidFill>
-                  <a:schemeClr val="bg1">
-                    <a:lumMod val="65000"/>
+                  <a:schemeClr val="accent1">
+                    <a:lumMod val="50000"/>
                   </a:schemeClr>
                 </a:solidFill>
-                <a:latin typeface="DejaVu Sans Mono" panose="020B0609030804020204" pitchFamily="49" charset="0"/>
-                <a:ea typeface="DejaVu Sans Mono" panose="020B0609030804020204" pitchFamily="49" charset="0"/>
-                <a:cs typeface="DejaVu Sans Mono" panose="020B0609030804020204" pitchFamily="49" charset="0"/>
+                <a:latin typeface="DejaVuSansMono NF" panose="020B0609030804020204" pitchFamily="49" charset="0"/>
+                <a:ea typeface="DejaVuSansMono NF" panose="020B0609030804020204" pitchFamily="49" charset="0"/>
+                <a:cs typeface="DejaVuSansMono NF" panose="020B0609030804020204" pitchFamily="49" charset="0"/>
               </a:rPr>
               <a:t>sets</a:t>
             </a:r>
             <a:r>
-              <a:rPr lang="de-DE" dirty="0">
+              <a:rPr lang="de-DE" sz="1400" dirty="0">
                 <a:solidFill>
-                  <a:schemeClr val="bg1">
-                    <a:lumMod val="65000"/>
+                  <a:schemeClr val="accent1">
+                    <a:lumMod val="50000"/>
                   </a:schemeClr>
                 </a:solidFill>
-                <a:latin typeface="DejaVu Sans Mono" panose="020B0609030804020204" pitchFamily="49" charset="0"/>
-                <a:ea typeface="DejaVu Sans Mono" panose="020B0609030804020204" pitchFamily="49" charset="0"/>
-                <a:cs typeface="DejaVu Sans Mono" panose="020B0609030804020204" pitchFamily="49" charset="0"/>
+                <a:latin typeface="DejaVuSansMono NF" panose="020B0609030804020204" pitchFamily="49" charset="0"/>
+                <a:ea typeface="DejaVuSansMono NF" panose="020B0609030804020204" pitchFamily="49" charset="0"/>
+                <a:cs typeface="DejaVuSansMono NF" panose="020B0609030804020204" pitchFamily="49" charset="0"/>
               </a:rPr>
               <a:t> </a:t>
             </a:r>
             <a:r>
-              <a:rPr lang="de-DE" dirty="0" err="1">
+              <a:rPr lang="de-DE" sz="1400" dirty="0" err="1">
                 <a:solidFill>
-                  <a:schemeClr val="bg1">
-                    <a:lumMod val="65000"/>
+                  <a:schemeClr val="accent1">
+                    <a:lumMod val="50000"/>
                   </a:schemeClr>
                 </a:solidFill>
-                <a:latin typeface="DejaVu Sans Mono" panose="020B0609030804020204" pitchFamily="49" charset="0"/>
-                <a:ea typeface="DejaVu Sans Mono" panose="020B0609030804020204" pitchFamily="49" charset="0"/>
-                <a:cs typeface="DejaVu Sans Mono" panose="020B0609030804020204" pitchFamily="49" charset="0"/>
+                <a:latin typeface="DejaVuSansMono NF" panose="020B0609030804020204" pitchFamily="49" charset="0"/>
+                <a:ea typeface="DejaVuSansMono NF" panose="020B0609030804020204" pitchFamily="49" charset="0"/>
+                <a:cs typeface="DejaVuSansMono NF" panose="020B0609030804020204" pitchFamily="49" charset="0"/>
               </a:rPr>
               <a:t>attribute</a:t>
             </a:r>
-            <a:endParaRPr lang="de-DE" dirty="0">
+            <a:endParaRPr lang="de-DE" sz="1400" dirty="0">
               <a:solidFill>
-                <a:schemeClr val="bg1">
-                  <a:lumMod val="65000"/>
+                <a:schemeClr val="accent1">
+                  <a:lumMod val="50000"/>
                 </a:schemeClr>
               </a:solidFill>
-              <a:latin typeface="DejaVu Sans Mono" panose="020B0609030804020204" pitchFamily="49" charset="0"/>
-              <a:ea typeface="DejaVu Sans Mono" panose="020B0609030804020204" pitchFamily="49" charset="0"/>
-              <a:cs typeface="DejaVu Sans Mono" panose="020B0609030804020204" pitchFamily="49" charset="0"/>
+              <a:latin typeface="DejaVuSansMono NF" panose="020B0609030804020204" pitchFamily="49" charset="0"/>
+              <a:ea typeface="DejaVuSansMono NF" panose="020B0609030804020204" pitchFamily="49" charset="0"/>
+              <a:cs typeface="DejaVuSansMono NF" panose="020B0609030804020204" pitchFamily="49" charset="0"/>
             </a:endParaRPr>
           </a:p>
           <a:p>
             <a:r>
-              <a:rPr lang="de-DE" dirty="0" err="1">
-                <a:latin typeface="DejaVu Sans Mono" panose="020B0609030804020204" pitchFamily="49" charset="0"/>
-                <a:ea typeface="DejaVu Sans Mono" panose="020B0609030804020204" pitchFamily="49" charset="0"/>
-                <a:cs typeface="DejaVu Sans Mono" panose="020B0609030804020204" pitchFamily="49" charset="0"/>
-              </a:rPr>
-              <a:t>v_prop</a:t>
-            </a:r>
-            <a:r>
-              <a:rPr lang="de-DE" dirty="0">
-                <a:latin typeface="DejaVu Sans Mono" panose="020B0609030804020204" pitchFamily="49" charset="0"/>
-                <a:ea typeface="DejaVu Sans Mono" panose="020B0609030804020204" pitchFamily="49" charset="0"/>
-                <a:cs typeface="DejaVu Sans Mono" panose="020B0609030804020204" pitchFamily="49" charset="0"/>
-              </a:rPr>
-              <a:t> vp2 { 2 };</a:t>
-            </a:r>
-          </a:p>
-          <a:p>
-            <a:r>
-              <a:rPr lang="de-DE" dirty="0" err="1">
+              <a:rPr lang="de-DE" sz="1400" dirty="0">
+                <a:latin typeface="DejaVuSansMono NF" panose="020B0609030804020204" pitchFamily="49" charset="0"/>
+                <a:ea typeface="DejaVuSansMono NF" panose="020B0609030804020204" pitchFamily="49" charset="0"/>
+                <a:cs typeface="DejaVuSansMono NF" panose="020B0609030804020204" pitchFamily="49" charset="0"/>
+              </a:rPr>
+              <a:t>v_prop vp2 { 2 };</a:t>
+            </a:r>
+            <a:br>
+              <a:rPr lang="de-DE" sz="1400" dirty="0">
+                <a:latin typeface="DejaVuSansMono NF" panose="020B0609030804020204" pitchFamily="49" charset="0"/>
+                <a:ea typeface="DejaVuSansMono NF" panose="020B0609030804020204" pitchFamily="49" charset="0"/>
+                <a:cs typeface="DejaVuSansMono NF" panose="020B0609030804020204" pitchFamily="49" charset="0"/>
+              </a:rPr>
+            </a:br>
+            <a:endParaRPr lang="de-DE" sz="1400" dirty="0">
+              <a:latin typeface="DejaVuSansMono NF" panose="020B0609030804020204" pitchFamily="49" charset="0"/>
+              <a:ea typeface="DejaVuSansMono NF" panose="020B0609030804020204" pitchFamily="49" charset="0"/>
+              <a:cs typeface="DejaVuSansMono NF" panose="020B0609030804020204" pitchFamily="49" charset="0"/>
+            </a:endParaRPr>
+          </a:p>
+          <a:p>
+            <a:r>
+              <a:rPr lang="de-DE" sz="1400" dirty="0" err="1">
                 <a:solidFill>
                   <a:schemeClr val="accent2">
                     <a:lumMod val="60000"/>
                     <a:lumOff val="40000"/>
                   </a:schemeClr>
                 </a:solidFill>
-                <a:latin typeface="DejaVu Sans Mono" panose="020B0609030804020204" pitchFamily="49" charset="0"/>
-                <a:ea typeface="DejaVu Sans Mono" panose="020B0609030804020204" pitchFamily="49" charset="0"/>
-                <a:cs typeface="DejaVu Sans Mono" panose="020B0609030804020204" pitchFamily="49" charset="0"/>
+                <a:latin typeface="DejaVuSansMono NF" panose="020B0609030804020204" pitchFamily="49" charset="0"/>
+                <a:ea typeface="DejaVuSansMono NF" panose="020B0609030804020204" pitchFamily="49" charset="0"/>
+                <a:cs typeface="DejaVuSansMono NF" panose="020B0609030804020204" pitchFamily="49" charset="0"/>
               </a:rPr>
               <a:t>auto</a:t>
             </a:r>
             <a:r>
-              <a:rPr lang="de-DE" dirty="0">
-                <a:latin typeface="DejaVu Sans Mono" panose="020B0609030804020204" pitchFamily="49" charset="0"/>
-                <a:ea typeface="DejaVu Sans Mono" panose="020B0609030804020204" pitchFamily="49" charset="0"/>
-                <a:cs typeface="DejaVu Sans Mono" panose="020B0609030804020204" pitchFamily="49" charset="0"/>
+              <a:rPr lang="de-DE" sz="1400" dirty="0">
+                <a:latin typeface="DejaVuSansMono NF" panose="020B0609030804020204" pitchFamily="49" charset="0"/>
+                <a:ea typeface="DejaVuSansMono NF" panose="020B0609030804020204" pitchFamily="49" charset="0"/>
+                <a:cs typeface="DejaVuSansMono NF" panose="020B0609030804020204" pitchFamily="49" charset="0"/>
               </a:rPr>
               <a:t> v2 = </a:t>
             </a:r>
             <a:r>
-              <a:rPr lang="de-DE" dirty="0" err="1">
-                <a:latin typeface="DejaVu Sans Mono" panose="020B0609030804020204" pitchFamily="49" charset="0"/>
-                <a:ea typeface="DejaVu Sans Mono" panose="020B0609030804020204" pitchFamily="49" charset="0"/>
-                <a:cs typeface="DejaVu Sans Mono" panose="020B0609030804020204" pitchFamily="49" charset="0"/>
+              <a:rPr lang="de-DE" sz="1400" dirty="0" err="1">
+                <a:latin typeface="DejaVuSansMono NF" panose="020B0609030804020204" pitchFamily="49" charset="0"/>
+                <a:ea typeface="DejaVuSansMono NF" panose="020B0609030804020204" pitchFamily="49" charset="0"/>
+                <a:cs typeface="DejaVuSansMono NF" panose="020B0609030804020204" pitchFamily="49" charset="0"/>
               </a:rPr>
               <a:t>g.add_vertex</a:t>
             </a:r>
             <a:r>
-              <a:rPr lang="de-DE" dirty="0">
-                <a:latin typeface="DejaVu Sans Mono" panose="020B0609030804020204" pitchFamily="49" charset="0"/>
-                <a:ea typeface="DejaVu Sans Mono" panose="020B0609030804020204" pitchFamily="49" charset="0"/>
-                <a:cs typeface="DejaVu Sans Mono" panose="020B0609030804020204" pitchFamily="49" charset="0"/>
+              <a:rPr lang="de-DE" sz="1400" dirty="0">
+                <a:latin typeface="DejaVuSansMono NF" panose="020B0609030804020204" pitchFamily="49" charset="0"/>
+                <a:ea typeface="DejaVuSansMono NF" panose="020B0609030804020204" pitchFamily="49" charset="0"/>
+                <a:cs typeface="DejaVuSansMono NF" panose="020B0609030804020204" pitchFamily="49" charset="0"/>
               </a:rPr>
               <a:t>();</a:t>
             </a:r>
           </a:p>
           <a:p>
             <a:r>
-              <a:rPr lang="de-DE" dirty="0">
-                <a:latin typeface="DejaVu Sans Mono" panose="020B0609030804020204" pitchFamily="49" charset="0"/>
-                <a:ea typeface="DejaVu Sans Mono" panose="020B0609030804020204" pitchFamily="49" charset="0"/>
-                <a:cs typeface="DejaVu Sans Mono" panose="020B0609030804020204" pitchFamily="49" charset="0"/>
+              <a:rPr lang="de-DE" sz="1400" dirty="0">
+                <a:latin typeface="DejaVuSansMono NF" panose="020B0609030804020204" pitchFamily="49" charset="0"/>
+                <a:ea typeface="DejaVuSansMono NF" panose="020B0609030804020204" pitchFamily="49" charset="0"/>
+                <a:cs typeface="DejaVuSansMono NF" panose="020B0609030804020204" pitchFamily="49" charset="0"/>
               </a:rPr>
               <a:t>g[v2].</a:t>
             </a:r>
             <a:r>
-              <a:rPr lang="de-DE" dirty="0" err="1">
-                <a:latin typeface="DejaVu Sans Mono" panose="020B0609030804020204" pitchFamily="49" charset="0"/>
-                <a:ea typeface="DejaVu Sans Mono" panose="020B0609030804020204" pitchFamily="49" charset="0"/>
-                <a:cs typeface="DejaVu Sans Mono" panose="020B0609030804020204" pitchFamily="49" charset="0"/>
+              <a:rPr lang="de-DE" sz="1400" dirty="0" err="1">
+                <a:latin typeface="DejaVuSansMono NF" panose="020B0609030804020204" pitchFamily="49" charset="0"/>
+                <a:ea typeface="DejaVuSansMono NF" panose="020B0609030804020204" pitchFamily="49" charset="0"/>
+                <a:cs typeface="DejaVuSansMono NF" panose="020B0609030804020204" pitchFamily="49" charset="0"/>
               </a:rPr>
               <a:t>set_attribute</a:t>
             </a:r>
             <a:r>
-              <a:rPr lang="de-DE" dirty="0">
-                <a:latin typeface="DejaVu Sans Mono" panose="020B0609030804020204" pitchFamily="49" charset="0"/>
-                <a:ea typeface="DejaVu Sans Mono" panose="020B0609030804020204" pitchFamily="49" charset="0"/>
-                <a:cs typeface="DejaVu Sans Mono" panose="020B0609030804020204" pitchFamily="49" charset="0"/>
+              <a:rPr lang="de-DE" sz="1400" dirty="0">
+                <a:latin typeface="DejaVuSansMono NF" panose="020B0609030804020204" pitchFamily="49" charset="0"/>
+                <a:ea typeface="DejaVuSansMono NF" panose="020B0609030804020204" pitchFamily="49" charset="0"/>
+                <a:cs typeface="DejaVuSansMono NF" panose="020B0609030804020204" pitchFamily="49" charset="0"/>
               </a:rPr>
               <a:t>(v1, vp1);</a:t>
             </a:r>
           </a:p>
           <a:p>
             <a:r>
-              <a:rPr lang="de-DE" dirty="0" err="1">
-                <a:latin typeface="DejaVu Sans Mono" panose="020B0609030804020204" pitchFamily="49" charset="0"/>
-                <a:ea typeface="DejaVu Sans Mono" panose="020B0609030804020204" pitchFamily="49" charset="0"/>
-                <a:cs typeface="DejaVu Sans Mono" panose="020B0609030804020204" pitchFamily="49" charset="0"/>
-              </a:rPr>
-              <a:t>e_prop</a:t>
-            </a:r>
-            <a:r>
-              <a:rPr lang="de-DE" dirty="0">
-                <a:latin typeface="DejaVu Sans Mono" panose="020B0609030804020204" pitchFamily="49" charset="0"/>
-                <a:ea typeface="DejaVu Sans Mono" panose="020B0609030804020204" pitchFamily="49" charset="0"/>
-                <a:cs typeface="DejaVu Sans Mono" panose="020B0609030804020204" pitchFamily="49" charset="0"/>
-              </a:rPr>
-              <a:t> ep1 { 1 };</a:t>
-            </a:r>
-          </a:p>
-          <a:p>
-            <a:r>
-              <a:rPr lang="de-DE" dirty="0" err="1">
+              <a:rPr lang="de-DE" sz="1400" dirty="0">
+                <a:latin typeface="DejaVuSansMono NF" panose="020B0609030804020204" pitchFamily="49" charset="0"/>
+                <a:ea typeface="DejaVuSansMono NF" panose="020B0609030804020204" pitchFamily="49" charset="0"/>
+                <a:cs typeface="DejaVuSansMono NF" panose="020B0609030804020204" pitchFamily="49" charset="0"/>
+              </a:rPr>
+              <a:t>e_prop ep1 { 1 };</a:t>
+            </a:r>
+            <a:br>
+              <a:rPr lang="de-DE" sz="1400" dirty="0">
+                <a:latin typeface="DejaVuSansMono NF" panose="020B0609030804020204" pitchFamily="49" charset="0"/>
+                <a:ea typeface="DejaVuSansMono NF" panose="020B0609030804020204" pitchFamily="49" charset="0"/>
+                <a:cs typeface="DejaVuSansMono NF" panose="020B0609030804020204" pitchFamily="49" charset="0"/>
+              </a:rPr>
+            </a:br>
+            <a:endParaRPr lang="de-DE" sz="1400" dirty="0">
+              <a:latin typeface="DejaVuSansMono NF" panose="020B0609030804020204" pitchFamily="49" charset="0"/>
+              <a:ea typeface="DejaVuSansMono NF" panose="020B0609030804020204" pitchFamily="49" charset="0"/>
+              <a:cs typeface="DejaVuSansMono NF" panose="020B0609030804020204" pitchFamily="49" charset="0"/>
+            </a:endParaRPr>
+          </a:p>
+          <a:p>
+            <a:r>
+              <a:rPr lang="de-DE" sz="1400" dirty="0" err="1">
                 <a:solidFill>
                   <a:schemeClr val="accent2">
                     <a:lumMod val="60000"/>
                     <a:lumOff val="40000"/>
                   </a:schemeClr>
                 </a:solidFill>
-                <a:latin typeface="DejaVu Sans Mono" panose="020B0609030804020204" pitchFamily="49" charset="0"/>
-                <a:ea typeface="DejaVu Sans Mono" panose="020B0609030804020204" pitchFamily="49" charset="0"/>
-                <a:cs typeface="DejaVu Sans Mono" panose="020B0609030804020204" pitchFamily="49" charset="0"/>
+                <a:latin typeface="DejaVuSansMono NF" panose="020B0609030804020204" pitchFamily="49" charset="0"/>
+                <a:ea typeface="DejaVuSansMono NF" panose="020B0609030804020204" pitchFamily="49" charset="0"/>
+                <a:cs typeface="DejaVuSansMono NF" panose="020B0609030804020204" pitchFamily="49" charset="0"/>
               </a:rPr>
               <a:t>auto</a:t>
             </a:r>
             <a:r>
-              <a:rPr lang="de-DE" dirty="0">
-                <a:latin typeface="DejaVu Sans Mono" panose="020B0609030804020204" pitchFamily="49" charset="0"/>
-                <a:ea typeface="DejaVu Sans Mono" panose="020B0609030804020204" pitchFamily="49" charset="0"/>
-                <a:cs typeface="DejaVu Sans Mono" panose="020B0609030804020204" pitchFamily="49" charset="0"/>
+              <a:rPr lang="de-DE" sz="1400" dirty="0">
+                <a:latin typeface="DejaVuSansMono NF" panose="020B0609030804020204" pitchFamily="49" charset="0"/>
+                <a:ea typeface="DejaVuSansMono NF" panose="020B0609030804020204" pitchFamily="49" charset="0"/>
+                <a:cs typeface="DejaVuSansMono NF" panose="020B0609030804020204" pitchFamily="49" charset="0"/>
               </a:rPr>
               <a:t> e1 = </a:t>
             </a:r>
             <a:r>
-              <a:rPr lang="de-DE" dirty="0" err="1">
-                <a:latin typeface="DejaVu Sans Mono" panose="020B0609030804020204" pitchFamily="49" charset="0"/>
-                <a:ea typeface="DejaVu Sans Mono" panose="020B0609030804020204" pitchFamily="49" charset="0"/>
-                <a:cs typeface="DejaVu Sans Mono" panose="020B0609030804020204" pitchFamily="49" charset="0"/>
+              <a:rPr lang="de-DE" sz="1400" dirty="0" err="1">
+                <a:latin typeface="DejaVuSansMono NF" panose="020B0609030804020204" pitchFamily="49" charset="0"/>
+                <a:ea typeface="DejaVuSansMono NF" panose="020B0609030804020204" pitchFamily="49" charset="0"/>
+                <a:cs typeface="DejaVuSansMono NF" panose="020B0609030804020204" pitchFamily="49" charset="0"/>
               </a:rPr>
               <a:t>g.add_edge</a:t>
             </a:r>
             <a:r>
-              <a:rPr lang="de-DE" dirty="0">
-                <a:latin typeface="DejaVu Sans Mono" panose="020B0609030804020204" pitchFamily="49" charset="0"/>
-                <a:ea typeface="DejaVu Sans Mono" panose="020B0609030804020204" pitchFamily="49" charset="0"/>
-                <a:cs typeface="DejaVu Sans Mono" panose="020B0609030804020204" pitchFamily="49" charset="0"/>
+              <a:rPr lang="de-DE" sz="1400" dirty="0">
+                <a:latin typeface="DejaVuSansMono NF" panose="020B0609030804020204" pitchFamily="49" charset="0"/>
+                <a:ea typeface="DejaVuSansMono NF" panose="020B0609030804020204" pitchFamily="49" charset="0"/>
+                <a:cs typeface="DejaVuSansMono NF" panose="020B0609030804020204" pitchFamily="49" charset="0"/>
               </a:rPr>
               <a:t>(v1, v2);</a:t>
             </a:r>
           </a:p>
           <a:p>
             <a:r>
-              <a:rPr lang="de-DE" dirty="0">
-                <a:latin typeface="DejaVu Sans Mono" panose="020B0609030804020204" pitchFamily="49" charset="0"/>
-                <a:ea typeface="DejaVu Sans Mono" panose="020B0609030804020204" pitchFamily="49" charset="0"/>
-                <a:cs typeface="DejaVu Sans Mono" panose="020B0609030804020204" pitchFamily="49" charset="0"/>
+              <a:rPr lang="de-DE" sz="1400" dirty="0">
+                <a:latin typeface="DejaVuSansMono NF" panose="020B0609030804020204" pitchFamily="49" charset="0"/>
+                <a:ea typeface="DejaVuSansMono NF" panose="020B0609030804020204" pitchFamily="49" charset="0"/>
+                <a:cs typeface="DejaVuSansMono NF" panose="020B0609030804020204" pitchFamily="49" charset="0"/>
               </a:rPr>
               <a:t>g[e1].</a:t>
             </a:r>
             <a:r>
-              <a:rPr lang="de-DE" dirty="0" err="1">
-                <a:latin typeface="DejaVu Sans Mono" panose="020B0609030804020204" pitchFamily="49" charset="0"/>
-                <a:ea typeface="DejaVu Sans Mono" panose="020B0609030804020204" pitchFamily="49" charset="0"/>
-                <a:cs typeface="DejaVu Sans Mono" panose="020B0609030804020204" pitchFamily="49" charset="0"/>
+              <a:rPr lang="de-DE" sz="1400" dirty="0" err="1">
+                <a:latin typeface="DejaVuSansMono NF" panose="020B0609030804020204" pitchFamily="49" charset="0"/>
+                <a:ea typeface="DejaVuSansMono NF" panose="020B0609030804020204" pitchFamily="49" charset="0"/>
+                <a:cs typeface="DejaVuSansMono NF" panose="020B0609030804020204" pitchFamily="49" charset="0"/>
               </a:rPr>
               <a:t>set_attribute</a:t>
             </a:r>
             <a:r>
-              <a:rPr lang="de-DE" dirty="0">
-                <a:latin typeface="DejaVu Sans Mono" panose="020B0609030804020204" pitchFamily="49" charset="0"/>
-                <a:ea typeface="DejaVu Sans Mono" panose="020B0609030804020204" pitchFamily="49" charset="0"/>
-                <a:cs typeface="DejaVu Sans Mono" panose="020B0609030804020204" pitchFamily="49" charset="0"/>
+              <a:rPr lang="de-DE" sz="1400" dirty="0">
+                <a:latin typeface="DejaVuSansMono NF" panose="020B0609030804020204" pitchFamily="49" charset="0"/>
+                <a:ea typeface="DejaVuSansMono NF" panose="020B0609030804020204" pitchFamily="49" charset="0"/>
+                <a:cs typeface="DejaVuSansMono NF" panose="020B0609030804020204" pitchFamily="49" charset="0"/>
               </a:rPr>
               <a:t>(e1, ep1);</a:t>
             </a:r>
           </a:p>
           <a:p>
             <a:r>
-              <a:rPr lang="de-DE" dirty="0" err="1">
-                <a:latin typeface="DejaVu Sans Mono" panose="020B0609030804020204" pitchFamily="49" charset="0"/>
-                <a:ea typeface="DejaVu Sans Mono" panose="020B0609030804020204" pitchFamily="49" charset="0"/>
-                <a:cs typeface="DejaVu Sans Mono" panose="020B0609030804020204" pitchFamily="49" charset="0"/>
+              <a:rPr lang="de-DE" sz="1400" dirty="0" err="1">
+                <a:latin typeface="DejaVuSansMono NF" panose="020B0609030804020204" pitchFamily="49" charset="0"/>
+                <a:ea typeface="DejaVuSansMono NF" panose="020B0609030804020204" pitchFamily="49" charset="0"/>
+                <a:cs typeface="DejaVuSansMono NF" panose="020B0609030804020204" pitchFamily="49" charset="0"/>
               </a:rPr>
               <a:t>g.commit</a:t>
             </a:r>
             <a:r>
-              <a:rPr lang="de-DE" dirty="0">
-                <a:latin typeface="DejaVu Sans Mono" panose="020B0609030804020204" pitchFamily="49" charset="0"/>
-                <a:ea typeface="DejaVu Sans Mono" panose="020B0609030804020204" pitchFamily="49" charset="0"/>
-                <a:cs typeface="DejaVu Sans Mono" panose="020B0609030804020204" pitchFamily="49" charset="0"/>
+              <a:rPr lang="de-DE" sz="1400" dirty="0">
+                <a:latin typeface="DejaVuSansMono NF" panose="020B0609030804020204" pitchFamily="49" charset="0"/>
+                <a:ea typeface="DejaVuSansMono NF" panose="020B0609030804020204" pitchFamily="49" charset="0"/>
+                <a:cs typeface="DejaVuSansMono NF" panose="020B0609030804020204" pitchFamily="49" charset="0"/>
               </a:rPr>
               <a:t>();</a:t>
             </a:r>
-            <a:endParaRPr lang="de-DE" dirty="0">
-              <a:latin typeface="DejaVu Sans Mono" panose="020B0609030804020204" pitchFamily="49" charset="0"/>
-              <a:ea typeface="DejaVu Sans Mono" panose="020B0609030804020204" pitchFamily="49" charset="0"/>
-              <a:cs typeface="DejaVu Sans Mono" panose="020B0609030804020204" pitchFamily="49" charset="0"/>
-            </a:endParaRPr>
           </a:p>
         </p:txBody>
       </p:sp>
@@ -4099,11 +4033,11 @@
           <a:lstStyle/>
           <a:p>
             <a:r>
-              <a:rPr lang="de-DE" dirty="0" smtClean="0"/>
+              <a:rPr lang="de-DE" dirty="0"/>
               <a:t>Case </a:t>
             </a:r>
             <a:r>
-              <a:rPr lang="de-DE" dirty="0" err="1" smtClean="0"/>
+              <a:rPr lang="de-DE" dirty="0" err="1"/>
               <a:t>studies</a:t>
             </a:r>
             <a:endParaRPr lang="de-DE" dirty="0"/>
@@ -4126,105 +4060,92 @@
           <a:lstStyle/>
           <a:p>
             <a:r>
-              <a:rPr lang="de-DE" dirty="0" smtClean="0"/>
+              <a:rPr lang="de-DE" dirty="0"/>
               <a:t>Evaluierung anhand von zwei elementaren Graph Algorithmen:</a:t>
             </a:r>
           </a:p>
           <a:p>
             <a:pPr lvl="1"/>
             <a:r>
-              <a:rPr lang="de-DE" dirty="0" err="1" smtClean="0"/>
+              <a:rPr lang="de-DE" dirty="0" err="1"/>
               <a:t>Connected</a:t>
             </a:r>
             <a:r>
-              <a:rPr lang="de-DE" dirty="0" smtClean="0"/>
+              <a:rPr lang="de-DE" dirty="0"/>
               <a:t> Components</a:t>
             </a:r>
           </a:p>
           <a:p>
             <a:pPr lvl="1"/>
             <a:r>
-              <a:rPr lang="de-DE" dirty="0" smtClean="0"/>
+              <a:rPr lang="de-DE" dirty="0"/>
               <a:t>Minimum </a:t>
             </a:r>
             <a:r>
-              <a:rPr lang="de-DE" dirty="0" err="1" smtClean="0"/>
+              <a:rPr lang="de-DE" dirty="0" err="1"/>
               <a:t>Spanning</a:t>
             </a:r>
             <a:r>
-              <a:rPr lang="de-DE" dirty="0" smtClean="0"/>
+              <a:rPr lang="de-DE" dirty="0"/>
               <a:t> </a:t>
             </a:r>
             <a:r>
-              <a:rPr lang="de-DE" dirty="0" err="1" smtClean="0"/>
+              <a:rPr lang="de-DE" dirty="0" err="1"/>
               <a:t>Tree</a:t>
             </a:r>
-            <a:endParaRPr lang="de-DE" dirty="0" smtClean="0"/>
-          </a:p>
-          <a:p>
-            <a:r>
-              <a:rPr lang="de-DE" dirty="0" smtClean="0"/>
+            <a:endParaRPr lang="de-DE" dirty="0"/>
+          </a:p>
+          <a:p>
+            <a:r>
+              <a:rPr lang="de-DE" dirty="0"/>
               <a:t>Durchgeführt mit:</a:t>
             </a:r>
-            <a:endParaRPr lang="de-DE" dirty="0" smtClean="0"/>
           </a:p>
           <a:p>
             <a:pPr lvl="1"/>
             <a:r>
-              <a:rPr lang="de-DE" dirty="0" err="1" smtClean="0"/>
+              <a:rPr lang="de-DE" dirty="0" err="1"/>
               <a:t>Weak</a:t>
             </a:r>
             <a:r>
-              <a:rPr lang="de-DE" dirty="0" smtClean="0"/>
+              <a:rPr lang="de-DE" dirty="0"/>
               <a:t> </a:t>
             </a:r>
             <a:r>
-              <a:rPr lang="de-DE" dirty="0" err="1" smtClean="0"/>
+              <a:rPr lang="de-DE" dirty="0" err="1"/>
               <a:t>scaling</a:t>
             </a:r>
             <a:r>
-              <a:rPr lang="de-DE" dirty="0" smtClean="0"/>
+              <a:rPr lang="de-DE" dirty="0"/>
               <a:t>: Verdoppelung der Rechenkraft </a:t>
             </a:r>
             <a:r>
-              <a:rPr lang="de-DE" dirty="0" smtClean="0">
+              <a:rPr lang="de-DE" dirty="0">
                 <a:sym typeface="Wingdings" panose="05000000000000000000" pitchFamily="2" charset="2"/>
               </a:rPr>
               <a:t> Verdoppelung der Datenmenge</a:t>
             </a:r>
-            <a:endParaRPr lang="de-DE" dirty="0" smtClean="0"/>
+            <a:endParaRPr lang="de-DE" dirty="0"/>
           </a:p>
           <a:p>
             <a:pPr lvl="1"/>
             <a:r>
-              <a:rPr lang="de-DE" dirty="0" smtClean="0"/>
+              <a:rPr lang="de-DE" dirty="0"/>
               <a:t>Strong </a:t>
             </a:r>
             <a:r>
-              <a:rPr lang="de-DE" dirty="0" err="1" smtClean="0"/>
+              <a:rPr lang="de-DE" dirty="0" err="1"/>
               <a:t>scaling</a:t>
             </a:r>
             <a:r>
-              <a:rPr lang="de-DE" dirty="0" smtClean="0"/>
-              <a:t>: </a:t>
-            </a:r>
-            <a:r>
-              <a:rPr lang="de-DE" dirty="0" smtClean="0"/>
-              <a:t>Erhöhung </a:t>
-            </a:r>
-            <a:r>
-              <a:rPr lang="de-DE" dirty="0" smtClean="0"/>
-              <a:t>der Rechenkraft bei gleichbleibender Datenmenge</a:t>
-            </a:r>
-          </a:p>
-          <a:p>
-            <a:r>
-              <a:rPr lang="de-DE" dirty="0" smtClean="0"/>
-              <a:t>Vergleich mit UPC (PGAS Programmiersprache) und </a:t>
-            </a:r>
-            <a:r>
               <a:rPr lang="de-DE" dirty="0"/>
-              <a:t>single-</a:t>
+              <a:t>: Erhöhung der Rechenkraft bei gleichbleibender Datenmenge</a:t>
+            </a:r>
+          </a:p>
+          <a:p>
+            <a:r>
+              <a:rPr lang="de-DE" dirty="0"/>
+              <a:t>Vergleich mit UPC (PGAS Programmiersprache) und single-</a:t>
             </a:r>
             <a:r>
               <a:rPr lang="de-DE" dirty="0" err="1"/>
@@ -4240,13 +4161,8 @@
             </a:r>
             <a:r>
               <a:rPr lang="de-DE" dirty="0"/>
-              <a:t>-Memory </a:t>
-            </a:r>
-            <a:r>
-              <a:rPr lang="de-DE" dirty="0" smtClean="0"/>
-              <a:t>Implementierungen der Algorithmen [2]</a:t>
-            </a:r>
-            <a:endParaRPr lang="de-DE" dirty="0"/>
+              <a:t>-Memory Implementierungen der Algorithmen [2]</a:t>
+            </a:r>
           </a:p>
         </p:txBody>
       </p:sp>
@@ -4349,26 +4265,25 @@
           <a:lstStyle/>
           <a:p>
             <a:r>
-              <a:rPr lang="de-DE" dirty="0" smtClean="0"/>
+              <a:rPr lang="de-DE" dirty="0"/>
               <a:t>Case </a:t>
             </a:r>
             <a:r>
-              <a:rPr lang="de-DE" dirty="0" err="1" smtClean="0"/>
+              <a:rPr lang="de-DE" dirty="0" err="1"/>
               <a:t>studies</a:t>
             </a:r>
             <a:r>
-              <a:rPr lang="de-DE" dirty="0" smtClean="0"/>
+              <a:rPr lang="de-DE" dirty="0"/>
               <a:t>: </a:t>
             </a:r>
             <a:r>
-              <a:rPr lang="de-DE" dirty="0" err="1" smtClean="0"/>
+              <a:rPr lang="de-DE" dirty="0" err="1"/>
               <a:t>Connected</a:t>
             </a:r>
             <a:r>
-              <a:rPr lang="de-DE" dirty="0" smtClean="0"/>
+              <a:rPr lang="de-DE" dirty="0"/>
               <a:t> Components</a:t>
             </a:r>
-            <a:endParaRPr lang="de-DE" dirty="0"/>
           </a:p>
         </p:txBody>
       </p:sp>
@@ -4506,19 +4421,19 @@
           <a:lstStyle/>
           <a:p>
             <a:r>
-              <a:rPr lang="de-DE" sz="1600" b="1" dirty="0" err="1" smtClean="0"/>
+              <a:rPr lang="de-DE" sz="1600" b="1" dirty="0" err="1"/>
               <a:t>Weak</a:t>
             </a:r>
             <a:r>
-              <a:rPr lang="de-DE" sz="1600" b="1" dirty="0" smtClean="0"/>
+              <a:rPr lang="de-DE" sz="1600" b="1" dirty="0"/>
               <a:t> </a:t>
             </a:r>
             <a:r>
-              <a:rPr lang="de-DE" sz="1600" b="1" dirty="0" err="1" smtClean="0"/>
+              <a:rPr lang="de-DE" sz="1600" b="1" dirty="0" err="1"/>
               <a:t>scaling</a:t>
             </a:r>
             <a:r>
-              <a:rPr lang="de-DE" sz="1600" b="1" dirty="0" smtClean="0"/>
+              <a:rPr lang="de-DE" sz="1600" b="1" dirty="0"/>
               <a:t>:</a:t>
             </a:r>
           </a:p>
@@ -4528,15 +4443,15 @@
               <a:buChar char="•"/>
             </a:pPr>
             <a:r>
-              <a:rPr lang="de-DE" sz="1600" dirty="0" smtClean="0"/>
+              <a:rPr lang="de-DE" sz="1600" dirty="0"/>
               <a:t>6,3M </a:t>
             </a:r>
             <a:r>
-              <a:rPr lang="de-DE" sz="1600" dirty="0" err="1" smtClean="0"/>
+              <a:rPr lang="de-DE" sz="1600" dirty="0" err="1"/>
               <a:t>Vertizes</a:t>
             </a:r>
             <a:r>
-              <a:rPr lang="de-DE" sz="1600" dirty="0" smtClean="0"/>
+              <a:rPr lang="de-DE" sz="1600" dirty="0"/>
               <a:t> pro Maschine</a:t>
             </a:r>
           </a:p>
@@ -4546,10 +4461,9 @@
               <a:buChar char="•"/>
             </a:pPr>
             <a:r>
-              <a:rPr lang="de-DE" sz="1600" dirty="0" smtClean="0"/>
+              <a:rPr lang="de-DE" sz="1600" dirty="0"/>
               <a:t>25,2M Kanten pro Maschine</a:t>
             </a:r>
-            <a:endParaRPr lang="de-DE" sz="1600" dirty="0"/>
           </a:p>
         </p:txBody>
       </p:sp>
@@ -4576,15 +4490,15 @@
           <a:lstStyle/>
           <a:p>
             <a:r>
-              <a:rPr lang="de-DE" sz="1600" b="1" dirty="0" smtClean="0"/>
+              <a:rPr lang="de-DE" sz="1600" b="1" dirty="0"/>
               <a:t>Strong </a:t>
             </a:r>
             <a:r>
-              <a:rPr lang="de-DE" sz="1600" b="1" dirty="0" err="1" smtClean="0"/>
+              <a:rPr lang="de-DE" sz="1600" b="1" dirty="0" err="1"/>
               <a:t>scaling</a:t>
             </a:r>
             <a:r>
-              <a:rPr lang="de-DE" sz="1600" b="1" dirty="0" smtClean="0"/>
+              <a:rPr lang="de-DE" sz="1600" b="1" dirty="0"/>
               <a:t>:</a:t>
             </a:r>
           </a:p>
@@ -4594,14 +4508,14 @@
               <a:buChar char="•"/>
             </a:pPr>
             <a:r>
-              <a:rPr lang="de-DE" sz="1600" dirty="0" smtClean="0"/>
+              <a:rPr lang="de-DE" sz="1600" dirty="0"/>
               <a:t>100M </a:t>
             </a:r>
             <a:r>
-              <a:rPr lang="de-DE" sz="1600" dirty="0" err="1" smtClean="0"/>
+              <a:rPr lang="de-DE" sz="1600" dirty="0" err="1"/>
               <a:t>Vertizes</a:t>
             </a:r>
-            <a:endParaRPr lang="de-DE" sz="1600" dirty="0" smtClean="0"/>
+            <a:endParaRPr lang="de-DE" sz="1600" dirty="0"/>
           </a:p>
           <a:p>
             <a:pPr marL="285750" indent="-285750">
@@ -4609,7 +4523,7 @@
               <a:buChar char="•"/>
             </a:pPr>
             <a:r>
-              <a:rPr lang="de-DE" sz="1600" dirty="0" smtClean="0"/>
+              <a:rPr lang="de-DE" sz="1600" dirty="0"/>
               <a:t>400M Kanten</a:t>
             </a:r>
           </a:p>
@@ -4619,7 +4533,7 @@
               <a:buChar char="•"/>
             </a:pPr>
             <a:r>
-              <a:rPr lang="de-DE" sz="1600" dirty="0" smtClean="0">
+              <a:rPr lang="de-DE" sz="1600" dirty="0">
                 <a:solidFill>
                   <a:srgbClr val="0000FF"/>
                 </a:solidFill>
@@ -4627,7 +4541,7 @@
               <a:t>UPC CC 16N</a:t>
             </a:r>
             <a:r>
-              <a:rPr lang="de-DE" sz="1600" dirty="0" smtClean="0"/>
+              <a:rPr lang="de-DE" sz="1600" dirty="0"/>
               <a:t>: UPC Implementierung auf 16 Maschinen</a:t>
             </a:r>
           </a:p>
@@ -4637,7 +4551,7 @@
               <a:buChar char="•"/>
             </a:pPr>
             <a:r>
-              <a:rPr lang="de-DE" sz="1600" dirty="0" smtClean="0">
+              <a:rPr lang="de-DE" sz="1600" dirty="0">
                 <a:solidFill>
                   <a:srgbClr val="FF0000"/>
                 </a:solidFill>
@@ -4645,26 +4559,25 @@
               <a:t>SMP</a:t>
             </a:r>
             <a:r>
-              <a:rPr lang="de-DE" sz="1600" dirty="0" smtClean="0"/>
+              <a:rPr lang="de-DE" sz="1600" dirty="0"/>
               <a:t>: </a:t>
             </a:r>
             <a:r>
-              <a:rPr lang="de-DE" sz="1600" dirty="0" err="1" smtClean="0"/>
+              <a:rPr lang="de-DE" sz="1600" dirty="0" err="1"/>
               <a:t>Shared</a:t>
             </a:r>
             <a:r>
-              <a:rPr lang="de-DE" sz="1600" dirty="0" smtClean="0"/>
+              <a:rPr lang="de-DE" sz="1600" dirty="0"/>
               <a:t>-Memory </a:t>
             </a:r>
             <a:r>
-              <a:rPr lang="de-DE" sz="1600" dirty="0" err="1" smtClean="0"/>
+              <a:rPr lang="de-DE" sz="1600" dirty="0" err="1"/>
               <a:t>Impl</a:t>
             </a:r>
             <a:r>
-              <a:rPr lang="de-DE" sz="1600" dirty="0" smtClean="0"/>
+              <a:rPr lang="de-DE" sz="1600" dirty="0"/>
               <a:t>.</a:t>
             </a:r>
-            <a:endParaRPr lang="de-DE" sz="1600" dirty="0"/>
           </a:p>
         </p:txBody>
       </p:sp>
@@ -4715,10 +4628,9 @@
           <a:lstStyle/>
           <a:p>
             <a:r>
-              <a:rPr lang="de-DE" dirty="0" smtClean="0"/>
+              <a:rPr lang="de-DE" dirty="0"/>
               <a:t>Einschub: Vertex-Verteilung</a:t>
             </a:r>
-            <a:endParaRPr lang="de-DE" dirty="0"/>
           </a:p>
         </p:txBody>
       </p:sp>
@@ -4775,10 +4687,9 @@
           <a:lstStyle/>
           <a:p>
             <a:r>
-              <a:rPr lang="de-DE" sz="2000" dirty="0" smtClean="0"/>
+              <a:rPr lang="de-DE" sz="2000" dirty="0"/>
               <a:t>Gleichverteilung:</a:t>
             </a:r>
-            <a:endParaRPr lang="de-DE" sz="2000" dirty="0"/>
           </a:p>
         </p:txBody>
       </p:sp>
@@ -4805,10 +4716,9 @@
           <a:lstStyle/>
           <a:p>
             <a:r>
-              <a:rPr lang="de-DE" sz="2000" dirty="0" smtClean="0"/>
+              <a:rPr lang="de-DE" sz="2000" dirty="0"/>
               <a:t>Verteilung mit Logarithmus-Funktion:</a:t>
             </a:r>
-            <a:endParaRPr lang="de-DE" sz="2000" dirty="0"/>
           </a:p>
         </p:txBody>
       </p:sp>
@@ -4859,27 +4769,27 @@
           <a:lstStyle/>
           <a:p>
             <a:r>
-              <a:rPr lang="de-DE" dirty="0" smtClean="0"/>
+              <a:rPr lang="de-DE" dirty="0"/>
               <a:t>Case </a:t>
             </a:r>
             <a:r>
-              <a:rPr lang="de-DE" dirty="0" err="1" smtClean="0"/>
+              <a:rPr lang="de-DE" dirty="0" err="1"/>
               <a:t>studies</a:t>
             </a:r>
             <a:r>
-              <a:rPr lang="de-DE" dirty="0" smtClean="0"/>
+              <a:rPr lang="de-DE" dirty="0"/>
               <a:t>: Minimum </a:t>
             </a:r>
             <a:r>
-              <a:rPr lang="de-DE" dirty="0" err="1" smtClean="0"/>
+              <a:rPr lang="de-DE" dirty="0" err="1"/>
               <a:t>Spanning</a:t>
             </a:r>
             <a:r>
-              <a:rPr lang="de-DE" dirty="0" smtClean="0"/>
+              <a:rPr lang="de-DE" dirty="0"/>
               <a:t> </a:t>
             </a:r>
             <a:r>
-              <a:rPr lang="de-DE" dirty="0" err="1" smtClean="0"/>
+              <a:rPr lang="de-DE" dirty="0" err="1"/>
               <a:t>Tree</a:t>
             </a:r>
             <a:endParaRPr lang="de-DE" dirty="0"/>
@@ -5020,19 +4930,19 @@
           <a:lstStyle/>
           <a:p>
             <a:r>
-              <a:rPr lang="de-DE" sz="1600" b="1" dirty="0" err="1" smtClean="0"/>
+              <a:rPr lang="de-DE" sz="1600" b="1" dirty="0" err="1"/>
               <a:t>Weak</a:t>
             </a:r>
             <a:r>
-              <a:rPr lang="de-DE" sz="1600" b="1" dirty="0" smtClean="0"/>
+              <a:rPr lang="de-DE" sz="1600" b="1" dirty="0"/>
               <a:t> </a:t>
             </a:r>
             <a:r>
-              <a:rPr lang="de-DE" sz="1600" b="1" dirty="0" err="1" smtClean="0"/>
+              <a:rPr lang="de-DE" sz="1600" b="1" dirty="0" err="1"/>
               <a:t>scaling</a:t>
             </a:r>
             <a:r>
-              <a:rPr lang="de-DE" sz="1600" b="1" dirty="0" smtClean="0"/>
+              <a:rPr lang="de-DE" sz="1600" b="1" dirty="0"/>
               <a:t>:</a:t>
             </a:r>
           </a:p>
@@ -5042,15 +4952,15 @@
               <a:buChar char="•"/>
             </a:pPr>
             <a:r>
-              <a:rPr lang="de-DE" sz="1600" dirty="0" smtClean="0"/>
+              <a:rPr lang="de-DE" sz="1600" dirty="0"/>
               <a:t>6,3M </a:t>
             </a:r>
             <a:r>
-              <a:rPr lang="de-DE" sz="1600" dirty="0" err="1" smtClean="0"/>
+              <a:rPr lang="de-DE" sz="1600" dirty="0" err="1"/>
               <a:t>Vertizes</a:t>
             </a:r>
             <a:r>
-              <a:rPr lang="de-DE" sz="1600" dirty="0" smtClean="0"/>
+              <a:rPr lang="de-DE" sz="1600" dirty="0"/>
               <a:t> pro Maschine</a:t>
             </a:r>
           </a:p>
@@ -5060,10 +4970,9 @@
               <a:buChar char="•"/>
             </a:pPr>
             <a:r>
-              <a:rPr lang="de-DE" sz="1600" dirty="0" smtClean="0"/>
+              <a:rPr lang="de-DE" sz="1600" dirty="0"/>
               <a:t>25,2M Kanten pro Maschine</a:t>
             </a:r>
-            <a:endParaRPr lang="de-DE" sz="1600" dirty="0"/>
           </a:p>
         </p:txBody>
       </p:sp>
@@ -5090,15 +4999,15 @@
           <a:lstStyle/>
           <a:p>
             <a:r>
-              <a:rPr lang="de-DE" sz="1600" b="1" dirty="0" smtClean="0"/>
+              <a:rPr lang="de-DE" sz="1600" b="1" dirty="0"/>
               <a:t>Strong </a:t>
             </a:r>
             <a:r>
-              <a:rPr lang="de-DE" sz="1600" b="1" dirty="0" err="1" smtClean="0"/>
+              <a:rPr lang="de-DE" sz="1600" b="1" dirty="0" err="1"/>
               <a:t>scaling</a:t>
             </a:r>
             <a:r>
-              <a:rPr lang="de-DE" sz="1600" b="1" dirty="0" smtClean="0"/>
+              <a:rPr lang="de-DE" sz="1600" b="1" dirty="0"/>
               <a:t>:</a:t>
             </a:r>
           </a:p>
@@ -5108,14 +5017,14 @@
               <a:buChar char="•"/>
             </a:pPr>
             <a:r>
-              <a:rPr lang="de-DE" sz="1600" dirty="0" smtClean="0"/>
+              <a:rPr lang="de-DE" sz="1600" dirty="0"/>
               <a:t>100M </a:t>
             </a:r>
             <a:r>
-              <a:rPr lang="de-DE" sz="1600" dirty="0" err="1" smtClean="0"/>
+              <a:rPr lang="de-DE" sz="1600" dirty="0" err="1"/>
               <a:t>Vertizes</a:t>
             </a:r>
-            <a:endParaRPr lang="de-DE" sz="1600" dirty="0" smtClean="0"/>
+            <a:endParaRPr lang="de-DE" sz="1600" dirty="0"/>
           </a:p>
           <a:p>
             <a:pPr marL="285750" indent="-285750">
@@ -5123,7 +5032,7 @@
               <a:buChar char="•"/>
             </a:pPr>
             <a:r>
-              <a:rPr lang="de-DE" sz="1600" dirty="0" smtClean="0"/>
+              <a:rPr lang="de-DE" sz="1600" dirty="0"/>
               <a:t>400M Kanten</a:t>
             </a:r>
           </a:p>
@@ -5133,7 +5042,7 @@
               <a:buChar char="•"/>
             </a:pPr>
             <a:r>
-              <a:rPr lang="de-DE" sz="1600" dirty="0" smtClean="0">
+              <a:rPr lang="de-DE" sz="1600" dirty="0">
                 <a:solidFill>
                   <a:srgbClr val="0000FF"/>
                 </a:solidFill>
@@ -5141,7 +5050,7 @@
               <a:t>UPC MST 16N</a:t>
             </a:r>
             <a:r>
-              <a:rPr lang="de-DE" sz="1600" dirty="0" smtClean="0"/>
+              <a:rPr lang="de-DE" sz="1600" dirty="0"/>
               <a:t>: UPC Implementierung auf 16 Maschinen</a:t>
             </a:r>
           </a:p>
@@ -5151,7 +5060,7 @@
               <a:buChar char="•"/>
             </a:pPr>
             <a:r>
-              <a:rPr lang="de-DE" sz="1600" dirty="0" smtClean="0">
+              <a:rPr lang="de-DE" sz="1600" dirty="0">
                 <a:solidFill>
                   <a:srgbClr val="FF0000"/>
                 </a:solidFill>
@@ -5159,26 +5068,25 @@
               <a:t>SMP</a:t>
             </a:r>
             <a:r>
-              <a:rPr lang="de-DE" sz="1600" dirty="0" smtClean="0"/>
+              <a:rPr lang="de-DE" sz="1600" dirty="0"/>
               <a:t>: </a:t>
             </a:r>
             <a:r>
-              <a:rPr lang="de-DE" sz="1600" dirty="0" err="1" smtClean="0"/>
+              <a:rPr lang="de-DE" sz="1600" dirty="0" err="1"/>
               <a:t>Shared</a:t>
             </a:r>
             <a:r>
-              <a:rPr lang="de-DE" sz="1600" dirty="0" smtClean="0"/>
+              <a:rPr lang="de-DE" sz="1600" dirty="0"/>
               <a:t>-Memory </a:t>
             </a:r>
             <a:r>
-              <a:rPr lang="de-DE" sz="1600" dirty="0" err="1" smtClean="0"/>
+              <a:rPr lang="de-DE" sz="1600" dirty="0" err="1"/>
               <a:t>Impl</a:t>
             </a:r>
             <a:r>
-              <a:rPr lang="de-DE" sz="1600" dirty="0" smtClean="0"/>
+              <a:rPr lang="de-DE" sz="1600" dirty="0"/>
               <a:t>.</a:t>
             </a:r>
-            <a:endParaRPr lang="de-DE" sz="1600" dirty="0"/>
           </a:p>
         </p:txBody>
       </p:sp>
@@ -5229,10 +5137,9 @@
           <a:lstStyle/>
           <a:p>
             <a:r>
-              <a:rPr lang="de-DE" dirty="0" smtClean="0"/>
+              <a:rPr lang="de-DE" dirty="0"/>
               <a:t>Fazit</a:t>
             </a:r>
-            <a:endParaRPr lang="de-DE" dirty="0"/>
           </a:p>
         </p:txBody>
       </p:sp>
@@ -5252,75 +5159,74 @@
           <a:lstStyle/>
           <a:p>
             <a:r>
-              <a:rPr lang="de-DE" sz="2000" dirty="0" smtClean="0"/>
+              <a:rPr lang="de-DE" dirty="0"/>
               <a:t>Gute Abstraktion, die einen großen Teil der bekannten Graph-Algorithmen abdeckt</a:t>
             </a:r>
           </a:p>
           <a:p>
             <a:r>
-              <a:rPr lang="de-DE" sz="2000" dirty="0" smtClean="0"/>
-              <a:t>Skalierbarkeit von manchen Graph Algorithmen auf verteilten Systemen begrenzt: Kommunikations-Hotspots möglich</a:t>
+              <a:rPr lang="de-DE" dirty="0"/>
+              <a:t>Skalierbarkeit von manchen Graph Algorithmen auf verteilten Systemen begrenzt: </a:t>
+            </a:r>
+            <a:r>
+              <a:rPr lang="de-DE" dirty="0" smtClean="0"/>
+              <a:t>Kommunikations-Hotspots</a:t>
             </a:r>
           </a:p>
           <a:p>
             <a:pPr lvl="1"/>
             <a:r>
-              <a:rPr lang="de-DE" sz="1800" dirty="0" smtClean="0"/>
+              <a:rPr lang="de-DE" dirty="0" smtClean="0"/>
               <a:t>Abwägung nötig: </a:t>
             </a:r>
             <a:r>
-              <a:rPr lang="de-DE" sz="1800" dirty="0" err="1" smtClean="0"/>
+              <a:rPr lang="de-DE" dirty="0" err="1" smtClean="0"/>
               <a:t>Shared</a:t>
             </a:r>
             <a:r>
-              <a:rPr lang="de-DE" sz="1800" dirty="0" smtClean="0"/>
+              <a:rPr lang="de-DE" dirty="0" smtClean="0"/>
               <a:t>-Memory in einigen Fällen vorzuziehen, wenn Maschinen mit genügend Speicher vorhanden</a:t>
             </a:r>
           </a:p>
           <a:p>
             <a:r>
-              <a:rPr lang="de-DE" sz="2000" dirty="0" smtClean="0"/>
-              <a:t>Anforderungen an Programmierer aktuell hoch: Auch mit PGAS ist Datenlokalität wichtig!</a:t>
+              <a:rPr lang="de-DE" dirty="0" smtClean="0"/>
+              <a:t>Anforderungen </a:t>
+            </a:r>
+            <a:r>
+              <a:rPr lang="de-DE" dirty="0"/>
+              <a:t>an Programmierer aktuell hoch: Auch mit PGAS ist Datenlokalität wichtig!</a:t>
             </a:r>
           </a:p>
           <a:p>
             <a:pPr lvl="1"/>
             <a:r>
-              <a:rPr lang="de-DE" sz="1800" dirty="0" smtClean="0"/>
+              <a:rPr lang="de-DE" dirty="0"/>
               <a:t>Zusätzliche Konzepte für Kommunikations-</a:t>
             </a:r>
             <a:r>
-              <a:rPr lang="de-DE" sz="1800" dirty="0" err="1" smtClean="0"/>
+              <a:rPr lang="de-DE" dirty="0" err="1"/>
               <a:t>Batching</a:t>
             </a:r>
             <a:r>
-              <a:rPr lang="de-DE" sz="1800" dirty="0" smtClean="0"/>
+              <a:rPr lang="de-DE" dirty="0"/>
               <a:t> nötig, die bei den diskutierten Case Studies zu einer Reduktion des Programmcodes von ~70% führen.</a:t>
             </a:r>
           </a:p>
           <a:p>
             <a:pPr lvl="1"/>
             <a:r>
-              <a:rPr lang="de-DE" sz="1800" dirty="0" smtClean="0"/>
+              <a:rPr lang="de-DE" dirty="0"/>
               <a:t>Aber: Leichte Portierung von </a:t>
             </a:r>
             <a:r>
-              <a:rPr lang="de-DE" sz="1800" dirty="0" err="1" smtClean="0"/>
+              <a:rPr lang="de-DE" dirty="0" err="1"/>
               <a:t>Shared</a:t>
             </a:r>
             <a:r>
-              <a:rPr lang="de-DE" sz="1800" dirty="0" smtClean="0"/>
-              <a:t>-Memory Algorithmen und </a:t>
-            </a:r>
-            <a:r>
-              <a:rPr lang="de-DE" sz="1800" dirty="0" smtClean="0"/>
-              <a:t>inkrementelle </a:t>
-            </a:r>
-            <a:r>
-              <a:rPr lang="de-DE" sz="1800" dirty="0" smtClean="0"/>
-              <a:t>Optimierung möglich</a:t>
-            </a:r>
-            <a:endParaRPr lang="de-DE" sz="1800" dirty="0"/>
+              <a:rPr lang="de-DE" dirty="0"/>
+              <a:t>-Memory Algorithmen und inkrementelle Optimierung möglich</a:t>
+            </a:r>
           </a:p>
         </p:txBody>
       </p:sp>
@@ -5369,7 +5275,7 @@
           <a:lstStyle/>
           <a:p>
             <a:r>
-              <a:rPr lang="en-US" smtClean="0"/>
+              <a:rPr lang="en-US"/>
               <a:t>Masterarbeit "Graph Concepts for the DASH C++ Library"</a:t>
             </a:r>
             <a:endParaRPr lang="de-DE" dirty="0"/>
@@ -5423,11 +5329,11 @@
           <a:lstStyle/>
           <a:p>
             <a:r>
-              <a:rPr lang="de-DE" dirty="0" smtClean="0"/>
+              <a:rPr lang="de-DE" dirty="0"/>
               <a:t>Future </a:t>
             </a:r>
             <a:r>
-              <a:rPr lang="de-DE" dirty="0" err="1" smtClean="0"/>
+              <a:rPr lang="de-DE" dirty="0" err="1"/>
               <a:t>work</a:t>
             </a:r>
             <a:endParaRPr lang="de-DE" dirty="0"/>
@@ -5450,62 +5356,73 @@
           <a:lstStyle/>
           <a:p>
             <a:r>
-              <a:rPr lang="de-DE" dirty="0" smtClean="0"/>
+              <a:rPr lang="de-DE" dirty="0"/>
               <a:t>Entwicklung von Konzepten für das Kommunikations-</a:t>
             </a:r>
             <a:r>
-              <a:rPr lang="de-DE" dirty="0" err="1" smtClean="0"/>
+              <a:rPr lang="de-DE" dirty="0" err="1"/>
               <a:t>Batching</a:t>
             </a:r>
             <a:r>
-              <a:rPr lang="de-DE" dirty="0" smtClean="0"/>
+              <a:rPr lang="de-DE" dirty="0"/>
               <a:t> in PGAS (Graph-)Applikationen</a:t>
             </a:r>
           </a:p>
           <a:p>
             <a:pPr lvl="1"/>
             <a:r>
-              <a:rPr lang="de-DE" dirty="0" smtClean="0"/>
+              <a:rPr lang="de-DE" dirty="0"/>
               <a:t>Dabei auch zu beachten: Cache Optimierung</a:t>
             </a:r>
           </a:p>
           <a:p>
             <a:r>
-              <a:rPr lang="de-DE" dirty="0" smtClean="0"/>
+              <a:rPr lang="de-DE" dirty="0"/>
               <a:t>Element Migration &amp; Load </a:t>
             </a:r>
             <a:r>
-              <a:rPr lang="de-DE" dirty="0" err="1" smtClean="0"/>
+              <a:rPr lang="de-DE" dirty="0" err="1"/>
               <a:t>Balancing</a:t>
             </a:r>
-            <a:endParaRPr lang="de-DE" dirty="0" smtClean="0"/>
+            <a:endParaRPr lang="de-DE" dirty="0"/>
           </a:p>
           <a:p>
             <a:pPr lvl="1"/>
             <a:r>
-              <a:rPr lang="de-DE" dirty="0" smtClean="0"/>
+              <a:rPr lang="de-DE" dirty="0"/>
               <a:t>Dynamisches Erkennen von Hotspots</a:t>
             </a:r>
           </a:p>
           <a:p>
             <a:pPr lvl="1"/>
             <a:r>
-              <a:rPr lang="de-DE" dirty="0" smtClean="0"/>
+              <a:rPr lang="de-DE" dirty="0"/>
               <a:t>Verschieben von </a:t>
             </a:r>
             <a:r>
-              <a:rPr lang="de-DE" dirty="0" err="1" smtClean="0"/>
+              <a:rPr lang="de-DE" dirty="0" err="1"/>
               <a:t>Vertizes</a:t>
             </a:r>
             <a:r>
-              <a:rPr lang="de-DE" dirty="0" smtClean="0"/>
+              <a:rPr lang="de-DE" dirty="0"/>
               <a:t>/Kanten zu anderen Prozessoren/Knoten während der </a:t>
             </a:r>
             <a:r>
               <a:rPr lang="de-DE" dirty="0" smtClean="0"/>
               <a:t>Laufzeit</a:t>
             </a:r>
-            <a:endParaRPr lang="de-DE" dirty="0" smtClean="0"/>
+            <a:endParaRPr lang="de-DE" dirty="0"/>
+          </a:p>
+          <a:p>
+            <a:r>
+              <a:rPr lang="de-DE" dirty="0"/>
+              <a:t>Referenz-Implementierung in DASH ermöglicht Evaluierung von </a:t>
+            </a:r>
+            <a:r>
+              <a:rPr lang="de-DE" dirty="0" smtClean="0"/>
+              <a:t>PGAS Graph-Kommunikationsmodellen</a:t>
+            </a:r>
+            <a:endParaRPr lang="de-DE" dirty="0"/>
           </a:p>
         </p:txBody>
       </p:sp>
@@ -5554,7 +5471,7 @@
           <a:lstStyle/>
           <a:p>
             <a:r>
-              <a:rPr lang="en-US" smtClean="0"/>
+              <a:rPr lang="en-US"/>
               <a:t>Masterarbeit "Graph Concepts for the DASH C++ Library"</a:t>
             </a:r>
             <a:endParaRPr lang="de-DE" dirty="0"/>
@@ -5565,207 +5482,6 @@
     <p:extLst>
       <p:ext uri="{BB962C8B-B14F-4D97-AF65-F5344CB8AC3E}">
         <p14:creationId xmlns:p14="http://schemas.microsoft.com/office/powerpoint/2010/main" val="1903541278"/>
-      </p:ext>
-    </p:extLst>
-  </p:cSld>
-  <p:clrMapOvr>
-    <a:masterClrMapping/>
-  </p:clrMapOvr>
-  <p:transition spd="med"/>
-</p:sld>
-</file>
-
-<file path=ppt/slides/slide18.xml><?xml version="1.0" encoding="utf-8"?>
-<p:sld xmlns:a="http://schemas.openxmlformats.org/drawingml/2006/main" xmlns:r="http://schemas.openxmlformats.org/officeDocument/2006/relationships" xmlns:p="http://schemas.openxmlformats.org/presentationml/2006/main">
-  <p:cSld>
-    <p:spTree>
-      <p:nvGrpSpPr>
-        <p:cNvPr id="1" name=""/>
-        <p:cNvGrpSpPr/>
-        <p:nvPr/>
-      </p:nvGrpSpPr>
-      <p:grpSpPr>
-        <a:xfrm>
-          <a:off x="0" y="0"/>
-          <a:ext cx="0" cy="0"/>
-          <a:chOff x="0" y="0"/>
-          <a:chExt cx="0" cy="0"/>
-        </a:xfrm>
-      </p:grpSpPr>
-      <p:sp>
-        <p:nvSpPr>
-          <p:cNvPr id="2" name="Titel 1"/>
-          <p:cNvSpPr>
-            <a:spLocks noGrp="1"/>
-          </p:cNvSpPr>
-          <p:nvPr>
-            <p:ph type="title"/>
-          </p:nvPr>
-        </p:nvSpPr>
-        <p:spPr/>
-        <p:txBody>
-          <a:bodyPr/>
-          <a:lstStyle/>
-          <a:p>
-            <a:r>
-              <a:rPr lang="de-DE" dirty="0"/>
-              <a:t>Quellen</a:t>
-            </a:r>
-          </a:p>
-        </p:txBody>
-      </p:sp>
-      <p:sp>
-        <p:nvSpPr>
-          <p:cNvPr id="3" name="Inhaltsplatzhalter 2"/>
-          <p:cNvSpPr>
-            <a:spLocks noGrp="1"/>
-          </p:cNvSpPr>
-          <p:nvPr>
-            <p:ph idx="1"/>
-          </p:nvPr>
-        </p:nvSpPr>
-        <p:spPr/>
-        <p:txBody>
-          <a:bodyPr/>
-          <a:lstStyle/>
-          <a:p>
-            <a:pPr marL="0" indent="0">
-              <a:spcAft>
-                <a:spcPts val="1800"/>
-              </a:spcAft>
-              <a:buNone/>
-            </a:pPr>
-            <a:r>
-              <a:rPr lang="de-DE" sz="2000" dirty="0"/>
-              <a:t>[1] </a:t>
-            </a:r>
-            <a:r>
-              <a:rPr lang="de-DE" sz="2000" dirty="0">
-                <a:hlinkClick r:id="rId2"/>
-              </a:rPr>
-              <a:t>http://en.cppreference.com/w/cpp/concept/Container</a:t>
-            </a:r>
-            <a:endParaRPr lang="de-DE" sz="2000" dirty="0"/>
-          </a:p>
-          <a:p>
-            <a:pPr marL="0" indent="0">
-              <a:spcAft>
-                <a:spcPts val="1800"/>
-              </a:spcAft>
-              <a:buNone/>
-            </a:pPr>
-            <a:r>
-              <a:rPr lang="de-DE" sz="2000" dirty="0" smtClean="0"/>
-              <a:t>[</a:t>
-            </a:r>
-            <a:r>
-              <a:rPr lang="de-DE" sz="2000" dirty="0"/>
-              <a:t>2</a:t>
-            </a:r>
-            <a:r>
-              <a:rPr lang="de-DE" sz="2000" dirty="0" smtClean="0"/>
-              <a:t>] </a:t>
-            </a:r>
-            <a:r>
-              <a:rPr lang="en-US" sz="2000" dirty="0"/>
-              <a:t>Fast PGAS Implementation of Distributed Graph Algorithms</a:t>
-            </a:r>
-            <a:r>
-              <a:rPr lang="de-DE" sz="2000" dirty="0"/>
-              <a:t> </a:t>
-            </a:r>
-            <a:r>
-              <a:rPr lang="de-DE" sz="2000" i="1" dirty="0"/>
-              <a:t>- </a:t>
-            </a:r>
-            <a:r>
-              <a:rPr lang="de-DE" sz="2000" i="1" dirty="0" err="1"/>
-              <a:t>Guojing</a:t>
-            </a:r>
-            <a:r>
-              <a:rPr lang="de-DE" sz="2000" i="1" dirty="0"/>
-              <a:t> </a:t>
-            </a:r>
-            <a:r>
-              <a:rPr lang="de-DE" sz="2000" i="1" dirty="0" err="1"/>
-              <a:t>Cong</a:t>
-            </a:r>
-            <a:r>
-              <a:rPr lang="de-DE" sz="2000" i="1" dirty="0"/>
-              <a:t>, George </a:t>
-            </a:r>
-            <a:r>
-              <a:rPr lang="de-DE" sz="2000" i="1" dirty="0" err="1"/>
-              <a:t>Almasi</a:t>
-            </a:r>
-            <a:r>
-              <a:rPr lang="de-DE" sz="2000" i="1" dirty="0"/>
-              <a:t> und Vijay A. </a:t>
-            </a:r>
-            <a:r>
-              <a:rPr lang="de-DE" sz="2000" i="1" dirty="0" err="1"/>
-              <a:t>Saraswat</a:t>
-            </a:r>
-            <a:endParaRPr lang="en-US" sz="2000" i="1" dirty="0"/>
-          </a:p>
-        </p:txBody>
-      </p:sp>
-      <p:sp>
-        <p:nvSpPr>
-          <p:cNvPr id="4" name="Foliennummernplatzhalter 3"/>
-          <p:cNvSpPr>
-            <a:spLocks noGrp="1"/>
-          </p:cNvSpPr>
-          <p:nvPr>
-            <p:ph type="sldNum" sz="quarter" idx="4"/>
-          </p:nvPr>
-        </p:nvSpPr>
-        <p:spPr/>
-        <p:txBody>
-          <a:bodyPr/>
-          <a:lstStyle/>
-          <a:p>
-            <a:pPr>
-              <a:defRPr/>
-            </a:pPr>
-            <a:fld id="{70BFFA52-4234-45F6-B1A6-074E24FF43A2}" type="slidenum">
-              <a:rPr lang="de-DE" smtClean="0"/>
-              <a:pPr>
-                <a:defRPr/>
-              </a:pPr>
-              <a:t>18</a:t>
-            </a:fld>
-            <a:endParaRPr lang="de-DE" dirty="0"/>
-          </a:p>
-        </p:txBody>
-      </p:sp>
-      <p:sp>
-        <p:nvSpPr>
-          <p:cNvPr id="5" name="Fußzeilenplatzhalter 4"/>
-          <p:cNvSpPr>
-            <a:spLocks noGrp="1"/>
-          </p:cNvSpPr>
-          <p:nvPr>
-            <p:ph type="ftr" sz="quarter" idx="3"/>
-          </p:nvPr>
-        </p:nvSpPr>
-        <p:spPr/>
-        <p:txBody>
-          <a:bodyPr/>
-          <a:lstStyle/>
-          <a:p>
-            <a:r>
-              <a:rPr lang="en-US"/>
-              <a:t>Masterarbeit "Graph Concepts for the DASH C++ Library"</a:t>
-            </a:r>
-            <a:endParaRPr lang="de-DE" dirty="0"/>
-          </a:p>
-        </p:txBody>
-      </p:sp>
-    </p:spTree>
-    <p:extLst>
-      <p:ext uri="{BB962C8B-B14F-4D97-AF65-F5344CB8AC3E}">
-        <p14:creationId xmlns:p14="http://schemas.microsoft.com/office/powerpoint/2010/main" val="2622611743"/>
       </p:ext>
     </p:extLst>
   </p:cSld>
@@ -6192,39 +5908,29 @@
             </a:pPr>
             <a:r>
               <a:rPr lang="de-DE" dirty="0"/>
-              <a:t>Simulationen in Scientific Computing zunehmend datenorientiert</a:t>
+              <a:t>Graph-basierte HPC-Anwendungen</a:t>
             </a:r>
           </a:p>
           <a:p>
             <a:pPr lvl="1"/>
             <a:r>
               <a:rPr lang="de-DE" dirty="0"/>
-              <a:t>Verarbeitung großer Mengen an Daten</a:t>
+              <a:t>Dynamische Datenstrukturen (z.B. auch Streams)</a:t>
             </a:r>
           </a:p>
           <a:p>
             <a:pPr lvl="1"/>
             <a:r>
               <a:rPr lang="de-DE" dirty="0"/>
-              <a:t>Verarbeitung dynamischer Datenstrukturen und </a:t>
-            </a:r>
-            <a:r>
-              <a:rPr lang="de-DE" dirty="0" err="1"/>
-              <a:t>Workloads</a:t>
-            </a:r>
+              <a:t>Asymmetrische Workloads</a:t>
+            </a:r>
+          </a:p>
+          <a:p>
+            <a:pPr lvl="1"/>
             <a:r>
               <a:rPr lang="de-DE" dirty="0"/>
-              <a:t> (z.B. Streams</a:t>
-            </a:r>
-            <a:r>
-              <a:rPr lang="de-DE" dirty="0" smtClean="0"/>
-              <a:t>) mit </a:t>
-            </a:r>
-            <a:r>
-              <a:rPr lang="de-DE" u="sng" dirty="0" smtClean="0"/>
-              <a:t>irregulären Datenzugriffen</a:t>
-            </a:r>
-            <a:endParaRPr lang="de-DE" u="sng" dirty="0"/>
+              <a:t>Irreguläre Datenzugriffen</a:t>
+            </a:r>
           </a:p>
           <a:p>
             <a:pPr>
@@ -6558,13 +6264,8 @@
             <a:pPr lvl="1"/>
             <a:r>
               <a:rPr lang="de-DE" dirty="0"/>
-              <a:t>Formulierung von PGAS Graph Container </a:t>
-            </a:r>
-            <a:r>
-              <a:rPr lang="de-DE" dirty="0" smtClean="0"/>
-              <a:t>Konzepten</a:t>
-            </a:r>
-            <a:endParaRPr lang="de-DE" dirty="0"/>
+              <a:t>Formulierung von PGAS Graph Container Konzepten</a:t>
+            </a:r>
           </a:p>
           <a:p>
             <a:pPr marL="1144800" lvl="2" indent="-360000">
@@ -6572,7 +6273,7 @@
               <a:buChar char="…"/>
             </a:pPr>
             <a:r>
-              <a:rPr lang="de-DE" dirty="0" smtClean="0"/>
+              <a:rPr lang="de-DE" dirty="0"/>
               <a:t>basierend auf vorhandenen Konzepten für verteilte Graphen-Verarbeitung</a:t>
             </a:r>
           </a:p>
@@ -6582,18 +6283,9 @@
               <a:buChar char="…"/>
             </a:pPr>
             <a:r>
-              <a:rPr lang="de-DE" dirty="0" smtClean="0"/>
-              <a:t>ausgehend </a:t>
-            </a:r>
-            <a:r>
               <a:rPr lang="de-DE" dirty="0"/>
-              <a:t>von formaler </a:t>
-            </a:r>
-            <a:r>
-              <a:rPr lang="de-DE" dirty="0" smtClean="0"/>
-              <a:t>Graph-Semantik</a:t>
-            </a:r>
-            <a:endParaRPr lang="de-DE" dirty="0"/>
+              <a:t>ausgehend von formaler Graph-Semantik</a:t>
+            </a:r>
           </a:p>
           <a:p>
             <a:pPr marL="1144800" lvl="2" indent="-360000">
@@ -6601,20 +6293,28 @@
               <a:buChar char="…"/>
             </a:pPr>
             <a:r>
+              <a:rPr lang="de-DE" dirty="0"/>
+              <a:t>unter Berücksichtigung von Graph-Kommunikationsmodellen</a:t>
+            </a:r>
+          </a:p>
+          <a:p>
+            <a:pPr lvl="1"/>
+            <a:r>
+              <a:rPr lang="de-DE" dirty="0"/>
+              <a:t>Entwicklung geeigneter dynamischer </a:t>
+            </a:r>
+            <a:r>
               <a:rPr lang="de-DE" dirty="0" smtClean="0"/>
-              <a:t>unter </a:t>
-            </a:r>
-            <a:r>
-              <a:rPr lang="de-DE" dirty="0"/>
-              <a:t>Berücksichtigung von Graph-Kommunikationsmodellen</a:t>
-            </a:r>
-          </a:p>
-          <a:p>
-            <a:pPr lvl="1"/>
-            <a:r>
-              <a:rPr lang="de-DE" dirty="0"/>
-              <a:t>Entwicklung geeigneter dynamischer Allokationsmechanismen</a:t>
-            </a:r>
+              <a:t>Allokationsmechanismen</a:t>
+            </a:r>
+          </a:p>
+          <a:p>
+            <a:pPr lvl="2"/>
+            <a:r>
+              <a:rPr lang="de-DE" dirty="0" smtClean="0"/>
+              <a:t>Basierend auf dynamischen Containern in DASH</a:t>
+            </a:r>
+            <a:endParaRPr lang="de-DE" dirty="0"/>
           </a:p>
           <a:p>
             <a:pPr lvl="1"/>
@@ -6724,10 +6424,9 @@
           <a:lstStyle/>
           <a:p>
             <a:r>
-              <a:rPr lang="de-DE" dirty="0" smtClean="0"/>
+              <a:rPr lang="de-DE" dirty="0"/>
               <a:t>C++ Konzepte</a:t>
             </a:r>
-            <a:endParaRPr lang="de-DE" dirty="0"/>
           </a:p>
         </p:txBody>
       </p:sp>
@@ -6755,10 +6454,9 @@
               <a:buNone/>
             </a:pPr>
             <a:r>
-              <a:rPr lang="de-DE" dirty="0" smtClean="0"/>
+              <a:rPr lang="de-DE" dirty="0"/>
               <a:t>„Benannte Menge an Voraussetzungen für einen Typen“ [1]</a:t>
             </a:r>
-            <a:endParaRPr lang="de-DE" dirty="0"/>
           </a:p>
         </p:txBody>
       </p:sp>
@@ -6841,37 +6539,28 @@
           <a:lstStyle/>
           <a:p>
             <a:r>
-              <a:rPr lang="de-DE" sz="1800" b="1" dirty="0" smtClean="0"/>
+              <a:rPr lang="de-DE" sz="1800" b="1" dirty="0"/>
               <a:t>Beispiel-Auszug aus der Standard Template Library (STL): </a:t>
             </a:r>
             <a:r>
-              <a:rPr lang="de-DE" sz="1800" b="1" u="sng" dirty="0" smtClean="0"/>
+              <a:rPr lang="de-DE" sz="1800" b="1" u="sng" dirty="0"/>
               <a:t>Container</a:t>
             </a:r>
           </a:p>
           <a:p>
             <a:r>
-              <a:rPr lang="en-US" sz="1600" dirty="0" smtClean="0"/>
-              <a:t>“A</a:t>
-            </a:r>
-            <a:r>
               <a:rPr lang="en-US" sz="1600" dirty="0"/>
-              <a:t> Container is an object used to store other objects and taking care of the management of the memory used by the objects it contains</a:t>
-            </a:r>
-            <a:r>
-              <a:rPr lang="en-US" sz="1600" dirty="0" smtClean="0"/>
-              <a:t>.”</a:t>
-            </a:r>
-          </a:p>
-          <a:p>
-            <a:endParaRPr lang="en-US" sz="1600" dirty="0" smtClean="0"/>
-          </a:p>
-          <a:p>
-            <a:r>
-              <a:rPr lang="en-US" sz="1600" b="1" dirty="0" smtClean="0"/>
+              <a:t>“A Container is an object used to store other objects and taking care of the management of the memory used by the objects it contains.”</a:t>
+            </a:r>
+          </a:p>
+          <a:p>
+            <a:endParaRPr lang="en-US" sz="1600" dirty="0"/>
+          </a:p>
+          <a:p>
+            <a:r>
+              <a:rPr lang="en-US" sz="1600" b="1" dirty="0"/>
               <a:t>Requirements</a:t>
             </a:r>
-            <a:endParaRPr lang="en-US" sz="1600" b="1" dirty="0"/>
           </a:p>
           <a:p>
             <a:pPr marL="285750" indent="-285750">
@@ -6901,20 +6590,12 @@
               <a:buChar char="•"/>
             </a:pPr>
             <a:r>
-              <a:rPr lang="en-US" sz="1600" b="1" dirty="0" smtClean="0"/>
+              <a:rPr lang="en-US" sz="1600" b="1" dirty="0"/>
               <a:t>a</a:t>
             </a:r>
             <a:r>
               <a:rPr lang="en-US" sz="1600" dirty="0"/>
-              <a:t> </a:t>
-            </a:r>
-            <a:r>
-              <a:rPr lang="en-US" sz="1600" dirty="0" smtClean="0"/>
-              <a:t>object </a:t>
-            </a:r>
-            <a:r>
-              <a:rPr lang="en-US" sz="1600" dirty="0"/>
-              <a:t>of type </a:t>
+              <a:t> object of type </a:t>
             </a:r>
             <a:r>
               <a:rPr lang="en-US" sz="1600" b="1" dirty="0"/>
@@ -6926,7 +6607,7 @@
             </a:r>
           </a:p>
           <a:p>
-            <a:endParaRPr lang="en-US" sz="1600" b="1" dirty="0" smtClean="0"/>
+            <a:endParaRPr lang="en-US" sz="1600" b="1" dirty="0"/>
           </a:p>
           <a:p>
             <a:r>
@@ -6946,31 +6627,31 @@
               <a:t> </a:t>
             </a:r>
             <a:r>
-              <a:rPr lang="de-DE" sz="1600" b="1" dirty="0" err="1" smtClean="0"/>
+              <a:rPr lang="de-DE" sz="1600" b="1" dirty="0" err="1"/>
               <a:t>operators</a:t>
             </a:r>
-            <a:endParaRPr lang="de-DE" sz="1600" b="1" dirty="0" smtClean="0"/>
-          </a:p>
-          <a:p>
-            <a:endParaRPr lang="de-DE" sz="1600" b="1" dirty="0" smtClean="0"/>
-          </a:p>
-          <a:p>
             <a:endParaRPr lang="de-DE" sz="1600" b="1" dirty="0"/>
           </a:p>
           <a:p>
-            <a:endParaRPr lang="de-DE" sz="1600" b="1" dirty="0" smtClean="0"/>
-          </a:p>
-          <a:p>
-            <a:endParaRPr lang="de-DE" sz="1600" b="1" dirty="0" smtClean="0"/>
-          </a:p>
-          <a:p>
             <a:endParaRPr lang="de-DE" sz="1600" b="1" dirty="0"/>
           </a:p>
           <a:p>
+            <a:endParaRPr lang="de-DE" sz="1600" b="1" dirty="0"/>
+          </a:p>
+          <a:p>
+            <a:endParaRPr lang="de-DE" sz="1600" b="1" dirty="0"/>
+          </a:p>
+          <a:p>
+            <a:endParaRPr lang="de-DE" sz="1600" b="1" dirty="0"/>
+          </a:p>
+          <a:p>
+            <a:endParaRPr lang="de-DE" sz="1600" b="1" dirty="0"/>
+          </a:p>
+          <a:p>
             <a:endParaRPr lang="en-US" sz="1600" b="1" dirty="0"/>
           </a:p>
           <a:p>
-            <a:endParaRPr lang="en-US" sz="1600" b="1" dirty="0" smtClean="0"/>
+            <a:endParaRPr lang="en-US" sz="1600" b="1" dirty="0"/>
           </a:p>
         </p:txBody>
       </p:sp>
@@ -6999,10 +6680,34 @@
                 <a:tableStyleId>{93296810-A885-4BE3-A3E7-6D5BEEA58F35}</a:tableStyleId>
               </a:tblPr>
               <a:tblGrid>
-                <a:gridCol w="1245529"/>
-                <a:gridCol w="1279134"/>
-                <a:gridCol w="3553151"/>
-                <a:gridCol w="1881243"/>
+                <a:gridCol w="1245529">
+                  <a:extLst>
+                    <a:ext uri="{9D8B030D-6E8A-4147-A177-3AD203B41FA5}">
+                      <a16:colId xmlns:a16="http://schemas.microsoft.com/office/drawing/2014/main" xmlns="" val="20000"/>
+                    </a:ext>
+                  </a:extLst>
+                </a:gridCol>
+                <a:gridCol w="1279134">
+                  <a:extLst>
+                    <a:ext uri="{9D8B030D-6E8A-4147-A177-3AD203B41FA5}">
+                      <a16:colId xmlns:a16="http://schemas.microsoft.com/office/drawing/2014/main" xmlns="" val="20001"/>
+                    </a:ext>
+                  </a:extLst>
+                </a:gridCol>
+                <a:gridCol w="3553151">
+                  <a:extLst>
+                    <a:ext uri="{9D8B030D-6E8A-4147-A177-3AD203B41FA5}">
+                      <a16:colId xmlns:a16="http://schemas.microsoft.com/office/drawing/2014/main" xmlns="" val="20002"/>
+                    </a:ext>
+                  </a:extLst>
+                </a:gridCol>
+                <a:gridCol w="1881243">
+                  <a:extLst>
+                    <a:ext uri="{9D8B030D-6E8A-4147-A177-3AD203B41FA5}">
+                      <a16:colId xmlns:a16="http://schemas.microsoft.com/office/drawing/2014/main" xmlns="" val="20003"/>
+                    </a:ext>
+                  </a:extLst>
+                </a:gridCol>
               </a:tblGrid>
               <a:tr h="370840">
                 <a:tc>
@@ -7011,10 +6716,9 @@
                     <a:lstStyle/>
                     <a:p>
                       <a:r>
-                        <a:rPr lang="de-DE" sz="1500" dirty="0" smtClean="0"/>
+                        <a:rPr lang="de-DE" sz="1500" dirty="0"/>
                         <a:t>Expression</a:t>
                       </a:r>
-                      <a:endParaRPr lang="de-DE" sz="1500" dirty="0"/>
                     </a:p>
                   </a:txBody>
                   <a:tcPr>
@@ -7029,10 +6733,9 @@
                     <a:lstStyle/>
                     <a:p>
                       <a:r>
-                        <a:rPr lang="de-DE" sz="1500" dirty="0" smtClean="0"/>
+                        <a:rPr lang="de-DE" sz="1500" dirty="0"/>
                         <a:t>Return type</a:t>
                       </a:r>
-                      <a:endParaRPr lang="de-DE" sz="1500" dirty="0"/>
                     </a:p>
                   </a:txBody>
                   <a:tcPr>
@@ -7047,7 +6750,7 @@
                     <a:lstStyle/>
                     <a:p>
                       <a:r>
-                        <a:rPr lang="de-DE" sz="1500" dirty="0" err="1" smtClean="0"/>
+                        <a:rPr lang="de-DE" sz="1500" dirty="0" err="1"/>
                         <a:t>Semantics</a:t>
                       </a:r>
                       <a:endParaRPr lang="de-DE" sz="1500" dirty="0"/>
@@ -7065,7 +6768,7 @@
                     <a:lstStyle/>
                     <a:p>
                       <a:r>
-                        <a:rPr lang="de-DE" sz="1500" dirty="0" err="1" smtClean="0"/>
+                        <a:rPr lang="de-DE" sz="1500" dirty="0" err="1"/>
                         <a:t>Conditions</a:t>
                       </a:r>
                       <a:endParaRPr lang="de-DE" sz="1500" dirty="0"/>
@@ -7077,6 +6780,11 @@
                     </a:solidFill>
                   </a:tcPr>
                 </a:tc>
+                <a:extLst>
+                  <a:ext uri="{0D108BD9-81ED-4DB2-BD59-A6C34878D82A}">
+                    <a16:rowId xmlns:a16="http://schemas.microsoft.com/office/drawing/2014/main" xmlns="" val="10000"/>
+                  </a:ext>
+                </a:extLst>
               </a:tr>
               <a:tr h="370840">
                 <a:tc>
@@ -7085,7 +6793,7 @@
                     <a:lstStyle/>
                     <a:p>
                       <a:r>
-                        <a:rPr lang="de-DE" sz="1500" kern="1200" dirty="0" smtClean="0">
+                        <a:rPr lang="de-DE" sz="1500" kern="1200" dirty="0">
                           <a:effectLst/>
                         </a:rPr>
                         <a:t>C()</a:t>
@@ -7107,10 +6815,9 @@
                     <a:lstStyle/>
                     <a:p>
                       <a:r>
-                        <a:rPr lang="de-DE" sz="1500" dirty="0" smtClean="0"/>
+                        <a:rPr lang="de-DE" sz="1500" dirty="0"/>
                         <a:t>C</a:t>
                       </a:r>
-                      <a:endParaRPr lang="de-DE" sz="1500" dirty="0"/>
                     </a:p>
                   </a:txBody>
                   <a:tcPr>
@@ -7127,31 +6834,31 @@
                     <a:lstStyle/>
                     <a:p>
                       <a:r>
-                        <a:rPr lang="de-DE" sz="1500" kern="1200" dirty="0" err="1" smtClean="0">
+                        <a:rPr lang="de-DE" sz="1500" kern="1200" dirty="0" err="1">
                           <a:effectLst/>
                         </a:rPr>
                         <a:t>creates</a:t>
                       </a:r>
                       <a:r>
-                        <a:rPr lang="de-DE" sz="1500" kern="1200" dirty="0" smtClean="0">
+                        <a:rPr lang="de-DE" sz="1500" kern="1200" dirty="0">
                           <a:effectLst/>
                         </a:rPr>
                         <a:t> an </a:t>
                       </a:r>
                       <a:r>
-                        <a:rPr lang="de-DE" sz="1500" kern="1200" dirty="0" err="1" smtClean="0">
+                        <a:rPr lang="de-DE" sz="1500" kern="1200" dirty="0" err="1">
                           <a:effectLst/>
                         </a:rPr>
                         <a:t>empty</a:t>
                       </a:r>
                       <a:r>
-                        <a:rPr lang="de-DE" sz="1500" kern="1200" dirty="0" smtClean="0">
+                        <a:rPr lang="de-DE" sz="1500" kern="1200" dirty="0">
                           <a:effectLst/>
                         </a:rPr>
                         <a:t> </a:t>
                       </a:r>
                       <a:r>
-                        <a:rPr lang="de-DE" sz="1500" kern="1200" dirty="0" err="1" smtClean="0">
+                        <a:rPr lang="de-DE" sz="1500" kern="1200" dirty="0" err="1">
                           <a:effectLst/>
                         </a:rPr>
                         <a:t>container</a:t>
@@ -7173,25 +6880,25 @@
                     <a:lstStyle/>
                     <a:p>
                       <a:r>
-                        <a:rPr lang="de-DE" sz="1500" kern="1200" dirty="0" smtClean="0">
+                        <a:rPr lang="de-DE" sz="1500" kern="1200" dirty="0">
                           <a:effectLst/>
                         </a:rPr>
                         <a:t>Post: C().</a:t>
                       </a:r>
                       <a:r>
-                        <a:rPr lang="de-DE" sz="1500" kern="1200" dirty="0" err="1" smtClean="0">
+                        <a:rPr lang="de-DE" sz="1500" kern="1200" dirty="0" err="1">
                           <a:effectLst/>
                         </a:rPr>
                         <a:t>empty</a:t>
                       </a:r>
                       <a:r>
-                        <a:rPr lang="de-DE" sz="1500" kern="1200" dirty="0" smtClean="0">
+                        <a:rPr lang="de-DE" sz="1500" kern="1200" dirty="0">
                           <a:effectLst/>
                         </a:rPr>
                         <a:t>() == </a:t>
                       </a:r>
                       <a:r>
-                        <a:rPr lang="de-DE" sz="1500" kern="1200" dirty="0" err="1" smtClean="0">
+                        <a:rPr lang="de-DE" sz="1500" kern="1200" dirty="0" err="1">
                           <a:effectLst/>
                         </a:rPr>
                         <a:t>true</a:t>
@@ -7207,6 +6914,11 @@
                     </a:solidFill>
                   </a:tcPr>
                 </a:tc>
+                <a:extLst>
+                  <a:ext uri="{0D108BD9-81ED-4DB2-BD59-A6C34878D82A}">
+                    <a16:rowId xmlns:a16="http://schemas.microsoft.com/office/drawing/2014/main" xmlns="" val="10001"/>
+                  </a:ext>
+                </a:extLst>
               </a:tr>
               <a:tr h="370840">
                 <a:tc>
@@ -7215,13 +6927,13 @@
                     <a:lstStyle/>
                     <a:p>
                       <a:r>
-                        <a:rPr lang="de-DE" sz="1500" kern="1200" dirty="0" err="1" smtClean="0">
+                        <a:rPr lang="de-DE" sz="1500" kern="1200" dirty="0" err="1">
                           <a:effectLst/>
                         </a:rPr>
                         <a:t>a.begin</a:t>
                       </a:r>
                       <a:r>
-                        <a:rPr lang="de-DE" sz="1500" kern="1200" dirty="0" smtClean="0">
+                        <a:rPr lang="de-DE" sz="1500" kern="1200" dirty="0">
                           <a:effectLst/>
                         </a:rPr>
                         <a:t>()</a:t>
@@ -7243,7 +6955,7 @@
                     <a:lstStyle/>
                     <a:p>
                       <a:r>
-                        <a:rPr lang="de-DE" sz="1500" kern="1200" dirty="0" err="1" smtClean="0">
+                        <a:rPr lang="de-DE" sz="1500" kern="1200" dirty="0" err="1">
                           <a:effectLst/>
                         </a:rPr>
                         <a:t>iterator</a:t>
@@ -7265,13 +6977,13 @@
                     <a:lstStyle/>
                     <a:p>
                       <a:r>
-                        <a:rPr lang="en-US" sz="1500" kern="1200" dirty="0" smtClean="0">
+                        <a:rPr lang="en-US" sz="1500" kern="1200" dirty="0">
                           <a:effectLst/>
                         </a:rPr>
                         <a:t>Iterator to the first element of </a:t>
                       </a:r>
                       <a:r>
-                        <a:rPr lang="en-US" sz="1500" dirty="0" smtClean="0">
+                        <a:rPr lang="en-US" sz="1500" dirty="0">
                           <a:effectLst/>
                         </a:rPr>
                         <a:t>a</a:t>
@@ -7303,6 +7015,11 @@
                     </a:solidFill>
                   </a:tcPr>
                 </a:tc>
+                <a:extLst>
+                  <a:ext uri="{0D108BD9-81ED-4DB2-BD59-A6C34878D82A}">
+                    <a16:rowId xmlns:a16="http://schemas.microsoft.com/office/drawing/2014/main" xmlns="" val="10002"/>
+                  </a:ext>
+                </a:extLst>
               </a:tr>
               <a:tr h="370840">
                 <a:tc>
@@ -7311,14 +7028,13 @@
                     <a:lstStyle/>
                     <a:p>
                       <a:r>
-                        <a:rPr lang="de-DE" sz="1500" dirty="0" err="1" smtClean="0"/>
+                        <a:rPr lang="de-DE" sz="1500" dirty="0" err="1"/>
                         <a:t>a.end</a:t>
                       </a:r>
                       <a:r>
-                        <a:rPr lang="de-DE" sz="1500" dirty="0" smtClean="0"/>
+                        <a:rPr lang="de-DE" sz="1500" dirty="0"/>
                         <a:t>()</a:t>
                       </a:r>
-                      <a:endParaRPr lang="de-DE" sz="1500" dirty="0"/>
                     </a:p>
                   </a:txBody>
                   <a:tcPr>
@@ -7335,7 +7051,7 @@
                     <a:lstStyle/>
                     <a:p>
                       <a:r>
-                        <a:rPr lang="de-DE" sz="1500" dirty="0" err="1" smtClean="0"/>
+                        <a:rPr lang="de-DE" sz="1500" dirty="0" err="1"/>
                         <a:t>iterator</a:t>
                       </a:r>
                       <a:endParaRPr lang="de-DE" sz="1500" dirty="0"/>
@@ -7355,13 +7071,13 @@
                     <a:lstStyle/>
                     <a:p>
                       <a:r>
-                        <a:rPr lang="en-US" sz="1500" kern="1200" dirty="0" smtClean="0">
+                        <a:rPr lang="en-US" sz="1500" kern="1200" dirty="0">
                           <a:effectLst/>
                         </a:rPr>
                         <a:t>Iterator to one past the last element of </a:t>
                       </a:r>
                       <a:r>
-                        <a:rPr lang="en-US" sz="1500" dirty="0" smtClean="0">
+                        <a:rPr lang="en-US" sz="1500" dirty="0">
                           <a:effectLst/>
                         </a:rPr>
                         <a:t>a</a:t>
@@ -7393,6 +7109,11 @@
                     </a:solidFill>
                   </a:tcPr>
                 </a:tc>
+                <a:extLst>
+                  <a:ext uri="{0D108BD9-81ED-4DB2-BD59-A6C34878D82A}">
+                    <a16:rowId xmlns:a16="http://schemas.microsoft.com/office/drawing/2014/main" xmlns="" val="10003"/>
+                  </a:ext>
+                </a:extLst>
               </a:tr>
             </a:tbl>
           </a:graphicData>
@@ -7445,10 +7166,9 @@
           <a:lstStyle/>
           <a:p>
             <a:r>
-              <a:rPr lang="de-DE" dirty="0" smtClean="0"/>
+              <a:rPr lang="de-DE" dirty="0"/>
               <a:t>Voraussetzungen</a:t>
             </a:r>
-            <a:endParaRPr lang="de-DE" dirty="0"/>
           </a:p>
         </p:txBody>
       </p:sp>
@@ -7473,22 +7193,22 @@
           <a:lstStyle/>
           <a:p>
             <a:r>
-              <a:rPr lang="de-DE" dirty="0" smtClean="0"/>
+              <a:rPr lang="de-DE" dirty="0"/>
               <a:t>Kompatibilität mit bestehenden Konzepten der STL</a:t>
             </a:r>
           </a:p>
           <a:p>
             <a:pPr lvl="1"/>
             <a:r>
-              <a:rPr lang="de-DE" dirty="0" smtClean="0"/>
+              <a:rPr lang="de-DE" dirty="0"/>
               <a:t>Container- und </a:t>
             </a:r>
             <a:r>
-              <a:rPr lang="de-DE" dirty="0" err="1" smtClean="0"/>
+              <a:rPr lang="de-DE" dirty="0" err="1"/>
               <a:t>Iteratoren</a:t>
             </a:r>
             <a:r>
-              <a:rPr lang="de-DE" dirty="0" smtClean="0"/>
+              <a:rPr lang="de-DE" dirty="0"/>
               <a:t>-Konzepte</a:t>
             </a:r>
           </a:p>
@@ -7498,15 +7218,15 @@
               <a:buChar char="→"/>
             </a:pPr>
             <a:r>
-              <a:rPr lang="de-DE" dirty="0" smtClean="0"/>
+              <a:rPr lang="de-DE" dirty="0"/>
               <a:t>Anwenden von STL Algorithmen auf Implementierungen der Graph Konzepte möglich, </a:t>
             </a:r>
             <a:r>
-              <a:rPr lang="de-DE" dirty="0" err="1" smtClean="0"/>
+              <a:rPr lang="de-DE" dirty="0" err="1"/>
               <a:t>z.B</a:t>
             </a:r>
             <a:r>
-              <a:rPr lang="de-DE" dirty="0" smtClean="0"/>
+              <a:rPr lang="de-DE" dirty="0"/>
               <a:t>:</a:t>
             </a:r>
           </a:p>
@@ -7575,8 +7295,8 @@
         </p:nvSpPr>
         <p:spPr>
           <a:xfrm>
-            <a:off x="1043510" y="2912182"/>
-            <a:ext cx="6592785" cy="732848"/>
+            <a:off x="683460" y="2912182"/>
+            <a:ext cx="8327234" cy="825180"/>
           </a:xfrm>
           <a:prstGeom prst="rect">
             <a:avLst/>
@@ -7597,17 +7317,17 @@
           <a:lstStyle/>
           <a:p>
             <a:r>
-              <a:rPr lang="en-US" dirty="0">
+              <a:rPr lang="en-US" sz="1500" dirty="0">
                 <a:latin typeface="DejaVu Sans Mono" panose="020B0609030804020204" pitchFamily="49" charset="0"/>
                 <a:ea typeface="DejaVu Sans Mono" panose="020B0609030804020204" pitchFamily="49" charset="0"/>
                 <a:cs typeface="DejaVu Sans Mono" panose="020B0609030804020204" pitchFamily="49" charset="0"/>
               </a:rPr>
-              <a:t>dash::Graph g();</a:t>
-            </a:r>
-          </a:p>
-          <a:p>
-            <a:r>
-              <a:rPr lang="en-US" dirty="0">
+              <a:t>dash::Graph g;</a:t>
+            </a:r>
+          </a:p>
+          <a:p>
+            <a:r>
+              <a:rPr lang="en-US" sz="1500" dirty="0">
                 <a:solidFill>
                   <a:schemeClr val="accent2">
                     <a:lumMod val="60000"/>
@@ -7621,7 +7341,7 @@
               <a:t>auto</a:t>
             </a:r>
             <a:r>
-              <a:rPr lang="en-US" dirty="0">
+              <a:rPr lang="en-US" sz="1500" dirty="0">
                 <a:latin typeface="DejaVu Sans Mono" panose="020B0609030804020204" pitchFamily="49" charset="0"/>
                 <a:ea typeface="DejaVu Sans Mono" panose="020B0609030804020204" pitchFamily="49" charset="0"/>
                 <a:cs typeface="DejaVu Sans Mono" panose="020B0609030804020204" pitchFamily="49" charset="0"/>
@@ -7629,7 +7349,7 @@
               <a:t> amount = </a:t>
             </a:r>
             <a:r>
-              <a:rPr lang="en-US" dirty="0" err="1">
+              <a:rPr lang="en-US" sz="1500" dirty="0" err="1">
                 <a:latin typeface="DejaVu Sans Mono" panose="020B0609030804020204" pitchFamily="49" charset="0"/>
                 <a:ea typeface="DejaVu Sans Mono" panose="020B0609030804020204" pitchFamily="49" charset="0"/>
                 <a:cs typeface="DejaVu Sans Mono" panose="020B0609030804020204" pitchFamily="49" charset="0"/>
@@ -7637,7 +7357,7 @@
               <a:t>std</a:t>
             </a:r>
             <a:r>
-              <a:rPr lang="en-US" dirty="0">
+              <a:rPr lang="en-US" sz="1500" dirty="0">
                 <a:latin typeface="DejaVu Sans Mono" panose="020B0609030804020204" pitchFamily="49" charset="0"/>
                 <a:ea typeface="DejaVu Sans Mono" panose="020B0609030804020204" pitchFamily="49" charset="0"/>
                 <a:cs typeface="DejaVu Sans Mono" panose="020B0609030804020204" pitchFamily="49" charset="0"/>
@@ -7645,7 +7365,7 @@
               <a:t>::count(</a:t>
             </a:r>
             <a:r>
-              <a:rPr lang="en-US" dirty="0" err="1">
+              <a:rPr lang="en-US" sz="1500" dirty="0" err="1">
                 <a:latin typeface="DejaVu Sans Mono" panose="020B0609030804020204" pitchFamily="49" charset="0"/>
                 <a:ea typeface="DejaVu Sans Mono" panose="020B0609030804020204" pitchFamily="49" charset="0"/>
                 <a:cs typeface="DejaVu Sans Mono" panose="020B0609030804020204" pitchFamily="49" charset="0"/>
@@ -7653,30 +7373,54 @@
               <a:t>g.vertices</a:t>
             </a:r>
             <a:r>
-              <a:rPr lang="en-US" dirty="0">
+              <a:rPr lang="en-US" sz="1500" dirty="0" smtClean="0">
                 <a:latin typeface="DejaVu Sans Mono" panose="020B0609030804020204" pitchFamily="49" charset="0"/>
                 <a:ea typeface="DejaVu Sans Mono" panose="020B0609030804020204" pitchFamily="49" charset="0"/>
                 <a:cs typeface="DejaVu Sans Mono" panose="020B0609030804020204" pitchFamily="49" charset="0"/>
               </a:rPr>
-              <a:t>().begin(), </a:t>
-            </a:r>
-            <a:r>
-              <a:rPr lang="en-US" dirty="0" err="1">
+              <a:t>().</a:t>
+            </a:r>
+            <a:r>
+              <a:rPr lang="en-US" sz="1500" dirty="0" err="1" smtClean="0">
                 <a:latin typeface="DejaVu Sans Mono" panose="020B0609030804020204" pitchFamily="49" charset="0"/>
                 <a:ea typeface="DejaVu Sans Mono" panose="020B0609030804020204" pitchFamily="49" charset="0"/>
                 <a:cs typeface="DejaVu Sans Mono" panose="020B0609030804020204" pitchFamily="49" charset="0"/>
               </a:rPr>
-              <a:t>g.vertices</a:t>
-            </a:r>
-            <a:r>
-              <a:rPr lang="en-US" dirty="0">
+              <a:t>lbegin</a:t>
+            </a:r>
+            <a:r>
+              <a:rPr lang="en-US" sz="1500" dirty="0">
                 <a:latin typeface="DejaVu Sans Mono" panose="020B0609030804020204" pitchFamily="49" charset="0"/>
                 <a:ea typeface="DejaVu Sans Mono" panose="020B0609030804020204" pitchFamily="49" charset="0"/>
                 <a:cs typeface="DejaVu Sans Mono" panose="020B0609030804020204" pitchFamily="49" charset="0"/>
               </a:rPr>
-              <a:t>().end());</a:t>
-            </a:r>
-            <a:endParaRPr lang="de-DE" dirty="0">
+              <a:t>(), </a:t>
+            </a:r>
+            <a:r>
+              <a:rPr lang="en-US" sz="1500" dirty="0" err="1">
+                <a:latin typeface="DejaVu Sans Mono" panose="020B0609030804020204" pitchFamily="49" charset="0"/>
+                <a:ea typeface="DejaVu Sans Mono" panose="020B0609030804020204" pitchFamily="49" charset="0"/>
+                <a:cs typeface="DejaVu Sans Mono" panose="020B0609030804020204" pitchFamily="49" charset="0"/>
+              </a:rPr>
+              <a:t>g.vertices</a:t>
+            </a:r>
+            <a:r>
+              <a:rPr lang="en-US" sz="1500" dirty="0" smtClean="0">
+                <a:latin typeface="DejaVu Sans Mono" panose="020B0609030804020204" pitchFamily="49" charset="0"/>
+                <a:ea typeface="DejaVu Sans Mono" panose="020B0609030804020204" pitchFamily="49" charset="0"/>
+                <a:cs typeface="DejaVu Sans Mono" panose="020B0609030804020204" pitchFamily="49" charset="0"/>
+              </a:rPr>
+              <a:t>().lend</a:t>
+            </a:r>
+            <a:r>
+              <a:rPr lang="en-US" sz="1500" dirty="0">
+                <a:latin typeface="DejaVu Sans Mono" panose="020B0609030804020204" pitchFamily="49" charset="0"/>
+                <a:ea typeface="DejaVu Sans Mono" panose="020B0609030804020204" pitchFamily="49" charset="0"/>
+                <a:cs typeface="DejaVu Sans Mono" panose="020B0609030804020204" pitchFamily="49" charset="0"/>
+              </a:rPr>
+              <a:t>());</a:t>
+            </a:r>
+            <a:endParaRPr lang="de-DE" sz="1500" dirty="0">
               <a:latin typeface="DejaVu Sans Mono" panose="020B0609030804020204" pitchFamily="49" charset="0"/>
               <a:ea typeface="DejaVu Sans Mono" panose="020B0609030804020204" pitchFamily="49" charset="0"/>
               <a:cs typeface="DejaVu Sans Mono" panose="020B0609030804020204" pitchFamily="49" charset="0"/>
@@ -7873,30 +7617,30 @@
           </a:lstStyle>
           <a:p>
             <a:r>
-              <a:rPr lang="de-DE" kern="0" dirty="0" smtClean="0"/>
+              <a:rPr lang="de-DE" kern="0" dirty="0"/>
               <a:t>Kompatibilität mit </a:t>
             </a:r>
             <a:r>
-              <a:rPr lang="de-DE" kern="0" dirty="0" err="1" smtClean="0"/>
+              <a:rPr lang="de-DE" kern="0" dirty="0" err="1"/>
               <a:t>Partitioned</a:t>
             </a:r>
             <a:r>
-              <a:rPr lang="de-DE" kern="0" dirty="0" smtClean="0"/>
+              <a:rPr lang="de-DE" kern="0" dirty="0"/>
               <a:t> Global </a:t>
             </a:r>
             <a:r>
-              <a:rPr lang="de-DE" kern="0" dirty="0" err="1" smtClean="0"/>
+              <a:rPr lang="de-DE" kern="0" dirty="0" err="1"/>
               <a:t>Address</a:t>
             </a:r>
             <a:r>
-              <a:rPr lang="de-DE" kern="0" dirty="0" smtClean="0"/>
+              <a:rPr lang="de-DE" kern="0" dirty="0"/>
               <a:t> Space</a:t>
             </a:r>
           </a:p>
           <a:p>
             <a:pPr lvl="1"/>
             <a:r>
-              <a:rPr lang="de-DE" kern="0" dirty="0" smtClean="0"/>
+              <a:rPr lang="de-DE" kern="0" dirty="0"/>
               <a:t>Globaler Adressraum über alle teilnehmenden Maschinen</a:t>
             </a:r>
           </a:p>
@@ -7904,13 +7648,8 @@
             <a:pPr lvl="1"/>
             <a:r>
               <a:rPr lang="de-DE" kern="0" dirty="0"/>
-              <a:t>Differenzierung: Lokaler und </a:t>
-            </a:r>
-            <a:r>
-              <a:rPr lang="de-DE" kern="0" dirty="0" smtClean="0"/>
-              <a:t>entfernter Element-Zugriff</a:t>
-            </a:r>
-            <a:endParaRPr lang="de-DE" kern="0" dirty="0"/>
+              <a:t>Differenzierung: Lokaler und entfernter Element-Zugriff</a:t>
+            </a:r>
           </a:p>
         </p:txBody>
       </p:sp>
@@ -7961,10 +7700,9 @@
           <a:lstStyle/>
           <a:p>
             <a:r>
-              <a:rPr lang="de-DE" dirty="0" smtClean="0"/>
+              <a:rPr lang="de-DE" dirty="0"/>
               <a:t>Graph Konzepte: Hierarchie</a:t>
             </a:r>
-            <a:endParaRPr lang="de-DE" dirty="0"/>
           </a:p>
         </p:txBody>
       </p:sp>
@@ -8209,39 +7947,29 @@
           </a:lstStyle>
           <a:p>
             <a:r>
-              <a:rPr lang="de-DE" kern="0" dirty="0" smtClean="0"/>
-              <a:t>Implementierungen können die Voraussetzungen von einem oder mehreren Konzepten </a:t>
-            </a:r>
-            <a:r>
-              <a:rPr lang="de-DE" kern="0" dirty="0" smtClean="0"/>
-              <a:t>erfüllen</a:t>
-            </a:r>
-            <a:endParaRPr lang="de-DE" kern="0" dirty="0" smtClean="0"/>
-          </a:p>
-          <a:p>
-            <a:r>
-              <a:rPr lang="de-DE" kern="0" dirty="0" smtClean="0"/>
+              <a:rPr lang="de-DE" kern="0" dirty="0"/>
+              <a:t>Implementierungen können die Voraussetzungen von einem oder mehreren Konzepten erfüllen</a:t>
+            </a:r>
+          </a:p>
+          <a:p>
+            <a:r>
+              <a:rPr lang="de-DE" kern="0" dirty="0"/>
               <a:t>Die Voraussetzungen von </a:t>
             </a:r>
             <a:r>
-              <a:rPr lang="de-DE" b="1" kern="0" dirty="0" smtClean="0"/>
+              <a:rPr lang="de-DE" b="1" kern="0" dirty="0"/>
               <a:t>Graph</a:t>
             </a:r>
             <a:r>
-              <a:rPr lang="de-DE" kern="0" dirty="0" smtClean="0"/>
-              <a:t> müssen immer erfüllt </a:t>
-            </a:r>
-            <a:r>
-              <a:rPr lang="de-DE" kern="0" dirty="0" smtClean="0"/>
-              <a:t>werden</a:t>
-            </a:r>
-          </a:p>
-          <a:p>
-            <a:r>
-              <a:rPr lang="de-DE" kern="0" dirty="0" smtClean="0"/>
-              <a:t>Alle anderen Konzepte sind frei miteinander kombinierbar</a:t>
-            </a:r>
-            <a:endParaRPr lang="de-DE" kern="0" dirty="0"/>
+              <a:rPr lang="de-DE" kern="0" dirty="0"/>
+              <a:t> müssen immer erfüllt werden</a:t>
+            </a:r>
+          </a:p>
+          <a:p>
+            <a:r>
+              <a:rPr lang="de-DE" kern="0" dirty="0"/>
+              <a:t>Alle Konzepte sind frei kombinierbar</a:t>
+            </a:r>
           </a:p>
         </p:txBody>
       </p:sp>
@@ -8297,18 +8025,13 @@
           <a:lstStyle/>
           <a:p>
             <a:r>
-              <a:rPr lang="de-DE" sz="1400" dirty="0" smtClean="0">
+              <a:rPr lang="de-DE" sz="1400" dirty="0">
                 <a:latin typeface="DejaVu Sans Mono" panose="020B0609030804020204" pitchFamily="49" charset="0"/>
                 <a:ea typeface="DejaVu Sans Mono" panose="020B0609030804020204" pitchFamily="49" charset="0"/>
                 <a:cs typeface="DejaVu Sans Mono" panose="020B0609030804020204" pitchFamily="49" charset="0"/>
               </a:rPr>
               <a:t>Graph</a:t>
             </a:r>
-            <a:endParaRPr lang="de-DE" sz="1400" dirty="0">
-              <a:latin typeface="DejaVu Sans Mono" panose="020B0609030804020204" pitchFamily="49" charset="0"/>
-              <a:ea typeface="DejaVu Sans Mono" panose="020B0609030804020204" pitchFamily="49" charset="0"/>
-              <a:cs typeface="DejaVu Sans Mono" panose="020B0609030804020204" pitchFamily="49" charset="0"/>
-            </a:endParaRPr>
           </a:p>
         </p:txBody>
       </p:sp>
@@ -8320,7 +8043,7 @@
         </p:nvSpPr>
         <p:spPr>
           <a:xfrm>
-            <a:off x="395420" y="2401123"/>
+            <a:off x="471996" y="2401123"/>
             <a:ext cx="1795684" cy="307777"/>
           </a:xfrm>
           <a:prstGeom prst="rect">
@@ -8335,7 +8058,7 @@
           <a:lstStyle/>
           <a:p>
             <a:r>
-              <a:rPr lang="de-DE" sz="1400" dirty="0" err="1" smtClean="0">
+              <a:rPr lang="de-DE" sz="1400" dirty="0" err="1">
                 <a:latin typeface="DejaVu Sans Mono" panose="020B0609030804020204" pitchFamily="49" charset="0"/>
                 <a:ea typeface="DejaVu Sans Mono" panose="020B0609030804020204" pitchFamily="49" charset="0"/>
                 <a:cs typeface="DejaVu Sans Mono" panose="020B0609030804020204" pitchFamily="49" charset="0"/>
@@ -8373,7 +8096,7 @@
           <a:lstStyle/>
           <a:p>
             <a:r>
-              <a:rPr lang="de-DE" sz="1400" dirty="0" err="1" smtClean="0">
+              <a:rPr lang="de-DE" sz="1400" dirty="0" err="1">
                 <a:latin typeface="DejaVu Sans Mono" panose="020B0609030804020204" pitchFamily="49" charset="0"/>
                 <a:ea typeface="DejaVu Sans Mono" panose="020B0609030804020204" pitchFamily="49" charset="0"/>
                 <a:cs typeface="DejaVu Sans Mono" panose="020B0609030804020204" pitchFamily="49" charset="0"/>
@@ -8411,7 +8134,7 @@
           <a:lstStyle/>
           <a:p>
             <a:r>
-              <a:rPr lang="de-DE" sz="1400" dirty="0" err="1" smtClean="0">
+              <a:rPr lang="de-DE" sz="1400" dirty="0" err="1">
                 <a:latin typeface="DejaVu Sans Mono" panose="020B0609030804020204" pitchFamily="49" charset="0"/>
                 <a:ea typeface="DejaVu Sans Mono" panose="020B0609030804020204" pitchFamily="49" charset="0"/>
                 <a:cs typeface="DejaVu Sans Mono" panose="020B0609030804020204" pitchFamily="49" charset="0"/>
@@ -8449,7 +8172,7 @@
           <a:lstStyle/>
           <a:p>
             <a:r>
-              <a:rPr lang="de-DE" sz="1400" dirty="0" err="1" smtClean="0">
+              <a:rPr lang="de-DE" sz="1400" dirty="0" err="1">
                 <a:latin typeface="DejaVu Sans Mono" panose="020B0609030804020204" pitchFamily="49" charset="0"/>
                 <a:ea typeface="DejaVu Sans Mono" panose="020B0609030804020204" pitchFamily="49" charset="0"/>
                 <a:cs typeface="DejaVu Sans Mono" panose="020B0609030804020204" pitchFamily="49" charset="0"/>
@@ -8511,10 +8234,9 @@
           <a:lstStyle/>
           <a:p>
             <a:r>
-              <a:rPr lang="de-DE" dirty="0" smtClean="0"/>
+              <a:rPr lang="de-DE" dirty="0"/>
               <a:t>Graph Konzepte: Graph</a:t>
             </a:r>
-            <a:endParaRPr lang="de-DE" dirty="0"/>
           </a:p>
         </p:txBody>
       </p:sp>
@@ -8759,34 +8481,33 @@
           </a:lstStyle>
           <a:p>
             <a:r>
-              <a:rPr lang="de-DE" kern="0" dirty="0" smtClean="0"/>
+              <a:rPr lang="de-DE" kern="0" dirty="0"/>
               <a:t>Konstruktion von statischen Graphen</a:t>
             </a:r>
           </a:p>
           <a:p>
             <a:r>
-              <a:rPr lang="de-DE" kern="0" dirty="0" smtClean="0"/>
+              <a:rPr lang="de-DE" kern="0" dirty="0"/>
               <a:t>Iteration über </a:t>
             </a:r>
             <a:r>
-              <a:rPr lang="de-DE" kern="0" dirty="0" err="1" smtClean="0"/>
+              <a:rPr lang="de-DE" kern="0" dirty="0" err="1"/>
               <a:t>Vertizes</a:t>
             </a:r>
             <a:r>
-              <a:rPr lang="de-DE" kern="0" dirty="0" smtClean="0"/>
+              <a:rPr lang="de-DE" kern="0" dirty="0"/>
               <a:t> und Kanten</a:t>
             </a:r>
           </a:p>
           <a:p>
             <a:r>
-              <a:rPr lang="de-DE" kern="0" dirty="0" err="1" smtClean="0"/>
+              <a:rPr lang="de-DE" kern="0" dirty="0" err="1"/>
               <a:t>Adjazenz</a:t>
             </a:r>
             <a:r>
-              <a:rPr lang="de-DE" kern="0" dirty="0" smtClean="0"/>
+              <a:rPr lang="de-DE" kern="0" dirty="0"/>
               <a:t>-Iteration über ausgehende Kanten</a:t>
             </a:r>
-            <a:endParaRPr lang="de-DE" kern="0" dirty="0"/>
           </a:p>
         </p:txBody>
       </p:sp>
@@ -8827,7 +8548,7 @@
         </p:nvSpPr>
         <p:spPr>
           <a:xfrm>
-            <a:off x="4194000" y="1566384"/>
+            <a:off x="4122087" y="1566384"/>
             <a:ext cx="881973" cy="369332"/>
           </a:xfrm>
           <a:prstGeom prst="rect">
@@ -8842,18 +8563,13 @@
           <a:lstStyle/>
           <a:p>
             <a:r>
-              <a:rPr lang="de-DE" sz="1800" b="1" dirty="0" smtClean="0">
+              <a:rPr lang="de-DE" sz="1800" b="1" dirty="0">
                 <a:latin typeface="DejaVu Sans Mono" panose="020B0609030804020204" pitchFamily="49" charset="0"/>
                 <a:ea typeface="DejaVu Sans Mono" panose="020B0609030804020204" pitchFamily="49" charset="0"/>
                 <a:cs typeface="DejaVu Sans Mono" panose="020B0609030804020204" pitchFamily="49" charset="0"/>
               </a:rPr>
               <a:t>Graph</a:t>
             </a:r>
-            <a:endParaRPr lang="de-DE" sz="1800" b="1" dirty="0">
-              <a:latin typeface="DejaVu Sans Mono" panose="020B0609030804020204" pitchFamily="49" charset="0"/>
-              <a:ea typeface="DejaVu Sans Mono" panose="020B0609030804020204" pitchFamily="49" charset="0"/>
-              <a:cs typeface="DejaVu Sans Mono" panose="020B0609030804020204" pitchFamily="49" charset="0"/>
-            </a:endParaRPr>
           </a:p>
         </p:txBody>
       </p:sp>
@@ -8865,7 +8581,7 @@
         </p:nvSpPr>
         <p:spPr>
           <a:xfrm>
-            <a:off x="395420" y="2401123"/>
+            <a:off x="471996" y="2401123"/>
             <a:ext cx="1795684" cy="307777"/>
           </a:xfrm>
           <a:prstGeom prst="rect">
@@ -8880,7 +8596,7 @@
           <a:lstStyle/>
           <a:p>
             <a:r>
-              <a:rPr lang="de-DE" sz="1400" dirty="0" err="1" smtClean="0">
+              <a:rPr lang="de-DE" sz="1400" dirty="0" err="1">
                 <a:latin typeface="DejaVu Sans Mono" panose="020B0609030804020204" pitchFamily="49" charset="0"/>
                 <a:ea typeface="DejaVu Sans Mono" panose="020B0609030804020204" pitchFamily="49" charset="0"/>
                 <a:cs typeface="DejaVu Sans Mono" panose="020B0609030804020204" pitchFamily="49" charset="0"/>
@@ -8918,7 +8634,7 @@
           <a:lstStyle/>
           <a:p>
             <a:r>
-              <a:rPr lang="de-DE" sz="1400" dirty="0" err="1" smtClean="0">
+              <a:rPr lang="de-DE" sz="1400" dirty="0" err="1">
                 <a:latin typeface="DejaVu Sans Mono" panose="020B0609030804020204" pitchFamily="49" charset="0"/>
                 <a:ea typeface="DejaVu Sans Mono" panose="020B0609030804020204" pitchFamily="49" charset="0"/>
                 <a:cs typeface="DejaVu Sans Mono" panose="020B0609030804020204" pitchFamily="49" charset="0"/>
@@ -8956,7 +8672,7 @@
           <a:lstStyle/>
           <a:p>
             <a:r>
-              <a:rPr lang="de-DE" sz="1400" dirty="0" err="1" smtClean="0">
+              <a:rPr lang="de-DE" sz="1400" dirty="0" err="1">
                 <a:latin typeface="DejaVu Sans Mono" panose="020B0609030804020204" pitchFamily="49" charset="0"/>
                 <a:ea typeface="DejaVu Sans Mono" panose="020B0609030804020204" pitchFamily="49" charset="0"/>
                 <a:cs typeface="DejaVu Sans Mono" panose="020B0609030804020204" pitchFamily="49" charset="0"/>
@@ -8994,7 +8710,7 @@
           <a:lstStyle/>
           <a:p>
             <a:r>
-              <a:rPr lang="de-DE" sz="1400" dirty="0" err="1" smtClean="0">
+              <a:rPr lang="de-DE" sz="1400" dirty="0" err="1">
                 <a:latin typeface="DejaVu Sans Mono" panose="020B0609030804020204" pitchFamily="49" charset="0"/>
                 <a:ea typeface="DejaVu Sans Mono" panose="020B0609030804020204" pitchFamily="49" charset="0"/>
                 <a:cs typeface="DejaVu Sans Mono" panose="020B0609030804020204" pitchFamily="49" charset="0"/>
@@ -9056,11 +8772,11 @@
           <a:lstStyle/>
           <a:p>
             <a:r>
-              <a:rPr lang="de-DE" dirty="0" smtClean="0"/>
+              <a:rPr lang="de-DE" dirty="0"/>
               <a:t>Graph Konzepte: </a:t>
             </a:r>
             <a:r>
-              <a:rPr lang="de-DE" dirty="0" err="1" smtClean="0"/>
+              <a:rPr lang="de-DE" dirty="0" err="1"/>
               <a:t>AttributedGraph</a:t>
             </a:r>
             <a:endParaRPr lang="de-DE" dirty="0"/>
@@ -9308,32 +9024,23 @@
           </a:lstStyle>
           <a:p>
             <a:r>
-              <a:rPr lang="de-DE" kern="0" dirty="0" smtClean="0"/>
-              <a:t>Persistente Speicherung </a:t>
-            </a:r>
-            <a:r>
-              <a:rPr lang="de-DE" kern="0" dirty="0" smtClean="0"/>
-              <a:t>beliebiger Attribute </a:t>
-            </a:r>
-            <a:r>
-              <a:rPr lang="de-DE" kern="0" dirty="0" smtClean="0"/>
-              <a:t>für </a:t>
-            </a:r>
-            <a:r>
-              <a:rPr lang="de-DE" kern="0" dirty="0" err="1" smtClean="0"/>
+              <a:rPr lang="de-DE" kern="0" dirty="0"/>
+              <a:t>Persistente Speicherung beliebiger Attribute für </a:t>
+            </a:r>
+            <a:r>
+              <a:rPr lang="de-DE" kern="0" dirty="0" err="1"/>
               <a:t>Vertizes</a:t>
             </a:r>
             <a:r>
-              <a:rPr lang="de-DE" kern="0" dirty="0" smtClean="0"/>
+              <a:rPr lang="de-DE" kern="0" dirty="0"/>
               <a:t> und Kanten (bspw. Kantengewichte)</a:t>
             </a:r>
           </a:p>
           <a:p>
             <a:r>
-              <a:rPr lang="de-DE" kern="0" dirty="0" smtClean="0"/>
+              <a:rPr lang="de-DE" kern="0" dirty="0"/>
               <a:t>Modifizierung der Attribute während der Laufzeit</a:t>
             </a:r>
-            <a:endParaRPr lang="de-DE" kern="0" dirty="0"/>
           </a:p>
         </p:txBody>
       </p:sp>
@@ -9389,18 +9096,13 @@
           <a:lstStyle/>
           <a:p>
             <a:r>
-              <a:rPr lang="de-DE" sz="1400" dirty="0" smtClean="0">
+              <a:rPr lang="de-DE" sz="1400" dirty="0">
                 <a:latin typeface="DejaVu Sans Mono" panose="020B0609030804020204" pitchFamily="49" charset="0"/>
                 <a:ea typeface="DejaVu Sans Mono" panose="020B0609030804020204" pitchFamily="49" charset="0"/>
                 <a:cs typeface="DejaVu Sans Mono" panose="020B0609030804020204" pitchFamily="49" charset="0"/>
               </a:rPr>
               <a:t>Graph</a:t>
             </a:r>
-            <a:endParaRPr lang="de-DE" sz="1400" dirty="0">
-              <a:latin typeface="DejaVu Sans Mono" panose="020B0609030804020204" pitchFamily="49" charset="0"/>
-              <a:ea typeface="DejaVu Sans Mono" panose="020B0609030804020204" pitchFamily="49" charset="0"/>
-              <a:cs typeface="DejaVu Sans Mono" panose="020B0609030804020204" pitchFamily="49" charset="0"/>
-            </a:endParaRPr>
           </a:p>
         </p:txBody>
       </p:sp>
@@ -9412,8 +9114,8 @@
         </p:nvSpPr>
         <p:spPr>
           <a:xfrm>
-            <a:off x="395420" y="2401123"/>
-            <a:ext cx="2276585" cy="369332"/>
+            <a:off x="467430" y="2401122"/>
+            <a:ext cx="2036135" cy="338554"/>
           </a:xfrm>
           <a:prstGeom prst="rect">
             <a:avLst/>
@@ -9427,14 +9129,14 @@
           <a:lstStyle/>
           <a:p>
             <a:r>
-              <a:rPr lang="de-DE" sz="1800" b="1" dirty="0" err="1" smtClean="0">
+              <a:rPr lang="de-DE" sz="1600" b="1" dirty="0" err="1">
                 <a:latin typeface="DejaVu Sans Mono" panose="020B0609030804020204" pitchFamily="49" charset="0"/>
                 <a:ea typeface="DejaVu Sans Mono" panose="020B0609030804020204" pitchFamily="49" charset="0"/>
                 <a:cs typeface="DejaVu Sans Mono" panose="020B0609030804020204" pitchFamily="49" charset="0"/>
               </a:rPr>
               <a:t>AttributedGraph</a:t>
             </a:r>
-            <a:endParaRPr lang="de-DE" sz="1800" b="1" dirty="0">
+            <a:endParaRPr lang="de-DE" sz="1600" b="1" dirty="0">
               <a:latin typeface="DejaVu Sans Mono" panose="020B0609030804020204" pitchFamily="49" charset="0"/>
               <a:ea typeface="DejaVu Sans Mono" panose="020B0609030804020204" pitchFamily="49" charset="0"/>
               <a:cs typeface="DejaVu Sans Mono" panose="020B0609030804020204" pitchFamily="49" charset="0"/>
@@ -9465,7 +9167,7 @@
           <a:lstStyle/>
           <a:p>
             <a:r>
-              <a:rPr lang="de-DE" sz="1400" dirty="0" err="1" smtClean="0">
+              <a:rPr lang="de-DE" sz="1400" dirty="0" err="1">
                 <a:latin typeface="DejaVu Sans Mono" panose="020B0609030804020204" pitchFamily="49" charset="0"/>
                 <a:ea typeface="DejaVu Sans Mono" panose="020B0609030804020204" pitchFamily="49" charset="0"/>
                 <a:cs typeface="DejaVu Sans Mono" panose="020B0609030804020204" pitchFamily="49" charset="0"/>
@@ -9503,7 +9205,7 @@
           <a:lstStyle/>
           <a:p>
             <a:r>
-              <a:rPr lang="de-DE" sz="1400" dirty="0" err="1" smtClean="0">
+              <a:rPr lang="de-DE" sz="1400" dirty="0" err="1">
                 <a:latin typeface="DejaVu Sans Mono" panose="020B0609030804020204" pitchFamily="49" charset="0"/>
                 <a:ea typeface="DejaVu Sans Mono" panose="020B0609030804020204" pitchFamily="49" charset="0"/>
                 <a:cs typeface="DejaVu Sans Mono" panose="020B0609030804020204" pitchFamily="49" charset="0"/>
@@ -9541,7 +9243,7 @@
           <a:lstStyle/>
           <a:p>
             <a:r>
-              <a:rPr lang="de-DE" sz="1400" dirty="0" err="1" smtClean="0">
+              <a:rPr lang="de-DE" sz="1400" dirty="0" err="1">
                 <a:latin typeface="DejaVu Sans Mono" panose="020B0609030804020204" pitchFamily="49" charset="0"/>
                 <a:ea typeface="DejaVu Sans Mono" panose="020B0609030804020204" pitchFamily="49" charset="0"/>
                 <a:cs typeface="DejaVu Sans Mono" panose="020B0609030804020204" pitchFamily="49" charset="0"/>
